--- a/slides/Imperial_Powerpoint-Template_16-9-Ratio.pptx
+++ b/slides/Imperial_Powerpoint-Template_16-9-Ratio.pptx
@@ -5,10 +5,10 @@
     <p:sldMasterId id="2147483648" r:id="rId1"/>
   </p:sldMasterIdLst>
   <p:notesMasterIdLst>
-    <p:notesMasterId r:id="rId14"/>
+    <p:notesMasterId r:id="rId16"/>
   </p:notesMasterIdLst>
   <p:handoutMasterIdLst>
-    <p:handoutMasterId r:id="rId15"/>
+    <p:handoutMasterId r:id="rId17"/>
   </p:handoutMasterIdLst>
   <p:sldIdLst>
     <p:sldId id="256" r:id="rId2"/>
@@ -16,13 +16,15 @@
     <p:sldId id="267" r:id="rId4"/>
     <p:sldId id="265" r:id="rId5"/>
     <p:sldId id="270" r:id="rId6"/>
-    <p:sldId id="264" r:id="rId7"/>
-    <p:sldId id="261" r:id="rId8"/>
-    <p:sldId id="263" r:id="rId9"/>
-    <p:sldId id="257" r:id="rId10"/>
-    <p:sldId id="258" r:id="rId11"/>
-    <p:sldId id="260" r:id="rId12"/>
-    <p:sldId id="262" r:id="rId13"/>
+    <p:sldId id="271" r:id="rId7"/>
+    <p:sldId id="272" r:id="rId8"/>
+    <p:sldId id="273" r:id="rId9"/>
+    <p:sldId id="261" r:id="rId10"/>
+    <p:sldId id="263" r:id="rId11"/>
+    <p:sldId id="257" r:id="rId12"/>
+    <p:sldId id="258" r:id="rId13"/>
+    <p:sldId id="260" r:id="rId14"/>
+    <p:sldId id="262" r:id="rId15"/>
   </p:sldIdLst>
   <p:sldSz cx="9144000" cy="5143500" type="screen16x9"/>
   <p:notesSz cx="6858000" cy="9144000"/>
@@ -241,13 +243,13 @@
             </a:lvl1pPr>
           </a:lstStyle>
           <a:p>
-            <a:fld id="{CBBBB4C8-F85D-471F-85BD-DFBAD186DDC9}" type="datetime3">
+            <a:fld id="{CA7D04C1-991B-4EEB-AA1A-D2CBDA346734}" type="datetime3">
               <a:rPr lang="en-GB" smtClean="0">
                 <a:solidFill>
                   <a:srgbClr val="003E74"/>
                 </a:solidFill>
               </a:rPr>
-              <a:t>9 February, 2019</a:t>
+              <a:t>10 February, 2019</a:t>
             </a:fld>
             <a:endParaRPr lang="en-US" dirty="0">
               <a:solidFill>
@@ -265,7 +267,7 @@
     </p:extLst>
   </p:cSld>
   <p:clrMap bg1="lt1" tx1="dk1" bg2="lt2" tx2="dk2" accent1="accent1" accent2="accent2" accent3="accent3" accent4="accent4" accent5="accent5" accent6="accent6" hlink="hlink" folHlink="folHlink"/>
-  <p:hf sldNum="0" ftr="0"/>
+  <p:hf sldNum="0" hdr="0" ftr="0" dt="0"/>
 </p:handoutMaster>
 </file>
 
@@ -360,9 +362,9 @@
             </a:lvl1pPr>
           </a:lstStyle>
           <a:p>
-            <a:fld id="{3849A218-F6C8-4D9F-8056-9C3C129E5CAA}" type="datetime3">
+            <a:fld id="{904353A7-A2F9-447D-8F2A-1F12A57FF584}" type="datetime3">
               <a:rPr lang="en-GB" smtClean="0"/>
-              <a:t>9 February, 2019</a:t>
+              <a:t>10 February, 2019</a:t>
             </a:fld>
             <a:endParaRPr lang="en-US" dirty="0"/>
           </a:p>
@@ -409,7 +411,7 @@
     </p:extLst>
   </p:cSld>
   <p:clrMap bg1="lt1" tx1="dk1" bg2="lt2" tx2="dk2" accent1="accent1" accent2="accent2" accent3="accent3" accent4="accent4" accent5="accent5" accent6="accent6" hlink="hlink" folHlink="folHlink"/>
-  <p:hf sldNum="0" ftr="0"/>
+  <p:hf sldNum="0" hdr="0" ftr="0" dt="0"/>
   <p:notesStyle>
     <a:lvl1pPr marL="0" algn="l" defTabSz="457200" rtl="0" eaLnBrk="1" latinLnBrk="0" hangingPunct="1">
       <a:defRPr sz="1200" kern="1200">
@@ -561,52 +563,6 @@
           </a:p>
         </p:txBody>
       </p:sp>
-      <p:sp>
-        <p:nvSpPr>
-          <p:cNvPr id="4" name="Header Placeholder 3"/>
-          <p:cNvSpPr>
-            <a:spLocks noGrp="1"/>
-          </p:cNvSpPr>
-          <p:nvPr>
-            <p:ph type="hdr" sz="quarter"/>
-          </p:nvPr>
-        </p:nvSpPr>
-        <p:spPr/>
-        <p:txBody>
-          <a:bodyPr/>
-          <a:lstStyle/>
-          <a:p>
-            <a:r>
-              <a:rPr lang="en-US"/>
-              <a:t>Name of presentation</a:t>
-            </a:r>
-            <a:endParaRPr lang="en-US" dirty="0"/>
-          </a:p>
-        </p:txBody>
-      </p:sp>
-      <p:sp>
-        <p:nvSpPr>
-          <p:cNvPr id="5" name="Date Placeholder 4"/>
-          <p:cNvSpPr>
-            <a:spLocks noGrp="1"/>
-          </p:cNvSpPr>
-          <p:nvPr>
-            <p:ph type="dt" idx="1"/>
-          </p:nvPr>
-        </p:nvSpPr>
-        <p:spPr/>
-        <p:txBody>
-          <a:bodyPr/>
-          <a:lstStyle/>
-          <a:p>
-            <a:fld id="{7C6138CF-6AD2-4F50-B1B4-1AA76C378E01}" type="datetime3">
-              <a:rPr lang="en-GB" smtClean="0"/>
-              <a:t>9 February, 2019</a:t>
-            </a:fld>
-            <a:endParaRPr lang="en-US" dirty="0"/>
-          </a:p>
-        </p:txBody>
-      </p:sp>
     </p:spTree>
     <p:extLst>
       <p:ext uri="{BB962C8B-B14F-4D97-AF65-F5344CB8AC3E}">
@@ -673,52 +629,6 @@
           <a:lstStyle/>
           <a:p>
             <a:endParaRPr lang="en-GB" dirty="0"/>
-          </a:p>
-        </p:txBody>
-      </p:sp>
-      <p:sp>
-        <p:nvSpPr>
-          <p:cNvPr id="4" name="Header Placeholder 3"/>
-          <p:cNvSpPr>
-            <a:spLocks noGrp="1"/>
-          </p:cNvSpPr>
-          <p:nvPr>
-            <p:ph type="hdr" sz="quarter"/>
-          </p:nvPr>
-        </p:nvSpPr>
-        <p:spPr/>
-        <p:txBody>
-          <a:bodyPr/>
-          <a:lstStyle/>
-          <a:p>
-            <a:r>
-              <a:rPr lang="en-US"/>
-              <a:t>Name of presentation</a:t>
-            </a:r>
-            <a:endParaRPr lang="en-US" dirty="0"/>
-          </a:p>
-        </p:txBody>
-      </p:sp>
-      <p:sp>
-        <p:nvSpPr>
-          <p:cNvPr id="5" name="Date Placeholder 4"/>
-          <p:cNvSpPr>
-            <a:spLocks noGrp="1"/>
-          </p:cNvSpPr>
-          <p:nvPr>
-            <p:ph type="dt" idx="1"/>
-          </p:nvPr>
-        </p:nvSpPr>
-        <p:spPr/>
-        <p:txBody>
-          <a:bodyPr/>
-          <a:lstStyle/>
-          <a:p>
-            <a:fld id="{4BEEB15E-F541-4AF4-AB06-28F658B2627A}" type="datetime3">
-              <a:rPr lang="en-GB" smtClean="0"/>
-              <a:t>9 February, 2019</a:t>
-            </a:fld>
-            <a:endParaRPr lang="en-US" dirty="0"/>
           </a:p>
         </p:txBody>
       </p:sp>
@@ -791,52 +701,6 @@
           </a:p>
         </p:txBody>
       </p:sp>
-      <p:sp>
-        <p:nvSpPr>
-          <p:cNvPr id="4" name="Header Placeholder 3"/>
-          <p:cNvSpPr>
-            <a:spLocks noGrp="1"/>
-          </p:cNvSpPr>
-          <p:nvPr>
-            <p:ph type="hdr" sz="quarter"/>
-          </p:nvPr>
-        </p:nvSpPr>
-        <p:spPr/>
-        <p:txBody>
-          <a:bodyPr/>
-          <a:lstStyle/>
-          <a:p>
-            <a:r>
-              <a:rPr lang="en-US"/>
-              <a:t>Name of presentation</a:t>
-            </a:r>
-            <a:endParaRPr lang="en-US" dirty="0"/>
-          </a:p>
-        </p:txBody>
-      </p:sp>
-      <p:sp>
-        <p:nvSpPr>
-          <p:cNvPr id="5" name="Date Placeholder 4"/>
-          <p:cNvSpPr>
-            <a:spLocks noGrp="1"/>
-          </p:cNvSpPr>
-          <p:nvPr>
-            <p:ph type="dt" idx="1"/>
-          </p:nvPr>
-        </p:nvSpPr>
-        <p:spPr/>
-        <p:txBody>
-          <a:bodyPr/>
-          <a:lstStyle/>
-          <a:p>
-            <a:fld id="{3849A218-F6C8-4D9F-8056-9C3C129E5CAA}" type="datetime3">
-              <a:rPr lang="en-GB" smtClean="0"/>
-              <a:t>9 February, 2019</a:t>
-            </a:fld>
-            <a:endParaRPr lang="en-US" dirty="0"/>
-          </a:p>
-        </p:txBody>
-      </p:sp>
     </p:spTree>
     <p:extLst>
       <p:ext uri="{BB962C8B-B14F-4D97-AF65-F5344CB8AC3E}">
@@ -903,52 +767,6 @@
           <a:lstStyle/>
           <a:p>
             <a:endParaRPr lang="en-GB" dirty="0"/>
-          </a:p>
-        </p:txBody>
-      </p:sp>
-      <p:sp>
-        <p:nvSpPr>
-          <p:cNvPr id="4" name="Header Placeholder 3"/>
-          <p:cNvSpPr>
-            <a:spLocks noGrp="1"/>
-          </p:cNvSpPr>
-          <p:nvPr>
-            <p:ph type="hdr" sz="quarter"/>
-          </p:nvPr>
-        </p:nvSpPr>
-        <p:spPr/>
-        <p:txBody>
-          <a:bodyPr/>
-          <a:lstStyle/>
-          <a:p>
-            <a:r>
-              <a:rPr lang="en-US"/>
-              <a:t>Name of presentation</a:t>
-            </a:r>
-            <a:endParaRPr lang="en-US" dirty="0"/>
-          </a:p>
-        </p:txBody>
-      </p:sp>
-      <p:sp>
-        <p:nvSpPr>
-          <p:cNvPr id="5" name="Date Placeholder 4"/>
-          <p:cNvSpPr>
-            <a:spLocks noGrp="1"/>
-          </p:cNvSpPr>
-          <p:nvPr>
-            <p:ph type="dt" idx="1"/>
-          </p:nvPr>
-        </p:nvSpPr>
-        <p:spPr/>
-        <p:txBody>
-          <a:bodyPr/>
-          <a:lstStyle/>
-          <a:p>
-            <a:fld id="{0A803C1E-ECBB-480F-9DBC-5AA03C581B25}" type="datetime3">
-              <a:rPr lang="en-GB" smtClean="0"/>
-              <a:t>9 February, 2019</a:t>
-            </a:fld>
-            <a:endParaRPr lang="en-US" dirty="0"/>
           </a:p>
         </p:txBody>
       </p:sp>
@@ -1021,52 +839,6 @@
           </a:p>
         </p:txBody>
       </p:sp>
-      <p:sp>
-        <p:nvSpPr>
-          <p:cNvPr id="4" name="Header Placeholder 3"/>
-          <p:cNvSpPr>
-            <a:spLocks noGrp="1"/>
-          </p:cNvSpPr>
-          <p:nvPr>
-            <p:ph type="hdr" sz="quarter"/>
-          </p:nvPr>
-        </p:nvSpPr>
-        <p:spPr/>
-        <p:txBody>
-          <a:bodyPr/>
-          <a:lstStyle/>
-          <a:p>
-            <a:r>
-              <a:rPr lang="en-US"/>
-              <a:t>Name of presentation</a:t>
-            </a:r>
-            <a:endParaRPr lang="en-US" dirty="0"/>
-          </a:p>
-        </p:txBody>
-      </p:sp>
-      <p:sp>
-        <p:nvSpPr>
-          <p:cNvPr id="5" name="Date Placeholder 4"/>
-          <p:cNvSpPr>
-            <a:spLocks noGrp="1"/>
-          </p:cNvSpPr>
-          <p:nvPr>
-            <p:ph type="dt" idx="1"/>
-          </p:nvPr>
-        </p:nvSpPr>
-        <p:spPr/>
-        <p:txBody>
-          <a:bodyPr/>
-          <a:lstStyle/>
-          <a:p>
-            <a:fld id="{0A803C1E-ECBB-480F-9DBC-5AA03C581B25}" type="datetime3">
-              <a:rPr lang="en-GB" smtClean="0"/>
-              <a:t>9 February, 2019</a:t>
-            </a:fld>
-            <a:endParaRPr lang="en-US" dirty="0"/>
-          </a:p>
-        </p:txBody>
-      </p:sp>
     </p:spTree>
     <p:extLst>
       <p:ext uri="{BB962C8B-B14F-4D97-AF65-F5344CB8AC3E}">
@@ -1136,49 +908,210 @@
           </a:p>
         </p:txBody>
       </p:sp>
+    </p:spTree>
+    <p:extLst>
+      <p:ext uri="{BB962C8B-B14F-4D97-AF65-F5344CB8AC3E}">
+        <p14:creationId xmlns:p14="http://schemas.microsoft.com/office/powerpoint/2010/main" val="358603014"/>
+      </p:ext>
+    </p:extLst>
+  </p:cSld>
+  <p:clrMapOvr>
+    <a:masterClrMapping/>
+  </p:clrMapOvr>
+</p:notes>
+</file>
+
+<file path=ppt/notesSlides/notesSlide7.xml><?xml version="1.0" encoding="utf-8"?>
+<p:notes xmlns:a="http://schemas.openxmlformats.org/drawingml/2006/main" xmlns:r="http://schemas.openxmlformats.org/officeDocument/2006/relationships" xmlns:p="http://schemas.openxmlformats.org/presentationml/2006/main">
+  <p:cSld>
+    <p:spTree>
+      <p:nvGrpSpPr>
+        <p:cNvPr id="1" name=""/>
+        <p:cNvGrpSpPr/>
+        <p:nvPr/>
+      </p:nvGrpSpPr>
+      <p:grpSpPr>
+        <a:xfrm>
+          <a:off x="0" y="0"/>
+          <a:ext cx="0" cy="0"/>
+          <a:chOff x="0" y="0"/>
+          <a:chExt cx="0" cy="0"/>
+        </a:xfrm>
+      </p:grpSpPr>
       <p:sp>
         <p:nvSpPr>
-          <p:cNvPr id="4" name="Header Placeholder 3"/>
+          <p:cNvPr id="2" name="Slide Image Placeholder 1"/>
+          <p:cNvSpPr>
+            <a:spLocks noGrp="1" noRot="1" noChangeAspect="1"/>
+          </p:cNvSpPr>
+          <p:nvPr>
+            <p:ph type="sldImg"/>
+          </p:nvPr>
+        </p:nvSpPr>
+        <p:spPr/>
+      </p:sp>
+      <p:sp>
+        <p:nvSpPr>
+          <p:cNvPr id="3" name="Notes Placeholder 2"/>
           <p:cNvSpPr>
             <a:spLocks noGrp="1"/>
           </p:cNvSpPr>
           <p:nvPr>
-            <p:ph type="hdr" sz="quarter"/>
+            <p:ph type="body" idx="1"/>
+          </p:nvPr>
+        </p:nvSpPr>
+        <p:spPr>
+          <a:xfrm>
+            <a:off x="685800" y="4400550"/>
+            <a:ext cx="5486400" cy="3600450"/>
+          </a:xfrm>
+          <a:prstGeom prst="rect">
+            <a:avLst/>
+          </a:prstGeom>
+        </p:spPr>
+        <p:txBody>
+          <a:bodyPr/>
+          <a:lstStyle/>
+          <a:p>
+            <a:endParaRPr lang="en-GB" dirty="0"/>
+          </a:p>
+        </p:txBody>
+      </p:sp>
+    </p:spTree>
+    <p:extLst>
+      <p:ext uri="{BB962C8B-B14F-4D97-AF65-F5344CB8AC3E}">
+        <p14:creationId xmlns:p14="http://schemas.microsoft.com/office/powerpoint/2010/main" val="1018236687"/>
+      </p:ext>
+    </p:extLst>
+  </p:cSld>
+  <p:clrMapOvr>
+    <a:masterClrMapping/>
+  </p:clrMapOvr>
+</p:notes>
+</file>
+
+<file path=ppt/notesSlides/notesSlide8.xml><?xml version="1.0" encoding="utf-8"?>
+<p:notes xmlns:a="http://schemas.openxmlformats.org/drawingml/2006/main" xmlns:r="http://schemas.openxmlformats.org/officeDocument/2006/relationships" xmlns:p="http://schemas.openxmlformats.org/presentationml/2006/main">
+  <p:cSld>
+    <p:spTree>
+      <p:nvGrpSpPr>
+        <p:cNvPr id="1" name=""/>
+        <p:cNvGrpSpPr/>
+        <p:nvPr/>
+      </p:nvGrpSpPr>
+      <p:grpSpPr>
+        <a:xfrm>
+          <a:off x="0" y="0"/>
+          <a:ext cx="0" cy="0"/>
+          <a:chOff x="0" y="0"/>
+          <a:chExt cx="0" cy="0"/>
+        </a:xfrm>
+      </p:grpSpPr>
+      <p:sp>
+        <p:nvSpPr>
+          <p:cNvPr id="2" name="Slide Image Placeholder 1"/>
+          <p:cNvSpPr>
+            <a:spLocks noGrp="1" noRot="1" noChangeAspect="1"/>
+          </p:cNvSpPr>
+          <p:nvPr>
+            <p:ph type="sldImg"/>
           </p:nvPr>
         </p:nvSpPr>
         <p:spPr/>
-        <p:txBody>
-          <a:bodyPr/>
-          <a:lstStyle/>
-          <a:p>
-            <a:r>
-              <a:rPr lang="en-US"/>
-              <a:t>Name of presentation</a:t>
-            </a:r>
-            <a:endParaRPr lang="en-US" dirty="0"/>
-          </a:p>
-        </p:txBody>
       </p:sp>
       <p:sp>
         <p:nvSpPr>
-          <p:cNvPr id="5" name="Date Placeholder 4"/>
+          <p:cNvPr id="3" name="Notes Placeholder 2"/>
           <p:cNvSpPr>
             <a:spLocks noGrp="1"/>
           </p:cNvSpPr>
           <p:nvPr>
-            <p:ph type="dt" idx="1"/>
+            <p:ph type="body" idx="1"/>
+          </p:nvPr>
+        </p:nvSpPr>
+        <p:spPr>
+          <a:xfrm>
+            <a:off x="685800" y="4400550"/>
+            <a:ext cx="5486400" cy="3600450"/>
+          </a:xfrm>
+          <a:prstGeom prst="rect">
+            <a:avLst/>
+          </a:prstGeom>
+        </p:spPr>
+        <p:txBody>
+          <a:bodyPr/>
+          <a:lstStyle/>
+          <a:p>
+            <a:endParaRPr lang="en-GB" dirty="0"/>
+          </a:p>
+        </p:txBody>
+      </p:sp>
+    </p:spTree>
+    <p:extLst>
+      <p:ext uri="{BB962C8B-B14F-4D97-AF65-F5344CB8AC3E}">
+        <p14:creationId xmlns:p14="http://schemas.microsoft.com/office/powerpoint/2010/main" val="4270801780"/>
+      </p:ext>
+    </p:extLst>
+  </p:cSld>
+  <p:clrMapOvr>
+    <a:masterClrMapping/>
+  </p:clrMapOvr>
+</p:notes>
+</file>
+
+<file path=ppt/notesSlides/notesSlide9.xml><?xml version="1.0" encoding="utf-8"?>
+<p:notes xmlns:a="http://schemas.openxmlformats.org/drawingml/2006/main" xmlns:r="http://schemas.openxmlformats.org/officeDocument/2006/relationships" xmlns:p="http://schemas.openxmlformats.org/presentationml/2006/main">
+  <p:cSld>
+    <p:spTree>
+      <p:nvGrpSpPr>
+        <p:cNvPr id="1" name=""/>
+        <p:cNvGrpSpPr/>
+        <p:nvPr/>
+      </p:nvGrpSpPr>
+      <p:grpSpPr>
+        <a:xfrm>
+          <a:off x="0" y="0"/>
+          <a:ext cx="0" cy="0"/>
+          <a:chOff x="0" y="0"/>
+          <a:chExt cx="0" cy="0"/>
+        </a:xfrm>
+      </p:grpSpPr>
+      <p:sp>
+        <p:nvSpPr>
+          <p:cNvPr id="2" name="Slide Image Placeholder 1"/>
+          <p:cNvSpPr>
+            <a:spLocks noGrp="1" noRot="1" noChangeAspect="1"/>
+          </p:cNvSpPr>
+          <p:nvPr>
+            <p:ph type="sldImg"/>
           </p:nvPr>
         </p:nvSpPr>
         <p:spPr/>
+      </p:sp>
+      <p:sp>
+        <p:nvSpPr>
+          <p:cNvPr id="3" name="Notes Placeholder 2"/>
+          <p:cNvSpPr>
+            <a:spLocks noGrp="1"/>
+          </p:cNvSpPr>
+          <p:nvPr>
+            <p:ph type="body" idx="1"/>
+          </p:nvPr>
+        </p:nvSpPr>
+        <p:spPr>
+          <a:xfrm>
+            <a:off x="685800" y="4400550"/>
+            <a:ext cx="5486400" cy="3600450"/>
+          </a:xfrm>
+          <a:prstGeom prst="rect">
+            <a:avLst/>
+          </a:prstGeom>
+        </p:spPr>
         <p:txBody>
           <a:bodyPr/>
           <a:lstStyle/>
           <a:p>
-            <a:fld id="{83A993F4-E1E8-4A09-8D89-562FE5F5976E}" type="datetime3">
-              <a:rPr lang="en-GB" smtClean="0"/>
-              <a:t>9 February, 2019</a:t>
-            </a:fld>
-            <a:endParaRPr lang="en-US" dirty="0"/>
+            <a:endParaRPr lang="en-GB" dirty="0"/>
           </a:p>
         </p:txBody>
       </p:sp>
@@ -4083,7 +4016,7 @@
     <p:sldLayoutId id="2147483659" r:id="rId8"/>
     <p:sldLayoutId id="2147483655" r:id="rId9"/>
   </p:sldLayoutIdLst>
-  <p:hf hdr="0"/>
+  <p:hf hdr="0" ftr="0"/>
   <p:txStyles>
     <p:titleStyle>
       <a:lvl1pPr algn="l" defTabSz="457200" rtl="0" eaLnBrk="1" latinLnBrk="0" hangingPunct="1">
@@ -4543,6 +4476,501 @@
       </p:grpSpPr>
       <p:sp>
         <p:nvSpPr>
+          <p:cNvPr id="2" name="Picture Placeholder 1"/>
+          <p:cNvSpPr>
+            <a:spLocks noGrp="1"/>
+          </p:cNvSpPr>
+          <p:nvPr>
+            <p:ph type="pic" sz="quarter" idx="13"/>
+          </p:nvPr>
+        </p:nvSpPr>
+        <p:spPr>
+          <a:xfrm>
+            <a:off x="457200" y="1115931"/>
+            <a:ext cx="3951287" cy="2611410"/>
+          </a:xfrm>
+        </p:spPr>
+      </p:sp>
+      <p:sp>
+        <p:nvSpPr>
+          <p:cNvPr id="3" name="Text Placeholder 2"/>
+          <p:cNvSpPr>
+            <a:spLocks noGrp="1"/>
+          </p:cNvSpPr>
+          <p:nvPr>
+            <p:ph type="body" sz="quarter" idx="14"/>
+          </p:nvPr>
+        </p:nvSpPr>
+        <p:spPr/>
+        <p:txBody>
+          <a:bodyPr/>
+          <a:lstStyle/>
+          <a:p>
+            <a:endParaRPr lang="en-US"/>
+          </a:p>
+        </p:txBody>
+      </p:sp>
+      <p:sp>
+        <p:nvSpPr>
+          <p:cNvPr id="4" name="Picture Placeholder 3"/>
+          <p:cNvSpPr>
+            <a:spLocks noGrp="1"/>
+          </p:cNvSpPr>
+          <p:nvPr>
+            <p:ph type="pic" sz="quarter" idx="15"/>
+          </p:nvPr>
+        </p:nvSpPr>
+        <p:spPr>
+          <a:xfrm>
+            <a:off x="4735514" y="1115932"/>
+            <a:ext cx="3951287" cy="1479401"/>
+          </a:xfrm>
+        </p:spPr>
+      </p:sp>
+      <p:sp>
+        <p:nvSpPr>
+          <p:cNvPr id="5" name="Picture Placeholder 4"/>
+          <p:cNvSpPr>
+            <a:spLocks noGrp="1"/>
+          </p:cNvSpPr>
+          <p:nvPr>
+            <p:ph type="pic" sz="quarter" idx="16"/>
+          </p:nvPr>
+        </p:nvSpPr>
+        <p:spPr>
+          <a:xfrm>
+            <a:off x="4735514" y="2816214"/>
+            <a:ext cx="3951287" cy="1557158"/>
+          </a:xfrm>
+        </p:spPr>
+      </p:sp>
+      <p:sp>
+        <p:nvSpPr>
+          <p:cNvPr id="12" name="Text Placeholder 5">
+            <a:extLst>
+              <a:ext uri="{FF2B5EF4-FFF2-40B4-BE49-F238E27FC236}">
+                <a16:creationId xmlns:a16="http://schemas.microsoft.com/office/drawing/2014/main" id="{31A08698-A4CE-4AC4-954C-3122B166492B}"/>
+              </a:ext>
+            </a:extLst>
+          </p:cNvPr>
+          <p:cNvSpPr>
+            <a:spLocks noGrp="1"/>
+          </p:cNvSpPr>
+          <p:nvPr>
+            <p:ph type="body" sz="quarter" idx="10"/>
+          </p:nvPr>
+        </p:nvSpPr>
+        <p:spPr>
+          <a:xfrm>
+            <a:off x="6553925" y="497144"/>
+            <a:ext cx="2132875" cy="234218"/>
+          </a:xfrm>
+        </p:spPr>
+        <p:txBody>
+          <a:bodyPr/>
+          <a:lstStyle/>
+          <a:p>
+            <a:r>
+              <a:rPr lang="en-GB" dirty="0"/>
+              <a:t>Waveform Optimisation for Information and Power Transfer</a:t>
+            </a:r>
+            <a:endParaRPr lang="en-US" dirty="0"/>
+          </a:p>
+        </p:txBody>
+      </p:sp>
+      <p:sp>
+        <p:nvSpPr>
+          <p:cNvPr id="13" name="Text Placeholder 6">
+            <a:extLst>
+              <a:ext uri="{FF2B5EF4-FFF2-40B4-BE49-F238E27FC236}">
+                <a16:creationId xmlns:a16="http://schemas.microsoft.com/office/drawing/2014/main" id="{D483715F-8746-45EB-B3FE-7E10A461C9F5}"/>
+              </a:ext>
+            </a:extLst>
+          </p:cNvPr>
+          <p:cNvSpPr txBox="1">
+            <a:spLocks/>
+          </p:cNvSpPr>
+          <p:nvPr/>
+        </p:nvSpPr>
+        <p:spPr>
+          <a:xfrm>
+            <a:off x="7239942" y="817305"/>
+            <a:ext cx="1446859" cy="192881"/>
+          </a:xfrm>
+          <a:prstGeom prst="rect">
+            <a:avLst/>
+          </a:prstGeom>
+        </p:spPr>
+        <p:txBody>
+          <a:bodyPr vert="horz" lIns="0" tIns="0" rIns="0" bIns="0" rtlCol="0">
+            <a:noAutofit/>
+          </a:bodyPr>
+          <a:lstStyle>
+            <a:lvl1pPr marL="342900" indent="-342900" algn="l" defTabSz="457200" rtl="0" eaLnBrk="1" latinLnBrk="0" hangingPunct="1">
+              <a:spcBef>
+                <a:spcPct val="20000"/>
+              </a:spcBef>
+              <a:buClr>
+                <a:srgbClr val="0085CA"/>
+              </a:buClr>
+              <a:buFont typeface="Arial"/>
+              <a:buChar char="•"/>
+              <a:defRPr sz="1800" kern="1200">
+                <a:solidFill>
+                  <a:schemeClr val="tx1"/>
+                </a:solidFill>
+                <a:latin typeface="Arial"/>
+                <a:ea typeface="+mn-ea"/>
+                <a:cs typeface="Arial"/>
+              </a:defRPr>
+            </a:lvl1pPr>
+            <a:lvl2pPr marL="742950" indent="-285750" algn="l" defTabSz="457200" rtl="0" eaLnBrk="1" latinLnBrk="0" hangingPunct="1">
+              <a:spcBef>
+                <a:spcPct val="20000"/>
+              </a:spcBef>
+              <a:buClr>
+                <a:srgbClr val="0085CA"/>
+              </a:buClr>
+              <a:buFont typeface="Arial"/>
+              <a:buChar char="–"/>
+              <a:defRPr sz="1800" kern="1200">
+                <a:solidFill>
+                  <a:schemeClr val="tx1"/>
+                </a:solidFill>
+                <a:latin typeface="Arial"/>
+                <a:ea typeface="+mn-ea"/>
+                <a:cs typeface="Arial"/>
+              </a:defRPr>
+            </a:lvl2pPr>
+            <a:lvl3pPr marL="1143000" indent="-228600" algn="l" defTabSz="457200" rtl="0" eaLnBrk="1" latinLnBrk="0" hangingPunct="1">
+              <a:spcBef>
+                <a:spcPct val="20000"/>
+              </a:spcBef>
+              <a:buClr>
+                <a:srgbClr val="0085CA"/>
+              </a:buClr>
+              <a:buFont typeface="Arial"/>
+              <a:buChar char="•"/>
+              <a:defRPr sz="1200" kern="1200">
+                <a:solidFill>
+                  <a:schemeClr val="tx1"/>
+                </a:solidFill>
+                <a:latin typeface="Arial"/>
+                <a:ea typeface="+mn-ea"/>
+                <a:cs typeface="Arial"/>
+              </a:defRPr>
+            </a:lvl3pPr>
+            <a:lvl4pPr marL="1600200" indent="-228600" algn="l" defTabSz="457200" rtl="0" eaLnBrk="1" latinLnBrk="0" hangingPunct="1">
+              <a:spcBef>
+                <a:spcPct val="20000"/>
+              </a:spcBef>
+              <a:buClr>
+                <a:srgbClr val="0085CA"/>
+              </a:buClr>
+              <a:buFont typeface="Arial"/>
+              <a:buChar char="–"/>
+              <a:defRPr sz="1200" kern="1200">
+                <a:solidFill>
+                  <a:schemeClr val="tx1"/>
+                </a:solidFill>
+                <a:latin typeface="Arial"/>
+                <a:ea typeface="+mn-ea"/>
+                <a:cs typeface="Arial"/>
+              </a:defRPr>
+            </a:lvl4pPr>
+            <a:lvl5pPr marL="2057400" indent="-228600" algn="l" defTabSz="457200" rtl="0" eaLnBrk="1" latinLnBrk="0" hangingPunct="1">
+              <a:spcBef>
+                <a:spcPct val="20000"/>
+              </a:spcBef>
+              <a:buClr>
+                <a:srgbClr val="0085CA"/>
+              </a:buClr>
+              <a:buFont typeface="Arial"/>
+              <a:buChar char="»"/>
+              <a:defRPr sz="1200" kern="1200">
+                <a:solidFill>
+                  <a:schemeClr val="tx1"/>
+                </a:solidFill>
+                <a:latin typeface="Arial"/>
+                <a:ea typeface="+mn-ea"/>
+                <a:cs typeface="Arial"/>
+              </a:defRPr>
+            </a:lvl5pPr>
+            <a:lvl6pPr marL="2514600" indent="-228600" algn="l" defTabSz="457200" rtl="0" eaLnBrk="1" latinLnBrk="0" hangingPunct="1">
+              <a:spcBef>
+                <a:spcPct val="20000"/>
+              </a:spcBef>
+              <a:buFont typeface="Arial"/>
+              <a:buChar char="•"/>
+              <a:defRPr sz="2000" kern="1200">
+                <a:solidFill>
+                  <a:schemeClr val="tx1"/>
+                </a:solidFill>
+                <a:latin typeface="+mn-lt"/>
+                <a:ea typeface="+mn-ea"/>
+                <a:cs typeface="+mn-cs"/>
+              </a:defRPr>
+            </a:lvl6pPr>
+            <a:lvl7pPr marL="2971800" indent="-228600" algn="l" defTabSz="457200" rtl="0" eaLnBrk="1" latinLnBrk="0" hangingPunct="1">
+              <a:spcBef>
+                <a:spcPct val="20000"/>
+              </a:spcBef>
+              <a:buFont typeface="Arial"/>
+              <a:buChar char="•"/>
+              <a:defRPr sz="2000" kern="1200">
+                <a:solidFill>
+                  <a:schemeClr val="tx1"/>
+                </a:solidFill>
+                <a:latin typeface="+mn-lt"/>
+                <a:ea typeface="+mn-ea"/>
+                <a:cs typeface="+mn-cs"/>
+              </a:defRPr>
+            </a:lvl7pPr>
+            <a:lvl8pPr marL="3429000" indent="-228600" algn="l" defTabSz="457200" rtl="0" eaLnBrk="1" latinLnBrk="0" hangingPunct="1">
+              <a:spcBef>
+                <a:spcPct val="20000"/>
+              </a:spcBef>
+              <a:buFont typeface="Arial"/>
+              <a:buChar char="•"/>
+              <a:defRPr sz="2000" kern="1200">
+                <a:solidFill>
+                  <a:schemeClr val="tx1"/>
+                </a:solidFill>
+                <a:latin typeface="+mn-lt"/>
+                <a:ea typeface="+mn-ea"/>
+                <a:cs typeface="+mn-cs"/>
+              </a:defRPr>
+            </a:lvl8pPr>
+            <a:lvl9pPr marL="3886200" indent="-228600" algn="l" defTabSz="457200" rtl="0" eaLnBrk="1" latinLnBrk="0" hangingPunct="1">
+              <a:spcBef>
+                <a:spcPct val="20000"/>
+              </a:spcBef>
+              <a:buFont typeface="Arial"/>
+              <a:buChar char="•"/>
+              <a:defRPr sz="2000" kern="1200">
+                <a:solidFill>
+                  <a:schemeClr val="tx1"/>
+                </a:solidFill>
+                <a:latin typeface="+mn-lt"/>
+                <a:ea typeface="+mn-ea"/>
+                <a:cs typeface="+mn-cs"/>
+              </a:defRPr>
+            </a:lvl9pPr>
+          </a:lstStyle>
+          <a:p>
+            <a:pPr marL="0" indent="0" algn="r">
+              <a:buNone/>
+            </a:pPr>
+            <a:r>
+              <a:rPr lang="en-US" altLang="zh-CN" sz="1000" dirty="0">
+                <a:solidFill>
+                  <a:schemeClr val="tx2"/>
+                </a:solidFill>
+              </a:rPr>
+              <a:t>15 F</a:t>
+            </a:r>
+            <a:r>
+              <a:rPr lang="en-GB" altLang="zh-CN" sz="1000" dirty="0">
+                <a:solidFill>
+                  <a:schemeClr val="tx2"/>
+                </a:solidFill>
+              </a:rPr>
+              <a:t>eb. 19</a:t>
+            </a:r>
+            <a:endParaRPr lang="en-US" sz="1000" dirty="0">
+              <a:solidFill>
+                <a:schemeClr val="tx2"/>
+              </a:solidFill>
+            </a:endParaRPr>
+          </a:p>
+        </p:txBody>
+      </p:sp>
+    </p:spTree>
+    <p:extLst>
+      <p:ext uri="{BB962C8B-B14F-4D97-AF65-F5344CB8AC3E}">
+        <p14:creationId xmlns:p14="http://schemas.microsoft.com/office/powerpoint/2010/main" val="2046671382"/>
+      </p:ext>
+    </p:extLst>
+  </p:cSld>
+  <p:clrMapOvr>
+    <a:masterClrMapping/>
+  </p:clrMapOvr>
+</p:sld>
+</file>
+
+<file path=ppt/slides/slide11.xml><?xml version="1.0" encoding="utf-8"?>
+<p:sld xmlns:a="http://schemas.openxmlformats.org/drawingml/2006/main" xmlns:r="http://schemas.openxmlformats.org/officeDocument/2006/relationships" xmlns:p="http://schemas.openxmlformats.org/presentationml/2006/main">
+  <p:cSld>
+    <p:spTree>
+      <p:nvGrpSpPr>
+        <p:cNvPr id="1" name=""/>
+        <p:cNvGrpSpPr/>
+        <p:nvPr/>
+      </p:nvGrpSpPr>
+      <p:grpSpPr>
+        <a:xfrm>
+          <a:off x="0" y="0"/>
+          <a:ext cx="0" cy="0"/>
+          <a:chOff x="0" y="0"/>
+          <a:chExt cx="0" cy="0"/>
+        </a:xfrm>
+      </p:grpSpPr>
+      <p:sp>
+        <p:nvSpPr>
+          <p:cNvPr id="2" name="Subtitle 1"/>
+          <p:cNvSpPr>
+            <a:spLocks noGrp="1"/>
+          </p:cNvSpPr>
+          <p:nvPr>
+            <p:ph type="subTitle" idx="1"/>
+          </p:nvPr>
+        </p:nvSpPr>
+        <p:spPr/>
+        <p:txBody>
+          <a:bodyPr/>
+          <a:lstStyle/>
+          <a:p>
+            <a:endParaRPr lang="en-US" dirty="0"/>
+          </a:p>
+        </p:txBody>
+      </p:sp>
+      <p:sp>
+        <p:nvSpPr>
+          <p:cNvPr id="3" name="Title 2"/>
+          <p:cNvSpPr>
+            <a:spLocks noGrp="1"/>
+          </p:cNvSpPr>
+          <p:nvPr>
+            <p:ph type="title"/>
+          </p:nvPr>
+        </p:nvSpPr>
+        <p:spPr/>
+        <p:txBody>
+          <a:bodyPr/>
+          <a:lstStyle/>
+          <a:p>
+            <a:endParaRPr lang="en-US" dirty="0"/>
+          </a:p>
+        </p:txBody>
+      </p:sp>
+      <p:sp>
+        <p:nvSpPr>
+          <p:cNvPr id="4" name="Text Placeholder 3"/>
+          <p:cNvSpPr>
+            <a:spLocks noGrp="1"/>
+          </p:cNvSpPr>
+          <p:nvPr>
+            <p:ph type="body" sz="quarter" idx="11"/>
+          </p:nvPr>
+        </p:nvSpPr>
+        <p:spPr/>
+        <p:txBody>
+          <a:bodyPr/>
+          <a:lstStyle/>
+          <a:p>
+            <a:endParaRPr lang="en-US"/>
+          </a:p>
+        </p:txBody>
+      </p:sp>
+      <p:sp>
+        <p:nvSpPr>
+          <p:cNvPr id="5" name="Picture Placeholder 4"/>
+          <p:cNvSpPr>
+            <a:spLocks noGrp="1"/>
+          </p:cNvSpPr>
+          <p:nvPr>
+            <p:ph type="pic" sz="quarter" idx="12"/>
+          </p:nvPr>
+        </p:nvSpPr>
+        <p:spPr/>
+      </p:sp>
+      <p:sp>
+        <p:nvSpPr>
+          <p:cNvPr id="6" name="Text Placeholder 5"/>
+          <p:cNvSpPr>
+            <a:spLocks noGrp="1"/>
+          </p:cNvSpPr>
+          <p:nvPr>
+            <p:ph type="body" sz="quarter" idx="10"/>
+          </p:nvPr>
+        </p:nvSpPr>
+        <p:spPr/>
+        <p:txBody>
+          <a:bodyPr/>
+          <a:lstStyle/>
+          <a:p>
+            <a:r>
+              <a:rPr lang="en-GB" dirty="0"/>
+              <a:t>Waveform Optimisation for Information and Power Transfer</a:t>
+            </a:r>
+            <a:endParaRPr lang="en-US" dirty="0"/>
+          </a:p>
+        </p:txBody>
+      </p:sp>
+      <p:sp>
+        <p:nvSpPr>
+          <p:cNvPr id="7" name="Text Placeholder 6"/>
+          <p:cNvSpPr>
+            <a:spLocks noGrp="1"/>
+          </p:cNvSpPr>
+          <p:nvPr>
+            <p:ph type="body" sz="quarter" idx="13"/>
+          </p:nvPr>
+        </p:nvSpPr>
+        <p:spPr>
+          <a:xfrm>
+            <a:off x="7239942" y="817305"/>
+            <a:ext cx="1446859" cy="192881"/>
+          </a:xfrm>
+        </p:spPr>
+        <p:txBody>
+          <a:bodyPr/>
+          <a:lstStyle/>
+          <a:p>
+            <a:r>
+              <a:rPr lang="en-US" altLang="zh-CN" dirty="0"/>
+              <a:t>15 F</a:t>
+            </a:r>
+            <a:r>
+              <a:rPr lang="en-GB" altLang="zh-CN" dirty="0"/>
+              <a:t>eb. 19</a:t>
+            </a:r>
+            <a:endParaRPr lang="en-US" dirty="0"/>
+          </a:p>
+        </p:txBody>
+      </p:sp>
+    </p:spTree>
+    <p:extLst>
+      <p:ext uri="{BB962C8B-B14F-4D97-AF65-F5344CB8AC3E}">
+        <p14:creationId xmlns:p14="http://schemas.microsoft.com/office/powerpoint/2010/main" val="2579516049"/>
+      </p:ext>
+    </p:extLst>
+  </p:cSld>
+  <p:clrMapOvr>
+    <a:masterClrMapping/>
+  </p:clrMapOvr>
+</p:sld>
+</file>
+
+<file path=ppt/slides/slide12.xml><?xml version="1.0" encoding="utf-8"?>
+<p:sld xmlns:a="http://schemas.openxmlformats.org/drawingml/2006/main" xmlns:r="http://schemas.openxmlformats.org/officeDocument/2006/relationships" xmlns:p="http://schemas.openxmlformats.org/presentationml/2006/main">
+  <p:cSld>
+    <p:spTree>
+      <p:nvGrpSpPr>
+        <p:cNvPr id="1" name=""/>
+        <p:cNvGrpSpPr/>
+        <p:nvPr/>
+      </p:nvGrpSpPr>
+      <p:grpSpPr>
+        <a:xfrm>
+          <a:off x="0" y="0"/>
+          <a:ext cx="0" cy="0"/>
+          <a:chOff x="0" y="0"/>
+          <a:chExt cx="0" cy="0"/>
+        </a:xfrm>
+      </p:grpSpPr>
+      <p:sp>
+        <p:nvSpPr>
           <p:cNvPr id="2" name="Title 1"/>
           <p:cNvSpPr>
             <a:spLocks noGrp="1"/>
@@ -4630,7 +5058,7 @@
 </p:sld>
 </file>
 
-<file path=ppt/slides/slide11.xml><?xml version="1.0" encoding="utf-8"?>
+<file path=ppt/slides/slide13.xml><?xml version="1.0" encoding="utf-8"?>
 <p:sld xmlns:a="http://schemas.openxmlformats.org/drawingml/2006/main" xmlns:r="http://schemas.openxmlformats.org/officeDocument/2006/relationships" xmlns:p="http://schemas.openxmlformats.org/presentationml/2006/main">
   <p:cSld>
     <p:spTree>
@@ -4774,7 +5202,7 @@
 </p:sld>
 </file>
 
-<file path=ppt/slides/slide12.xml><?xml version="1.0" encoding="utf-8"?>
+<file path=ppt/slides/slide14.xml><?xml version="1.0" encoding="utf-8"?>
 <p:sld xmlns:a="http://schemas.openxmlformats.org/drawingml/2006/main" xmlns:r="http://schemas.openxmlformats.org/officeDocument/2006/relationships" xmlns:p="http://schemas.openxmlformats.org/presentationml/2006/main">
   <p:cSld>
     <p:spTree>
@@ -4913,7 +5341,7 @@
             <a:r>
               <a:rPr lang="en-GB" sz="1400" dirty="0">
                 <a:solidFill>
-                  <a:srgbClr val="003966"/>
+                  <a:schemeClr val="accent1"/>
                 </a:solidFill>
               </a:rPr>
               <a:t>Energy harvest models (linear, nonlinear)</a:t>
@@ -4923,7 +5351,7 @@
             <a:r>
               <a:rPr lang="en-GB" sz="1400" dirty="0">
                 <a:solidFill>
-                  <a:srgbClr val="003966"/>
+                  <a:schemeClr val="accent1"/>
                 </a:solidFill>
               </a:rPr>
               <a:t>Rate-energy (R-E) region characterisation</a:t>
@@ -4933,7 +5361,7 @@
             <a:r>
               <a:rPr lang="en-US" sz="1400" dirty="0">
                 <a:solidFill>
-                  <a:srgbClr val="003966"/>
+                  <a:schemeClr val="accent1"/>
                 </a:solidFill>
               </a:rPr>
               <a:t>Transmitter and receiver architecture</a:t>
@@ -4943,7 +5371,7 @@
             <a:r>
               <a:rPr lang="en-US" sz="1400" dirty="0">
                 <a:solidFill>
-                  <a:srgbClr val="003966"/>
+                  <a:schemeClr val="accent1"/>
                 </a:solidFill>
               </a:rPr>
               <a:t>Waveform design</a:t>
@@ -4953,7 +5381,7 @@
             <a:r>
               <a:rPr lang="en-US" sz="1400" dirty="0">
                 <a:solidFill>
-                  <a:srgbClr val="003966"/>
+                  <a:schemeClr val="accent1"/>
                 </a:solidFill>
               </a:rPr>
               <a:t>Modulation</a:t>
@@ -4963,7 +5391,7 @@
             <a:r>
               <a:rPr lang="en-GB" sz="1400" dirty="0">
                 <a:solidFill>
-                  <a:srgbClr val="003966"/>
+                  <a:schemeClr val="accent1"/>
                 </a:solidFill>
               </a:rPr>
               <a:t>Beamforming and input distribution</a:t>
@@ -4973,7 +5401,7 @@
             <a:r>
               <a:rPr lang="en-US" sz="1400" dirty="0">
                 <a:solidFill>
-                  <a:srgbClr val="003966"/>
+                  <a:schemeClr val="accent1"/>
                 </a:solidFill>
               </a:rPr>
               <a:t>Resource allocation</a:t>
@@ -4983,7 +5411,7 @@
             <a:r>
               <a:rPr lang="en-US" sz="1400" dirty="0">
                 <a:solidFill>
-                  <a:srgbClr val="003966"/>
+                  <a:schemeClr val="accent1"/>
                 </a:solidFill>
               </a:rPr>
               <a:t>RF spectrum use</a:t>
@@ -5179,7 +5607,7 @@
         <p:spPr>
           <a:xfrm>
             <a:off x="0" y="4648200"/>
-            <a:ext cx="9067800" cy="200055"/>
+            <a:ext cx="9067800" cy="184666"/>
           </a:xfrm>
           <a:prstGeom prst="rect">
             <a:avLst/>
@@ -5193,15 +5621,15 @@
           <a:lstStyle/>
           <a:p>
             <a:r>
-              <a:rPr lang="en-GB" sz="700" dirty="0">
+              <a:rPr lang="en-GB" sz="600" dirty="0">
                 <a:solidFill>
                   <a:schemeClr val="bg1"/>
                 </a:solidFill>
               </a:rPr>
-              <a:t>Clerckx, Bruno, et al. "Fundamentals of wireless information and power transfer: From RF energy harvester models to signal and system designs." </a:t>
-            </a:r>
-            <a:r>
-              <a:rPr lang="en-GB" sz="700" i="1" dirty="0">
+              <a:t>B. Clerckx et al, "Fundamentals of Wireless Information and Power Transfer: From RF Energy Harvester Models to Signal and System Designs," in </a:t>
+            </a:r>
+            <a:r>
+              <a:rPr lang="en-GB" sz="600" i="1" dirty="0">
                 <a:solidFill>
                   <a:schemeClr val="bg1"/>
                 </a:solidFill>
@@ -5209,13 +5637,18 @@
               <a:t>IEEE Journal on Selected Areas in Communications</a:t>
             </a:r>
             <a:r>
-              <a:rPr lang="en-GB" sz="700" dirty="0">
+              <a:rPr lang="en-GB" sz="600" dirty="0">
                 <a:solidFill>
                   <a:schemeClr val="bg1"/>
                 </a:solidFill>
               </a:rPr>
-              <a:t> 37.1 (2019): 4-33.</a:t>
-            </a:r>
+              <a:t>, vol. 37, no. 1, pp. 4-33, Jan. 2019.</a:t>
+            </a:r>
+            <a:endParaRPr lang="en-GB" sz="500" dirty="0">
+              <a:solidFill>
+                <a:schemeClr val="bg1"/>
+              </a:solidFill>
+            </a:endParaRPr>
           </a:p>
         </p:txBody>
       </p:sp>
@@ -5263,8 +5696,8 @@
         </p:nvSpPr>
         <p:spPr>
           <a:xfrm>
-            <a:off x="0" y="4792837"/>
-            <a:ext cx="9067800" cy="200055"/>
+            <a:off x="0" y="4785907"/>
+            <a:ext cx="9067800" cy="184666"/>
           </a:xfrm>
           <a:prstGeom prst="rect">
             <a:avLst/>
@@ -5278,7 +5711,7 @@
           <a:lstStyle/>
           <a:p>
             <a:r>
-              <a:rPr lang="en-GB" altLang="zh-CN" sz="700" dirty="0">
+              <a:rPr lang="en-GB" altLang="zh-CN" sz="600" dirty="0">
                 <a:solidFill>
                   <a:schemeClr val="tx2"/>
                 </a:solidFill>
@@ -5286,7 +5719,7 @@
               <a:t>Figure 1. IoT connection. Adapted from IoT Services and Solutions provider for Business, by Credencys Solutions Inc., 2019, retrieved from </a:t>
             </a:r>
             <a:r>
-              <a:rPr lang="en-GB" altLang="zh-CN" sz="700" dirty="0">
+              <a:rPr lang="en-GB" altLang="zh-CN" sz="600" dirty="0">
                 <a:solidFill>
                   <a:schemeClr val="tx2"/>
                 </a:solidFill>
@@ -5295,14 +5728,14 @@
               <a:t>https://www.credencys.com/iot-solutions/</a:t>
             </a:r>
             <a:r>
-              <a:rPr lang="en-GB" altLang="zh-CN" sz="700" dirty="0">
+              <a:rPr lang="en-GB" altLang="zh-CN" sz="600" dirty="0">
                 <a:solidFill>
                   <a:schemeClr val="tx2"/>
                 </a:solidFill>
               </a:rPr>
               <a:t>. Copyright by Credencys Solutions Inc. </a:t>
             </a:r>
-            <a:endParaRPr lang="en-GB" sz="700" dirty="0">
+            <a:endParaRPr lang="en-GB" sz="600" dirty="0">
               <a:solidFill>
                 <a:schemeClr val="tx2"/>
               </a:solidFill>
@@ -5363,7 +5796,7 @@
             <a:r>
               <a:rPr lang="en-GB" sz="1400" dirty="0">
                 <a:solidFill>
-                  <a:schemeClr val="tx2"/>
+                  <a:schemeClr val="accent1"/>
                 </a:solidFill>
               </a:rPr>
               <a:t>To enlarge the R-E region</a:t>
@@ -5373,7 +5806,7 @@
             <a:r>
               <a:rPr lang="en-GB" sz="1400" dirty="0">
                 <a:solidFill>
-                  <a:schemeClr val="tx2"/>
+                  <a:schemeClr val="accent1"/>
                 </a:solidFill>
               </a:rPr>
               <a:t>To improve spectrum and power efficiency</a:t>
@@ -5383,7 +5816,7 @@
             <a:r>
               <a:rPr lang="en-GB" sz="1400" dirty="0">
                 <a:solidFill>
-                  <a:schemeClr val="tx2"/>
+                  <a:schemeClr val="accent1"/>
                 </a:solidFill>
               </a:rPr>
               <a:t>To support numerous low-power devices</a:t>
@@ -5393,7 +5826,7 @@
             <a:r>
               <a:rPr lang="en-GB" sz="1400" dirty="0">
                 <a:solidFill>
-                  <a:schemeClr val="tx2"/>
+                  <a:schemeClr val="accent1"/>
                 </a:solidFill>
               </a:rPr>
               <a:t>To boost the revolution in IoT</a:t>
@@ -5405,7 +5838,7 @@
             </a:pPr>
             <a:endParaRPr lang="en-GB" sz="1400" dirty="0">
               <a:solidFill>
-                <a:schemeClr val="tx2"/>
+                <a:schemeClr val="accent1"/>
               </a:solidFill>
             </a:endParaRPr>
           </a:p>
@@ -5623,7 +6056,7 @@
             <a:r>
               <a:rPr lang="en-GB" dirty="0">
                 <a:solidFill>
-                  <a:srgbClr val="9D9D9D"/>
+                  <a:schemeClr val="tx2"/>
                 </a:solidFill>
               </a:rPr>
               <a:t>Why?</a:t>
@@ -5814,7 +6247,7 @@
             <a:r>
               <a:rPr lang="en-GB" sz="1400" dirty="0">
                 <a:solidFill>
-                  <a:schemeClr val="tx2"/>
+                  <a:schemeClr val="accent1"/>
                 </a:solidFill>
               </a:rPr>
               <a:t>Channel (adaptive signal based on CSIT to enhance rate)</a:t>
@@ -5824,7 +6257,7 @@
             <a:r>
               <a:rPr lang="en-GB" sz="1400" dirty="0">
                 <a:solidFill>
-                  <a:schemeClr val="tx2"/>
+                  <a:schemeClr val="accent1"/>
                 </a:solidFill>
               </a:rPr>
               <a:t>Receiver (suitable waveform favoured by rectenna to maximise energy)</a:t>
@@ -6018,7 +6451,7 @@
             <a:r>
               <a:rPr lang="en-GB" dirty="0">
                 <a:solidFill>
-                  <a:srgbClr val="9D9D9D"/>
+                  <a:schemeClr val="tx2"/>
                 </a:solidFill>
               </a:rPr>
               <a:t>Where?</a:t>
@@ -6281,7 +6714,7 @@
             <a:r>
               <a:rPr lang="en-GB" sz="1400" dirty="0">
                 <a:solidFill>
-                  <a:schemeClr val="tx2"/>
+                  <a:schemeClr val="accent1"/>
                 </a:solidFill>
               </a:rPr>
               <a:t>Identify the fundamental tradeoff between information and power transfer</a:t>
@@ -6291,7 +6724,7 @@
             <a:r>
               <a:rPr lang="en-GB" sz="1400" dirty="0">
                 <a:solidFill>
-                  <a:schemeClr val="tx2"/>
+                  <a:schemeClr val="accent1"/>
                 </a:solidFill>
               </a:rPr>
               <a:t>Evaluate linear and nonlinear harvest models</a:t>
@@ -6301,7 +6734,7 @@
             <a:r>
               <a:rPr lang="en-GB" sz="1400" dirty="0">
                 <a:solidFill>
-                  <a:schemeClr val="tx2"/>
+                  <a:schemeClr val="accent1"/>
                 </a:solidFill>
               </a:rPr>
               <a:t>Investigate beamforming, power allocation, waveform, modulation, and input distribution</a:t>
@@ -6495,7 +6928,7 @@
             <a:r>
               <a:rPr lang="en-GB" dirty="0">
                 <a:solidFill>
-                  <a:srgbClr val="9D9D9D"/>
+                  <a:schemeClr val="tx2"/>
                 </a:solidFill>
               </a:rPr>
               <a:t>What?</a:t>
@@ -6686,7 +7119,7 @@
             <a:r>
               <a:rPr lang="en-GB" sz="1400" dirty="0">
                 <a:solidFill>
-                  <a:schemeClr val="tx2"/>
+                  <a:schemeClr val="accent1"/>
                 </a:solidFill>
               </a:rPr>
               <a:t>Formulate the optimisation problem as an energy maximisation problem subject to transmit power and rate constraints</a:t>
@@ -6696,7 +7129,7 @@
             <a:r>
               <a:rPr lang="en-GB" sz="1400" dirty="0">
                 <a:solidFill>
-                  <a:schemeClr val="tx2"/>
+                  <a:schemeClr val="accent1"/>
                 </a:solidFill>
               </a:rPr>
               <a:t>Superpose a deterministic power waveform to a communication waveform (no interference)</a:t>
@@ -6890,7 +7323,7 @@
             <a:r>
               <a:rPr lang="en-GB" dirty="0">
                 <a:solidFill>
-                  <a:srgbClr val="9D9D9D"/>
+                  <a:schemeClr val="tx2"/>
                 </a:solidFill>
               </a:rPr>
               <a:t>How?</a:t>
@@ -6950,8 +7383,13 @@
           <a:p>
             <a:r>
               <a:rPr lang="en-US" dirty="0"/>
-              <a:t>SWIPT Architecture</a:t>
-            </a:r>
+              <a:t>SWIPT D</a:t>
+            </a:r>
+            <a:r>
+              <a:rPr lang="en-US" altLang="zh-CN" dirty="0"/>
+              <a:t>iagram</a:t>
+            </a:r>
+            <a:endParaRPr lang="en-US" dirty="0"/>
           </a:p>
         </p:txBody>
       </p:sp>
@@ -7057,67 +7495,12 @@
           <a:p>
             <a:pPr algn="ctr"/>
             <a:r>
-              <a:rPr lang="en-GB" sz="1200" dirty="0">
+              <a:rPr lang="en-GB" sz="1200" b="1" dirty="0">
                 <a:solidFill>
                   <a:schemeClr val="tx2"/>
                 </a:solidFill>
               </a:rPr>
               <a:t>Simultaneous WIPT</a:t>
-            </a:r>
-          </a:p>
-        </p:txBody>
-      </p:sp>
-      <p:sp>
-        <p:nvSpPr>
-          <p:cNvPr id="23" name="TextBox 22">
-            <a:extLst>
-              <a:ext uri="{FF2B5EF4-FFF2-40B4-BE49-F238E27FC236}">
-                <a16:creationId xmlns:a16="http://schemas.microsoft.com/office/drawing/2014/main" id="{0E99EE04-66AE-4DDD-964D-5B43B3E9BD93}"/>
-              </a:ext>
-            </a:extLst>
-          </p:cNvPr>
-          <p:cNvSpPr txBox="1"/>
-          <p:nvPr/>
-        </p:nvSpPr>
-        <p:spPr>
-          <a:xfrm>
-            <a:off x="0" y="4648200"/>
-            <a:ext cx="9067800" cy="200055"/>
-          </a:xfrm>
-          <a:prstGeom prst="rect">
-            <a:avLst/>
-          </a:prstGeom>
-          <a:noFill/>
-        </p:spPr>
-        <p:txBody>
-          <a:bodyPr wrap="square" rtlCol="0">
-            <a:spAutoFit/>
-          </a:bodyPr>
-          <a:lstStyle/>
-          <a:p>
-            <a:r>
-              <a:rPr lang="en-GB" sz="700" dirty="0">
-                <a:solidFill>
-                  <a:schemeClr val="bg1"/>
-                </a:solidFill>
-              </a:rPr>
-              <a:t>Clerckx, Bruno, et al. "Fundamentals of wireless information and power transfer: From RF energy harvester models to signal and system designs." </a:t>
-            </a:r>
-            <a:r>
-              <a:rPr lang="en-GB" sz="700" i="1" dirty="0">
-                <a:solidFill>
-                  <a:schemeClr val="bg1"/>
-                </a:solidFill>
-              </a:rPr>
-              <a:t>IEEE Journal on Selected Areas in Communications</a:t>
-            </a:r>
-            <a:r>
-              <a:rPr lang="en-GB" sz="700" dirty="0">
-                <a:solidFill>
-                  <a:schemeClr val="bg1"/>
-                </a:solidFill>
-              </a:rPr>
-              <a:t> 37.1 (2019): 4-33.</a:t>
             </a:r>
           </a:p>
         </p:txBody>
@@ -7212,7 +7595,7 @@
           <a:p>
             <a:pPr algn="ctr"/>
             <a:r>
-              <a:rPr lang="en-GB" sz="1200" dirty="0">
+              <a:rPr lang="en-GB" sz="1200" b="1" dirty="0">
                 <a:solidFill>
                   <a:schemeClr val="tx2"/>
                 </a:solidFill>
@@ -7222,8 +7605,8 @@
           </a:p>
         </p:txBody>
       </p:sp>
-      <mc:AlternateContent xmlns:mc="http://schemas.openxmlformats.org/markup-compatibility/2006">
-        <mc:Choice xmlns:a14="http://schemas.microsoft.com/office/drawing/2010/main" Requires="a14">
+      <mc:AlternateContent xmlns:mc="http://schemas.openxmlformats.org/markup-compatibility/2006" xmlns:a14="http://schemas.microsoft.com/office/drawing/2010/main">
+        <mc:Choice Requires="a14">
           <p:sp>
             <p:nvSpPr>
               <p:cNvPr id="5" name="TextBox 4">
@@ -7851,7 +8234,7 @@
             </p:txBody>
           </p:sp>
         </mc:Choice>
-        <mc:Fallback>
+        <mc:Fallback xmlns="">
           <p:sp>
             <p:nvSpPr>
               <p:cNvPr id="5" name="TextBox 4">
@@ -7896,8 +8279,8 @@
           </p:sp>
         </mc:Fallback>
       </mc:AlternateContent>
-      <mc:AlternateContent xmlns:mc="http://schemas.openxmlformats.org/markup-compatibility/2006">
-        <mc:Choice xmlns:a14="http://schemas.microsoft.com/office/drawing/2010/main" Requires="a14">
+      <mc:AlternateContent xmlns:mc="http://schemas.openxmlformats.org/markup-compatibility/2006" xmlns:a14="http://schemas.microsoft.com/office/drawing/2010/main">
+        <mc:Choice Requires="a14">
           <p:sp>
             <p:nvSpPr>
               <p:cNvPr id="14" name="TextBox 13">
@@ -7953,7 +8336,7 @@
                       <a:schemeClr val="tx2"/>
                     </a:solidFill>
                   </a:rPr>
-                  <a:t>.  </a:t>
+                  <a:t> </a:t>
                 </a:r>
                 <a:endParaRPr lang="en-GB" sz="1200" b="1" i="1" dirty="0">
                   <a:solidFill>
@@ -8007,7 +8390,15 @@
                       <a:schemeClr val="tx2"/>
                     </a:solidFill>
                   </a:rPr>
-                  <a:t>: efficiency of the transmit antenna -&gt; efficient power amplifier</a:t>
+                  <a:t>: efficiency of the transmit antenna -&gt; </a:t>
+                </a:r>
+                <a:r>
+                  <a:rPr lang="en-GB" sz="1200" i="1" dirty="0">
+                    <a:solidFill>
+                      <a:schemeClr val="tx2"/>
+                    </a:solidFill>
+                  </a:rPr>
+                  <a:t>efficient power amplifier</a:t>
                 </a:r>
               </a:p>
               <a:p>
@@ -8055,7 +8446,15 @@
                       <a:schemeClr val="tx2"/>
                     </a:solidFill>
                   </a:rPr>
-                  <a:t>: efficiency of the channel -&gt; adaptive signals </a:t>
+                  <a:t>: efficiency of the channel -&gt; </a:t>
+                </a:r>
+                <a:r>
+                  <a:rPr lang="en-GB" sz="1200" i="1" dirty="0">
+                    <a:solidFill>
+                      <a:schemeClr val="tx2"/>
+                    </a:solidFill>
+                  </a:rPr>
+                  <a:t>adaptive signals </a:t>
                 </a:r>
               </a:p>
               <a:p>
@@ -8103,13 +8502,21 @@
                       <a:schemeClr val="tx2"/>
                     </a:solidFill>
                   </a:rPr>
-                  <a:t>: efficiency of the rectenna -&gt; rectenna design and input signal</a:t>
+                  <a:t>: efficiency of the rectenna -&gt; </a:t>
+                </a:r>
+                <a:r>
+                  <a:rPr lang="en-GB" sz="1200" i="1" dirty="0">
+                    <a:solidFill>
+                      <a:schemeClr val="tx2"/>
+                    </a:solidFill>
+                  </a:rPr>
+                  <a:t>rectenna and input signal design</a:t>
                 </a:r>
               </a:p>
             </p:txBody>
           </p:sp>
         </mc:Choice>
-        <mc:Fallback>
+        <mc:Fallback xmlns="">
           <p:sp>
             <p:nvSpPr>
               <p:cNvPr id="14" name="TextBox 13">
@@ -8133,7 +8540,7 @@
                 <a:avLst/>
               </a:prstGeom>
               <a:blipFill>
-                <a:blip r:embed="rId6"/>
+                <a:blip r:embed="rId8"/>
                 <a:stretch>
                   <a:fillRect l="-132" t="-1471" b="-4412"/>
                 </a:stretch>
@@ -8154,8 +8561,8 @@
           </p:sp>
         </mc:Fallback>
       </mc:AlternateContent>
-      <mc:AlternateContent xmlns:mc="http://schemas.openxmlformats.org/markup-compatibility/2006">
-        <mc:Choice xmlns:a14="http://schemas.microsoft.com/office/drawing/2010/main" Requires="a14">
+      <mc:AlternateContent xmlns:mc="http://schemas.openxmlformats.org/markup-compatibility/2006" xmlns:a14="http://schemas.microsoft.com/office/drawing/2010/main">
+        <mc:Choice Requires="a14">
           <p:sp>
             <p:nvSpPr>
               <p:cNvPr id="16" name="TextBox 15">
@@ -8725,7 +9132,7 @@
             </p:txBody>
           </p:sp>
         </mc:Choice>
-        <mc:Fallback>
+        <mc:Fallback xmlns="">
           <p:sp>
             <p:nvSpPr>
               <p:cNvPr id="16" name="TextBox 15">
@@ -8770,6 +9177,66 @@
           </p:sp>
         </mc:Fallback>
       </mc:AlternateContent>
+      <p:sp>
+        <p:nvSpPr>
+          <p:cNvPr id="13" name="TextBox 12">
+            <a:extLst>
+              <a:ext uri="{FF2B5EF4-FFF2-40B4-BE49-F238E27FC236}">
+                <a16:creationId xmlns:a16="http://schemas.microsoft.com/office/drawing/2014/main" id="{B263CB33-C555-4A74-B846-E41ACA3D11AD}"/>
+              </a:ext>
+            </a:extLst>
+          </p:cNvPr>
+          <p:cNvSpPr txBox="1"/>
+          <p:nvPr/>
+        </p:nvSpPr>
+        <p:spPr>
+          <a:xfrm>
+            <a:off x="0" y="4648200"/>
+            <a:ext cx="9067800" cy="184666"/>
+          </a:xfrm>
+          <a:prstGeom prst="rect">
+            <a:avLst/>
+          </a:prstGeom>
+          <a:noFill/>
+        </p:spPr>
+        <p:txBody>
+          <a:bodyPr wrap="square" rtlCol="0">
+            <a:spAutoFit/>
+          </a:bodyPr>
+          <a:lstStyle/>
+          <a:p>
+            <a:r>
+              <a:rPr lang="en-GB" sz="600" dirty="0">
+                <a:solidFill>
+                  <a:schemeClr val="bg1"/>
+                </a:solidFill>
+              </a:rPr>
+              <a:t>B. Clerckx et al, "Fundamentals of Wireless Information and Power Transfer: From RF Energy Harvester Models to Signal and System Designs," in </a:t>
+            </a:r>
+            <a:r>
+              <a:rPr lang="en-GB" sz="600" i="1" dirty="0">
+                <a:solidFill>
+                  <a:schemeClr val="bg1"/>
+                </a:solidFill>
+              </a:rPr>
+              <a:t>IEEE Journal on Selected Areas in Communications</a:t>
+            </a:r>
+            <a:r>
+              <a:rPr lang="en-GB" sz="600" dirty="0">
+                <a:solidFill>
+                  <a:schemeClr val="bg1"/>
+                </a:solidFill>
+              </a:rPr>
+              <a:t>, vol. 37, no. 1, pp. 4-33, Jan. 2019.</a:t>
+            </a:r>
+            <a:endParaRPr lang="en-GB" sz="500" dirty="0">
+              <a:solidFill>
+                <a:schemeClr val="bg1"/>
+              </a:solidFill>
+            </a:endParaRPr>
+          </a:p>
+        </p:txBody>
+      </p:sp>
     </p:spTree>
     <p:extLst>
       <p:ext uri="{BB962C8B-B14F-4D97-AF65-F5344CB8AC3E}">
@@ -8817,7 +9284,7 @@
           <a:p>
             <a:r>
               <a:rPr lang="en-US" dirty="0"/>
-              <a:t>Diode Nonlinearity, Harvester Models and Efficiency</a:t>
+              <a:t>Diode Nonlinearity and Harvester Models</a:t>
             </a:r>
           </a:p>
         </p:txBody>
@@ -8894,61 +9361,6 @@
           </a:p>
         </p:txBody>
       </p:sp>
-      <p:sp>
-        <p:nvSpPr>
-          <p:cNvPr id="23" name="TextBox 22">
-            <a:extLst>
-              <a:ext uri="{FF2B5EF4-FFF2-40B4-BE49-F238E27FC236}">
-                <a16:creationId xmlns:a16="http://schemas.microsoft.com/office/drawing/2014/main" id="{0E99EE04-66AE-4DDD-964D-5B43B3E9BD93}"/>
-              </a:ext>
-            </a:extLst>
-          </p:cNvPr>
-          <p:cNvSpPr txBox="1"/>
-          <p:nvPr/>
-        </p:nvSpPr>
-        <p:spPr>
-          <a:xfrm>
-            <a:off x="0" y="4648200"/>
-            <a:ext cx="9067800" cy="200055"/>
-          </a:xfrm>
-          <a:prstGeom prst="rect">
-            <a:avLst/>
-          </a:prstGeom>
-          <a:noFill/>
-        </p:spPr>
-        <p:txBody>
-          <a:bodyPr wrap="square" rtlCol="0">
-            <a:spAutoFit/>
-          </a:bodyPr>
-          <a:lstStyle/>
-          <a:p>
-            <a:r>
-              <a:rPr lang="en-GB" sz="700" dirty="0">
-                <a:solidFill>
-                  <a:schemeClr val="bg1"/>
-                </a:solidFill>
-              </a:rPr>
-              <a:t>Clerckx, Bruno, et al. "Fundamentals of wireless information and power transfer: From RF energy harvester models to signal and system designs." </a:t>
-            </a:r>
-            <a:r>
-              <a:rPr lang="en-GB" sz="700" i="1" dirty="0">
-                <a:solidFill>
-                  <a:schemeClr val="bg1"/>
-                </a:solidFill>
-              </a:rPr>
-              <a:t>IEEE Journal on Selected Areas in Communications</a:t>
-            </a:r>
-            <a:r>
-              <a:rPr lang="en-GB" sz="700" dirty="0">
-                <a:solidFill>
-                  <a:schemeClr val="bg1"/>
-                </a:solidFill>
-              </a:rPr>
-              <a:t> 37.1 (2019): 4-33.</a:t>
-            </a:r>
-          </a:p>
-        </p:txBody>
-      </p:sp>
       <p:pic>
         <p:nvPicPr>
           <p:cNvPr id="6" name="Picture 5">
@@ -8971,8 +9383,8 @@
         </p:blipFill>
         <p:spPr>
           <a:xfrm>
-            <a:off x="457200" y="2108000"/>
-            <a:ext cx="2432784" cy="1994621"/>
+            <a:off x="569507" y="1552119"/>
+            <a:ext cx="2208169" cy="1810461"/>
           </a:xfrm>
           <a:prstGeom prst="rect">
             <a:avLst/>
@@ -8993,7 +9405,7 @@
         </p:nvSpPr>
         <p:spPr>
           <a:xfrm>
-            <a:off x="388583" y="4088077"/>
+            <a:off x="388583" y="3231870"/>
             <a:ext cx="2570018" cy="307777"/>
           </a:xfrm>
           <a:prstGeom prst="rect">
@@ -9019,55 +9431,205 @@
           </a:p>
         </p:txBody>
       </p:sp>
-      <p:sp>
-        <p:nvSpPr>
-          <p:cNvPr id="17" name="TextBox 16">
-            <a:extLst>
-              <a:ext uri="{FF2B5EF4-FFF2-40B4-BE49-F238E27FC236}">
-                <a16:creationId xmlns:a16="http://schemas.microsoft.com/office/drawing/2014/main" id="{8A0C054E-7B14-4B82-A381-D90A4D4A07F0}"/>
-              </a:ext>
-            </a:extLst>
-          </p:cNvPr>
-          <p:cNvSpPr txBox="1"/>
-          <p:nvPr/>
-        </p:nvSpPr>
-        <p:spPr>
-          <a:xfrm>
-            <a:off x="457200" y="1659352"/>
-            <a:ext cx="2432784" cy="430887"/>
-          </a:xfrm>
-          <a:prstGeom prst="rect">
-            <a:avLst/>
-          </a:prstGeom>
-          <a:noFill/>
-        </p:spPr>
-        <p:txBody>
-          <a:bodyPr wrap="square" rtlCol="0">
-            <a:spAutoFit/>
-          </a:bodyPr>
-          <a:lstStyle/>
-          <a:p>
-            <a:r>
-              <a:rPr lang="en-GB" sz="1100" dirty="0">
-                <a:solidFill>
-                  <a:schemeClr val="tx2"/>
-                </a:solidFill>
-              </a:rPr>
-              <a:t>R1: region of diode linear model</a:t>
-            </a:r>
-          </a:p>
-          <a:p>
-            <a:r>
-              <a:rPr lang="en-GB" sz="1100" dirty="0">
-                <a:solidFill>
-                  <a:schemeClr val="tx2"/>
-                </a:solidFill>
-              </a:rPr>
-              <a:t>R2: region of diode nonlinear model</a:t>
-            </a:r>
-          </a:p>
-        </p:txBody>
-      </p:sp>
+      <mc:AlternateContent xmlns:mc="http://schemas.openxmlformats.org/markup-compatibility/2006" xmlns:a14="http://schemas.microsoft.com/office/drawing/2010/main">
+        <mc:Choice Requires="a14">
+          <p:sp>
+            <p:nvSpPr>
+              <p:cNvPr id="17" name="TextBox 16">
+                <a:extLst>
+                  <a:ext uri="{FF2B5EF4-FFF2-40B4-BE49-F238E27FC236}">
+                    <a16:creationId xmlns:a16="http://schemas.microsoft.com/office/drawing/2014/main" id="{8A0C054E-7B14-4B82-A381-D90A4D4A07F0}"/>
+                  </a:ext>
+                </a:extLst>
+              </p:cNvPr>
+              <p:cNvSpPr txBox="1"/>
+              <p:nvPr/>
+            </p:nvSpPr>
+            <p:spPr>
+              <a:xfrm>
+                <a:off x="457200" y="3515102"/>
+                <a:ext cx="2432784" cy="1126783"/>
+              </a:xfrm>
+              <a:prstGeom prst="rect">
+                <a:avLst/>
+              </a:prstGeom>
+              <a:noFill/>
+            </p:spPr>
+            <p:txBody>
+              <a:bodyPr wrap="square" rtlCol="0">
+                <a:spAutoFit/>
+              </a:bodyPr>
+              <a:lstStyle/>
+              <a:p>
+                <a:r>
+                  <a:rPr lang="en-GB" sz="1100" dirty="0">
+                    <a:solidFill>
+                      <a:schemeClr val="tx2"/>
+                    </a:solidFill>
+                  </a:rPr>
+                  <a:t>R1: region of diode linear model</a:t>
+                </a:r>
+              </a:p>
+              <a:p>
+                <a:r>
+                  <a:rPr lang="en-GB" sz="1100" dirty="0">
+                    <a:solidFill>
+                      <a:schemeClr val="tx2"/>
+                    </a:solidFill>
+                  </a:rPr>
+                  <a:t>R2: region of diode nonlinear model</a:t>
+                </a:r>
+              </a:p>
+              <a:p>
+                <a:endParaRPr lang="en-GB" sz="1100" dirty="0">
+                  <a:solidFill>
+                    <a:schemeClr val="tx2"/>
+                  </a:solidFill>
+                </a:endParaRPr>
+              </a:p>
+              <a:p>
+                <a:r>
+                  <a:rPr lang="en-GB" sz="1100" dirty="0">
+                    <a:solidFill>
+                      <a:schemeClr val="tx2"/>
+                    </a:solidFill>
+                  </a:rPr>
+                  <a:t>Boundary (</a:t>
+                </a:r>
+                <a14:m>
+                  <m:oMath xmlns:m="http://schemas.openxmlformats.org/officeDocument/2006/math">
+                    <m:sSubSup>
+                      <m:sSubSupPr>
+                        <m:ctrlPr>
+                          <a:rPr lang="en-GB" sz="1100" i="1">
+                            <a:solidFill>
+                              <a:schemeClr val="tx2"/>
+                            </a:solidFill>
+                            <a:latin typeface="Cambria Math" panose="02040503050406030204" pitchFamily="18" charset="0"/>
+                          </a:rPr>
+                        </m:ctrlPr>
+                      </m:sSubSupPr>
+                      <m:e>
+                        <m:r>
+                          <a:rPr lang="en-GB" sz="1100" i="1">
+                            <a:solidFill>
+                              <a:schemeClr val="tx2"/>
+                            </a:solidFill>
+                            <a:latin typeface="Cambria Math" panose="02040503050406030204" pitchFamily="18" charset="0"/>
+                          </a:rPr>
+                          <m:t>𝑃</m:t>
+                        </m:r>
+                      </m:e>
+                      <m:sub>
+                        <m:r>
+                          <a:rPr lang="en-GB" sz="1100" i="1">
+                            <a:solidFill>
+                              <a:schemeClr val="tx2"/>
+                            </a:solidFill>
+                            <a:latin typeface="Cambria Math" panose="02040503050406030204" pitchFamily="18" charset="0"/>
+                          </a:rPr>
+                          <m:t>𝑟𝑓</m:t>
+                        </m:r>
+                      </m:sub>
+                      <m:sup>
+                        <m:r>
+                          <a:rPr lang="en-GB" sz="1100" i="1">
+                            <a:solidFill>
+                              <a:schemeClr val="tx2"/>
+                            </a:solidFill>
+                            <a:latin typeface="Cambria Math" panose="02040503050406030204" pitchFamily="18" charset="0"/>
+                          </a:rPr>
+                          <m:t>𝑟</m:t>
+                        </m:r>
+                      </m:sup>
+                    </m:sSubSup>
+                  </m:oMath>
+                </a14:m>
+                <a:r>
+                  <a:rPr lang="en-GB" sz="1100" dirty="0">
+                    <a:solidFill>
+                      <a:schemeClr val="tx2"/>
+                    </a:solidFill>
+                  </a:rPr>
+                  <a:t>): </a:t>
+                </a:r>
+              </a:p>
+              <a:p>
+                <a:pPr marL="171450" indent="-171450">
+                  <a:buFont typeface="Arial" panose="020B0604020202020204" pitchFamily="34" charset="0"/>
+                  <a:buChar char="•"/>
+                </a:pPr>
+                <a:r>
+                  <a:rPr lang="en-GB" sz="1100" dirty="0">
+                    <a:solidFill>
+                      <a:schemeClr val="accent1"/>
+                    </a:solidFill>
+                  </a:rPr>
+                  <a:t>-20dBm for continuous wave</a:t>
+                </a:r>
+              </a:p>
+              <a:p>
+                <a:pPr marL="171450" indent="-171450">
+                  <a:buFont typeface="Arial" panose="020B0604020202020204" pitchFamily="34" charset="0"/>
+                  <a:buChar char="•"/>
+                </a:pPr>
+                <a:r>
+                  <a:rPr lang="en-GB" sz="1100" dirty="0">
+                    <a:solidFill>
+                      <a:schemeClr val="accent1"/>
+                    </a:solidFill>
+                  </a:rPr>
+                  <a:t>-30dBm for multisine</a:t>
+                </a:r>
+              </a:p>
+            </p:txBody>
+          </p:sp>
+        </mc:Choice>
+        <mc:Fallback xmlns="">
+          <p:sp>
+            <p:nvSpPr>
+              <p:cNvPr id="17" name="TextBox 16">
+                <a:extLst>
+                  <a:ext uri="{FF2B5EF4-FFF2-40B4-BE49-F238E27FC236}">
+                    <a16:creationId xmlns:a16="http://schemas.microsoft.com/office/drawing/2014/main" id="{8A0C054E-7B14-4B82-A381-D90A4D4A07F0}"/>
+                  </a:ext>
+                </a:extLst>
+              </p:cNvPr>
+              <p:cNvSpPr txBox="1">
+                <a:spLocks noRot="1" noChangeAspect="1" noMove="1" noResize="1" noEditPoints="1" noAdjustHandles="1" noChangeArrowheads="1" noChangeShapeType="1" noTextEdit="1"/>
+              </p:cNvSpPr>
+              <p:nvPr/>
+            </p:nvSpPr>
+            <p:spPr>
+              <a:xfrm>
+                <a:off x="457200" y="3515102"/>
+                <a:ext cx="2432784" cy="1126783"/>
+              </a:xfrm>
+              <a:prstGeom prst="rect">
+                <a:avLst/>
+              </a:prstGeom>
+              <a:blipFill>
+                <a:blip r:embed="rId10"/>
+                <a:stretch>
+                  <a:fillRect t="-543" b="-3261"/>
+                </a:stretch>
+              </a:blipFill>
+            </p:spPr>
+            <p:txBody>
+              <a:bodyPr/>
+              <a:lstStyle/>
+              <a:p>
+                <a:r>
+                  <a:rPr lang="en-GB">
+                    <a:noFill/>
+                  </a:rPr>
+                  <a:t> </a:t>
+                </a:r>
+              </a:p>
+            </p:txBody>
+          </p:sp>
+        </mc:Fallback>
+      </mc:AlternateContent>
       <p:sp>
         <p:nvSpPr>
           <p:cNvPr id="20" name="TextBox 19">
@@ -9107,8 +9669,8 @@
           </a:p>
         </p:txBody>
       </p:sp>
-      <mc:AlternateContent xmlns:mc="http://schemas.openxmlformats.org/markup-compatibility/2006">
-        <mc:Choice xmlns:a14="http://schemas.microsoft.com/office/drawing/2010/main" Requires="a14">
+      <mc:AlternateContent xmlns:mc="http://schemas.openxmlformats.org/markup-compatibility/2006" xmlns:a14="http://schemas.microsoft.com/office/drawing/2010/main">
+        <mc:Choice Requires="a14">
           <p:sp>
             <p:nvSpPr>
               <p:cNvPr id="8" name="TextBox 7">
@@ -9137,6 +9699,7 @@
               </a:bodyPr>
               <a:lstStyle/>
               <a:p>
+                <a:pPr/>
                 <a14:m>
                   <m:oMathPara xmlns:m="http://schemas.openxmlformats.org/officeDocument/2006/math">
                     <m:oMathParaPr>
@@ -9383,7 +9946,7 @@
             </p:txBody>
           </p:sp>
         </mc:Choice>
-        <mc:Fallback>
+        <mc:Fallback xmlns="">
           <p:sp>
             <p:nvSpPr>
               <p:cNvPr id="8" name="TextBox 7">
@@ -9407,7 +9970,7 @@
                 <a:avLst/>
               </a:prstGeom>
               <a:blipFill>
-                <a:blip r:embed="rId4"/>
+                <a:blip r:embed="rId5"/>
                 <a:stretch>
                   <a:fillRect b="-1042"/>
                 </a:stretch>
@@ -9467,8 +10030,8 @@
           </a:p>
         </p:txBody>
       </p:sp>
-      <mc:AlternateContent xmlns:mc="http://schemas.openxmlformats.org/markup-compatibility/2006">
-        <mc:Choice xmlns:a14="http://schemas.microsoft.com/office/drawing/2010/main" Requires="a14">
+      <mc:AlternateContent xmlns:mc="http://schemas.openxmlformats.org/markup-compatibility/2006" xmlns:a14="http://schemas.microsoft.com/office/drawing/2010/main">
+        <mc:Choice Requires="a14">
           <p:sp>
             <p:nvSpPr>
               <p:cNvPr id="11" name="TextBox 10">
@@ -9497,6 +10060,7 @@
               </a:bodyPr>
               <a:lstStyle/>
               <a:p>
+                <a:pPr/>
                 <a14:m>
                   <m:oMathPara xmlns:m="http://schemas.openxmlformats.org/officeDocument/2006/math">
                     <m:oMathParaPr>
@@ -9603,7 +10167,7 @@
             </p:txBody>
           </p:sp>
         </mc:Choice>
-        <mc:Fallback>
+        <mc:Fallback xmlns="">
           <p:sp>
             <p:nvSpPr>
               <p:cNvPr id="11" name="TextBox 10">
@@ -9627,7 +10191,7 @@
                 <a:avLst/>
               </a:prstGeom>
               <a:blipFill>
-                <a:blip r:embed="rId5"/>
+                <a:blip r:embed="rId6"/>
                 <a:stretch>
                   <a:fillRect l="-2564" b="-16667"/>
                 </a:stretch>
@@ -9648,8 +10212,8 @@
           </p:sp>
         </mc:Fallback>
       </mc:AlternateContent>
-      <mc:AlternateContent xmlns:mc="http://schemas.openxmlformats.org/markup-compatibility/2006">
-        <mc:Choice xmlns:a14="http://schemas.microsoft.com/office/drawing/2010/main" Requires="a14">
+      <mc:AlternateContent xmlns:mc="http://schemas.openxmlformats.org/markup-compatibility/2006" xmlns:a14="http://schemas.microsoft.com/office/drawing/2010/main">
+        <mc:Choice Requires="a14">
           <p:sp>
             <p:nvSpPr>
               <p:cNvPr id="22" name="TextBox 21">
@@ -9664,7 +10228,7 @@
             </p:nvSpPr>
             <p:spPr>
               <a:xfrm>
-                <a:off x="3965352" y="2032621"/>
+                <a:off x="3965352" y="2025694"/>
                 <a:ext cx="2493818" cy="604653"/>
               </a:xfrm>
               <a:prstGeom prst="rect">
@@ -9678,6 +10242,7 @@
               </a:bodyPr>
               <a:lstStyle/>
               <a:p>
+                <a:pPr/>
                 <a14:m>
                   <m:oMathPara xmlns:m="http://schemas.openxmlformats.org/officeDocument/2006/math">
                     <m:oMathParaPr>
@@ -9965,7 +10530,7 @@
             </p:txBody>
           </p:sp>
         </mc:Choice>
-        <mc:Fallback>
+        <mc:Fallback xmlns="">
           <p:sp>
             <p:nvSpPr>
               <p:cNvPr id="22" name="TextBox 21">
@@ -9982,16 +10547,16 @@
             </p:nvSpPr>
             <p:spPr>
               <a:xfrm>
-                <a:off x="3965352" y="2032621"/>
+                <a:off x="3965352" y="2025694"/>
                 <a:ext cx="2493818" cy="604653"/>
               </a:xfrm>
               <a:prstGeom prst="rect">
                 <a:avLst/>
               </a:prstGeom>
               <a:blipFill>
-                <a:blip r:embed="rId6"/>
+                <a:blip r:embed="rId7"/>
                 <a:stretch>
-                  <a:fillRect/>
+                  <a:fillRect b="-1010"/>
                 </a:stretch>
               </a:blipFill>
             </p:spPr>
@@ -10010,8 +10575,8 @@
           </p:sp>
         </mc:Fallback>
       </mc:AlternateContent>
-      <mc:AlternateContent xmlns:mc="http://schemas.openxmlformats.org/markup-compatibility/2006">
-        <mc:Choice xmlns:a14="http://schemas.microsoft.com/office/drawing/2010/main" Requires="a14">
+      <mc:AlternateContent xmlns:mc="http://schemas.openxmlformats.org/markup-compatibility/2006" xmlns:a14="http://schemas.microsoft.com/office/drawing/2010/main">
+        <mc:Choice Requires="a14">
           <p:sp>
             <p:nvSpPr>
               <p:cNvPr id="27" name="TextBox 26">
@@ -10026,8 +10591,8 @@
             </p:nvSpPr>
             <p:spPr>
               <a:xfrm>
-                <a:off x="3085588" y="2874728"/>
-                <a:ext cx="5871376" cy="701410"/>
+                <a:off x="3085588" y="2733937"/>
+                <a:ext cx="5871376" cy="906658"/>
               </a:xfrm>
               <a:prstGeom prst="rect">
                 <a:avLst/>
@@ -10126,7 +10691,7 @@
                 <a:r>
                   <a:rPr lang="en-GB" sz="1200" dirty="0">
                     <a:solidFill>
-                      <a:schemeClr val="tx2"/>
+                      <a:schemeClr val="accent1"/>
                     </a:solidFill>
                   </a:rPr>
                   <a:t>Input power </a:t>
@@ -10138,7 +10703,7 @@
                         <m:ctrlPr>
                           <a:rPr lang="en-GB" sz="1200" i="1">
                             <a:solidFill>
-                              <a:schemeClr val="tx2"/>
+                              <a:schemeClr val="accent1"/>
                             </a:solidFill>
                             <a:latin typeface="Cambria Math" panose="02040503050406030204" pitchFamily="18" charset="0"/>
                           </a:rPr>
@@ -10148,7 +10713,7 @@
                         <m:r>
                           <a:rPr lang="en-GB" sz="1200" i="1">
                             <a:solidFill>
-                              <a:schemeClr val="tx2"/>
+                              <a:schemeClr val="accent1"/>
                             </a:solidFill>
                             <a:latin typeface="Cambria Math" panose="02040503050406030204" pitchFamily="18" charset="0"/>
                           </a:rPr>
@@ -10159,7 +10724,7 @@
                         <m:r>
                           <a:rPr lang="en-GB" sz="1200" i="1">
                             <a:solidFill>
-                              <a:schemeClr val="tx2"/>
+                              <a:schemeClr val="accent1"/>
                             </a:solidFill>
                             <a:latin typeface="Cambria Math" panose="02040503050406030204" pitchFamily="18" charset="0"/>
                           </a:rPr>
@@ -10170,7 +10735,7 @@
                         <m:r>
                           <a:rPr lang="en-GB" sz="1200" i="1">
                             <a:solidFill>
-                              <a:schemeClr val="tx2"/>
+                              <a:schemeClr val="accent1"/>
                             </a:solidFill>
                             <a:latin typeface="Cambria Math" panose="02040503050406030204" pitchFamily="18" charset="0"/>
                           </a:rPr>
@@ -10181,7 +10746,7 @@
                     <m:r>
                       <a:rPr lang="en-GB" sz="1200" b="0" i="1" smtClean="0">
                         <a:solidFill>
-                          <a:schemeClr val="tx2"/>
+                          <a:schemeClr val="accent1"/>
                         </a:solidFill>
                         <a:latin typeface="Cambria Math" panose="02040503050406030204" pitchFamily="18" charset="0"/>
                       </a:rPr>
@@ -10190,7 +10755,7 @@
                     <m:r>
                       <a:rPr lang="en-GB" sz="1200" i="1">
                         <a:solidFill>
-                          <a:schemeClr val="tx2"/>
+                          <a:schemeClr val="accent1"/>
                         </a:solidFill>
                         <a:latin typeface="Cambria Math" panose="02040503050406030204" pitchFamily="18" charset="0"/>
                       </a:rPr>
@@ -10199,7 +10764,7 @@
                     <m:r>
                       <a:rPr lang="en-GB" sz="1200" i="1">
                         <a:solidFill>
-                          <a:schemeClr val="tx2"/>
+                          <a:schemeClr val="accent1"/>
                         </a:solidFill>
                         <a:latin typeface="Cambria Math" panose="02040503050406030204" pitchFamily="18" charset="0"/>
                       </a:rPr>
@@ -10210,7 +10775,7 @@
                         <m:ctrlPr>
                           <a:rPr lang="en-GB" sz="1200" i="1">
                             <a:solidFill>
-                              <a:schemeClr val="tx2"/>
+                              <a:schemeClr val="accent1"/>
                             </a:solidFill>
                             <a:latin typeface="Cambria Math" panose="02040503050406030204" pitchFamily="18" charset="0"/>
                           </a:rPr>
@@ -10222,7 +10787,7 @@
                             <m:ctrlPr>
                               <a:rPr lang="en-GB" sz="1200" i="1">
                                 <a:solidFill>
-                                  <a:schemeClr val="tx2"/>
+                                  <a:schemeClr val="accent1"/>
                                 </a:solidFill>
                                 <a:latin typeface="Cambria Math" panose="02040503050406030204" pitchFamily="18" charset="0"/>
                               </a:rPr>
@@ -10232,7 +10797,7 @@
                             <m:r>
                               <a:rPr lang="en-GB" sz="1200" i="1">
                                 <a:solidFill>
-                                  <a:schemeClr val="tx2"/>
+                                  <a:schemeClr val="accent1"/>
                                 </a:solidFill>
                                 <a:latin typeface="Cambria Math" panose="02040503050406030204" pitchFamily="18" charset="0"/>
                               </a:rPr>
@@ -10243,7 +10808,7 @@
                             <m:r>
                               <a:rPr lang="en-GB" sz="1200" i="1">
                                 <a:solidFill>
-                                  <a:schemeClr val="tx2"/>
+                                  <a:schemeClr val="accent1"/>
                                 </a:solidFill>
                                 <a:latin typeface="Cambria Math" panose="02040503050406030204" pitchFamily="18" charset="0"/>
                               </a:rPr>
@@ -10256,7 +10821,7 @@
                             <m:ctrlPr>
                               <a:rPr lang="en-GB" sz="1200" i="1">
                                 <a:solidFill>
-                                  <a:schemeClr val="tx2"/>
+                                  <a:schemeClr val="accent1"/>
                                 </a:solidFill>
                                 <a:latin typeface="Cambria Math" panose="02040503050406030204" pitchFamily="18" charset="0"/>
                               </a:rPr>
@@ -10266,7 +10831,7 @@
                             <m:r>
                               <a:rPr lang="en-GB" sz="1200" i="1">
                                 <a:solidFill>
-                                  <a:schemeClr val="tx2"/>
+                                  <a:schemeClr val="accent1"/>
                                 </a:solidFill>
                                 <a:latin typeface="Cambria Math" panose="02040503050406030204" pitchFamily="18" charset="0"/>
                               </a:rPr>
@@ -10279,7 +10844,7 @@
                         <m:r>
                           <a:rPr lang="en-GB" sz="1200" b="0" i="1" smtClean="0">
                             <a:solidFill>
-                              <a:schemeClr val="tx2"/>
+                              <a:schemeClr val="accent1"/>
                             </a:solidFill>
                             <a:latin typeface="Cambria Math" panose="02040503050406030204" pitchFamily="18" charset="0"/>
                           </a:rPr>
@@ -10290,7 +10855,7 @@
                     <m:r>
                       <a:rPr lang="en-GB" sz="1200" b="0" i="1" smtClean="0">
                         <a:solidFill>
-                          <a:schemeClr val="tx2"/>
+                          <a:schemeClr val="accent1"/>
                         </a:solidFill>
                         <a:latin typeface="Cambria Math" panose="02040503050406030204" pitchFamily="18" charset="0"/>
                       </a:rPr>
@@ -10301,7 +10866,7 @@
                 <a:r>
                   <a:rPr lang="en-GB" sz="1200" dirty="0">
                     <a:solidFill>
-                      <a:schemeClr val="tx2"/>
+                      <a:schemeClr val="accent1"/>
                     </a:solidFill>
                   </a:rPr>
                   <a:t> is proportional to the output power </a:t>
@@ -10313,7 +10878,7 @@
                         <m:ctrlPr>
                           <a:rPr lang="en-GB" sz="1200" i="1">
                             <a:solidFill>
-                              <a:schemeClr val="tx2"/>
+                              <a:schemeClr val="accent1"/>
                             </a:solidFill>
                             <a:latin typeface="Cambria Math" panose="02040503050406030204" pitchFamily="18" charset="0"/>
                           </a:rPr>
@@ -10323,7 +10888,7 @@
                         <m:r>
                           <a:rPr lang="en-GB" sz="1200" i="1">
                             <a:solidFill>
-                              <a:schemeClr val="tx2"/>
+                              <a:schemeClr val="accent1"/>
                             </a:solidFill>
                             <a:latin typeface="Cambria Math" panose="02040503050406030204" pitchFamily="18" charset="0"/>
                           </a:rPr>
@@ -10334,7 +10899,7 @@
                         <m:r>
                           <a:rPr lang="en-GB" sz="1200" b="0" i="1" smtClean="0">
                             <a:solidFill>
-                              <a:schemeClr val="tx2"/>
+                              <a:schemeClr val="accent1"/>
                             </a:solidFill>
                             <a:latin typeface="Cambria Math" panose="02040503050406030204" pitchFamily="18" charset="0"/>
                           </a:rPr>
@@ -10345,7 +10910,7 @@
                         <m:r>
                           <a:rPr lang="en-GB" sz="1200" i="1">
                             <a:solidFill>
-                              <a:schemeClr val="tx2"/>
+                              <a:schemeClr val="accent1"/>
                             </a:solidFill>
                             <a:latin typeface="Cambria Math" panose="02040503050406030204" pitchFamily="18" charset="0"/>
                           </a:rPr>
@@ -10356,7 +10921,7 @@
                     <m:r>
                       <a:rPr lang="en-GB" sz="1200" i="1">
                         <a:solidFill>
-                          <a:schemeClr val="tx2"/>
+                          <a:schemeClr val="accent1"/>
                         </a:solidFill>
                         <a:latin typeface="Cambria Math" panose="02040503050406030204" pitchFamily="18" charset="0"/>
                       </a:rPr>
@@ -10367,7 +10932,7 @@
                         <m:ctrlPr>
                           <a:rPr lang="en-GB" sz="1200" i="1" smtClean="0">
                             <a:solidFill>
-                              <a:schemeClr val="tx2"/>
+                              <a:schemeClr val="accent1"/>
                             </a:solidFill>
                             <a:latin typeface="Cambria Math" panose="02040503050406030204" pitchFamily="18" charset="0"/>
                           </a:rPr>
@@ -10377,7 +10942,7 @@
                         <m:r>
                           <a:rPr lang="en-GB" sz="1200" b="0" i="1" smtClean="0">
                             <a:solidFill>
-                              <a:schemeClr val="tx2"/>
+                              <a:schemeClr val="accent1"/>
                             </a:solidFill>
                             <a:latin typeface="Cambria Math" panose="02040503050406030204" pitchFamily="18" charset="0"/>
                           </a:rPr>
@@ -10388,7 +10953,7 @@
                         <m:r>
                           <a:rPr lang="en-GB" sz="1200" b="0" i="1" smtClean="0">
                             <a:solidFill>
-                              <a:schemeClr val="tx2"/>
+                              <a:schemeClr val="accent1"/>
                             </a:solidFill>
                             <a:latin typeface="Cambria Math" panose="02040503050406030204" pitchFamily="18" charset="0"/>
                           </a:rPr>
@@ -10399,7 +10964,7 @@
                         <m:r>
                           <a:rPr lang="en-GB" sz="1200" b="0" i="1" smtClean="0">
                             <a:solidFill>
-                              <a:schemeClr val="tx2"/>
+                              <a:schemeClr val="accent1"/>
                             </a:solidFill>
                             <a:latin typeface="Cambria Math" panose="02040503050406030204" pitchFamily="18" charset="0"/>
                           </a:rPr>
@@ -10412,7 +10977,7 @@
                         <m:ctrlPr>
                           <a:rPr lang="en-GB" sz="1200" i="1" smtClean="0">
                             <a:solidFill>
-                              <a:schemeClr val="tx2"/>
+                              <a:schemeClr val="accent1"/>
                             </a:solidFill>
                             <a:latin typeface="Cambria Math" panose="02040503050406030204" pitchFamily="18" charset="0"/>
                           </a:rPr>
@@ -10422,7 +10987,7 @@
                         <m:r>
                           <a:rPr lang="en-GB" sz="1200" b="0" i="1" smtClean="0">
                             <a:solidFill>
-                              <a:schemeClr val="tx2"/>
+                              <a:schemeClr val="accent1"/>
                             </a:solidFill>
                             <a:latin typeface="Cambria Math" panose="02040503050406030204" pitchFamily="18" charset="0"/>
                           </a:rPr>
@@ -10433,7 +10998,7 @@
                         <m:r>
                           <a:rPr lang="en-GB" sz="1200" b="0" i="1" smtClean="0">
                             <a:solidFill>
-                              <a:schemeClr val="tx2"/>
+                              <a:schemeClr val="accent1"/>
                             </a:solidFill>
                             <a:latin typeface="Cambria Math" panose="02040503050406030204" pitchFamily="18" charset="0"/>
                           </a:rPr>
@@ -10445,7 +11010,7 @@
                 </a14:m>
                 <a:endParaRPr lang="en-GB" sz="1200" dirty="0">
                   <a:solidFill>
-                    <a:schemeClr val="tx2"/>
+                    <a:schemeClr val="accent1"/>
                   </a:solidFill>
                 </a:endParaRPr>
               </a:p>
@@ -10457,16 +11022,103 @@
                 <a:r>
                   <a:rPr lang="en-GB" sz="1200" dirty="0">
                     <a:solidFill>
-                      <a:schemeClr val="tx2"/>
+                      <a:schemeClr val="accent1"/>
                     </a:solidFill>
                   </a:rPr>
                   <a:t>Independent of the power and shape of the received signal (averaged out)</a:t>
                 </a:r>
               </a:p>
+              <a:p>
+                <a:pPr marL="285750" indent="-285750">
+                  <a:buFont typeface="Arial" panose="020B0604020202020204" pitchFamily="34" charset="0"/>
+                  <a:buChar char="•"/>
+                </a:pPr>
+                <a:r>
+                  <a:rPr lang="en-GB" sz="1200" dirty="0">
+                    <a:solidFill>
+                      <a:schemeClr val="accent1"/>
+                    </a:solidFill>
+                  </a:rPr>
+                  <a:t>Holds for very low </a:t>
+                </a:r>
+                <a14:m>
+                  <m:oMath xmlns:m="http://schemas.openxmlformats.org/officeDocument/2006/math">
+                    <m:sSubSup>
+                      <m:sSubSupPr>
+                        <m:ctrlPr>
+                          <a:rPr lang="en-GB" sz="1200" i="1">
+                            <a:solidFill>
+                              <a:schemeClr val="accent1"/>
+                            </a:solidFill>
+                            <a:latin typeface="Cambria Math" panose="02040503050406030204" pitchFamily="18" charset="0"/>
+                          </a:rPr>
+                        </m:ctrlPr>
+                      </m:sSubSupPr>
+                      <m:e>
+                        <m:r>
+                          <a:rPr lang="en-GB" sz="1200" i="1">
+                            <a:solidFill>
+                              <a:schemeClr val="accent1"/>
+                            </a:solidFill>
+                            <a:latin typeface="Cambria Math" panose="02040503050406030204" pitchFamily="18" charset="0"/>
+                          </a:rPr>
+                          <m:t>𝑃</m:t>
+                        </m:r>
+                      </m:e>
+                      <m:sub>
+                        <m:r>
+                          <a:rPr lang="en-GB" sz="1200" i="1">
+                            <a:solidFill>
+                              <a:schemeClr val="accent1"/>
+                            </a:solidFill>
+                            <a:latin typeface="Cambria Math" panose="02040503050406030204" pitchFamily="18" charset="0"/>
+                          </a:rPr>
+                          <m:t>𝑟𝑓</m:t>
+                        </m:r>
+                      </m:sub>
+                      <m:sup>
+                        <m:r>
+                          <a:rPr lang="en-GB" sz="1200" i="1">
+                            <a:solidFill>
+                              <a:schemeClr val="accent1"/>
+                            </a:solidFill>
+                            <a:latin typeface="Cambria Math" panose="02040503050406030204" pitchFamily="18" charset="0"/>
+                          </a:rPr>
+                          <m:t>𝑟</m:t>
+                        </m:r>
+                      </m:sup>
+                    </m:sSubSup>
+                  </m:oMath>
+                </a14:m>
+                <a:r>
+                  <a:rPr lang="en-GB" sz="1200" dirty="0">
+                    <a:solidFill>
+                      <a:schemeClr val="accent1"/>
+                    </a:solidFill>
+                  </a:rPr>
+                  <a:t> </a:t>
+                </a:r>
+                <a:r>
+                  <a:rPr lang="en-US" altLang="zh-CN" sz="1200" dirty="0">
+                    <a:solidFill>
+                      <a:schemeClr val="accent1"/>
+                    </a:solidFill>
+                  </a:rPr>
+                  <a:t>where </a:t>
+                </a:r>
+                <a:r>
+                  <a:rPr lang="en-GB" sz="1200" dirty="0">
+                    <a:solidFill>
+                      <a:schemeClr val="accent1"/>
+                    </a:solidFill>
+                  </a:rPr>
+                  <a:t>high order terms are negligible [Region 1]</a:t>
+                </a:r>
+              </a:p>
             </p:txBody>
           </p:sp>
         </mc:Choice>
-        <mc:Fallback>
+        <mc:Fallback xmlns="">
           <p:sp>
             <p:nvSpPr>
               <p:cNvPr id="27" name="TextBox 26">
@@ -10483,16 +11135,16 @@
             </p:nvSpPr>
             <p:spPr>
               <a:xfrm>
-                <a:off x="3085588" y="2874728"/>
-                <a:ext cx="5871376" cy="701410"/>
+                <a:off x="3085588" y="2733937"/>
+                <a:ext cx="5871376" cy="906658"/>
               </a:xfrm>
               <a:prstGeom prst="rect">
                 <a:avLst/>
               </a:prstGeom>
               <a:blipFill>
-                <a:blip r:embed="rId7"/>
+                <a:blip r:embed="rId11"/>
                 <a:stretch>
-                  <a:fillRect l="-312" t="-1739" b="-5217"/>
+                  <a:fillRect l="-312" t="-671" b="-1342"/>
                 </a:stretch>
               </a:blipFill>
             </p:spPr>
@@ -10511,8 +11163,8 @@
           </p:sp>
         </mc:Fallback>
       </mc:AlternateContent>
-      <mc:AlternateContent xmlns:mc="http://schemas.openxmlformats.org/markup-compatibility/2006">
-        <mc:Choice xmlns:a14="http://schemas.microsoft.com/office/drawing/2010/main" Requires="a14">
+      <mc:AlternateContent xmlns:mc="http://schemas.openxmlformats.org/markup-compatibility/2006" xmlns:a14="http://schemas.microsoft.com/office/drawing/2010/main">
+        <mc:Choice Requires="a14">
           <p:sp>
             <p:nvSpPr>
               <p:cNvPr id="28" name="TextBox 27">
@@ -10528,7 +11180,7 @@
             <p:spPr>
               <a:xfrm>
                 <a:off x="3085588" y="3644181"/>
-                <a:ext cx="5871376" cy="677108"/>
+                <a:ext cx="5871376" cy="861774"/>
               </a:xfrm>
               <a:prstGeom prst="rect">
                 <a:avLst/>
@@ -10636,7 +11288,7 @@
                 <a:r>
                   <a:rPr lang="en-GB" sz="1200" dirty="0">
                     <a:solidFill>
-                      <a:schemeClr val="tx2"/>
+                      <a:schemeClr val="accent1"/>
                     </a:solidFill>
                   </a:rPr>
                   <a:t>Truncating at higher order leads to nonlinear behaviour (</a:t>
@@ -10648,7 +11300,7 @@
                         <m:ctrlPr>
                           <a:rPr lang="en-GB" sz="1200" i="1">
                             <a:solidFill>
-                              <a:schemeClr val="tx2"/>
+                              <a:schemeClr val="accent1"/>
                             </a:solidFill>
                             <a:latin typeface="Cambria Math" panose="02040503050406030204" pitchFamily="18" charset="0"/>
                           </a:rPr>
@@ -10658,7 +11310,7 @@
                         <m:r>
                           <a:rPr lang="en-GB" sz="1200" i="1">
                             <a:solidFill>
-                              <a:schemeClr val="tx2"/>
+                              <a:schemeClr val="accent1"/>
                             </a:solidFill>
                             <a:latin typeface="Cambria Math" panose="02040503050406030204" pitchFamily="18" charset="0"/>
                           </a:rPr>
@@ -10669,7 +11321,7 @@
                         <m:r>
                           <a:rPr lang="en-GB" sz="1200" i="1">
                             <a:solidFill>
-                              <a:schemeClr val="tx2"/>
+                              <a:schemeClr val="accent1"/>
                             </a:solidFill>
                             <a:latin typeface="Cambria Math" panose="02040503050406030204" pitchFamily="18" charset="0"/>
                           </a:rPr>
@@ -10682,7 +11334,7 @@
                 <a:r>
                   <a:rPr lang="en-GB" sz="1200" dirty="0">
                     <a:solidFill>
-                      <a:schemeClr val="tx2"/>
+                      <a:schemeClr val="accent1"/>
                     </a:solidFill>
                   </a:rPr>
                   <a:t> related to waveform)</a:t>
@@ -10696,16 +11348,30 @@
                 <a:r>
                   <a:rPr lang="en-GB" sz="1200" dirty="0">
                     <a:solidFill>
-                      <a:schemeClr val="tx2"/>
+                      <a:schemeClr val="accent1"/>
                     </a:solidFill>
                   </a:rPr>
                   <a:t>Holds when the high order terms are not negligible [Region 2]</a:t>
                 </a:r>
               </a:p>
+              <a:p>
+                <a:pPr marL="285750" indent="-285750">
+                  <a:buFont typeface="Arial" panose="020B0604020202020204" pitchFamily="34" charset="0"/>
+                  <a:buChar char="•"/>
+                </a:pPr>
+                <a:r>
+                  <a:rPr lang="en-GB" sz="1200" dirty="0">
+                    <a:solidFill>
+                      <a:schemeClr val="accent1"/>
+                    </a:solidFill>
+                  </a:rPr>
+                  <a:t>Suitable for multisine input waveform</a:t>
+                </a:r>
+              </a:p>
             </p:txBody>
           </p:sp>
         </mc:Choice>
-        <mc:Fallback>
+        <mc:Fallback xmlns="">
           <p:sp>
             <p:nvSpPr>
               <p:cNvPr id="28" name="TextBox 27">
@@ -10723,15 +11389,15 @@
             <p:spPr>
               <a:xfrm>
                 <a:off x="3085588" y="3644181"/>
-                <a:ext cx="5871376" cy="677108"/>
+                <a:ext cx="5871376" cy="861774"/>
               </a:xfrm>
               <a:prstGeom prst="rect">
                 <a:avLst/>
               </a:prstGeom>
               <a:blipFill>
-                <a:blip r:embed="rId8"/>
+                <a:blip r:embed="rId12"/>
                 <a:stretch>
-                  <a:fillRect l="-312" t="-1802" b="-5405"/>
+                  <a:fillRect l="-312" t="-1418" b="-4255"/>
                 </a:stretch>
               </a:blipFill>
             </p:spPr>
@@ -10750,6 +11416,66 @@
           </p:sp>
         </mc:Fallback>
       </mc:AlternateContent>
+      <p:sp>
+        <p:nvSpPr>
+          <p:cNvPr id="16" name="TextBox 15">
+            <a:extLst>
+              <a:ext uri="{FF2B5EF4-FFF2-40B4-BE49-F238E27FC236}">
+                <a16:creationId xmlns:a16="http://schemas.microsoft.com/office/drawing/2014/main" id="{142D2CFE-2C3E-4CE9-97B9-7B3CD24EBF1F}"/>
+              </a:ext>
+            </a:extLst>
+          </p:cNvPr>
+          <p:cNvSpPr txBox="1"/>
+          <p:nvPr/>
+        </p:nvSpPr>
+        <p:spPr>
+          <a:xfrm>
+            <a:off x="0" y="4648200"/>
+            <a:ext cx="9067800" cy="184666"/>
+          </a:xfrm>
+          <a:prstGeom prst="rect">
+            <a:avLst/>
+          </a:prstGeom>
+          <a:noFill/>
+        </p:spPr>
+        <p:txBody>
+          <a:bodyPr wrap="square" rtlCol="0">
+            <a:spAutoFit/>
+          </a:bodyPr>
+          <a:lstStyle/>
+          <a:p>
+            <a:r>
+              <a:rPr lang="en-GB" sz="600" dirty="0">
+                <a:solidFill>
+                  <a:schemeClr val="bg1"/>
+                </a:solidFill>
+              </a:rPr>
+              <a:t>B. Clerckx et al, "Fundamentals of Wireless Information and Power Transfer: From RF Energy Harvester Models to Signal and System Designs," in </a:t>
+            </a:r>
+            <a:r>
+              <a:rPr lang="en-GB" sz="600" i="1" dirty="0">
+                <a:solidFill>
+                  <a:schemeClr val="bg1"/>
+                </a:solidFill>
+              </a:rPr>
+              <a:t>IEEE Journal on Selected Areas in Communications</a:t>
+            </a:r>
+            <a:r>
+              <a:rPr lang="en-GB" sz="600" dirty="0">
+                <a:solidFill>
+                  <a:schemeClr val="bg1"/>
+                </a:solidFill>
+              </a:rPr>
+              <a:t>, vol. 37, no. 1, pp. 4-33, Jan. 2019.</a:t>
+            </a:r>
+            <a:endParaRPr lang="en-GB" sz="500" dirty="0">
+              <a:solidFill>
+                <a:schemeClr val="bg1"/>
+              </a:solidFill>
+            </a:endParaRPr>
+          </a:p>
+        </p:txBody>
+      </p:sp>
     </p:spTree>
     <p:extLst>
       <p:ext uri="{BB962C8B-B14F-4D97-AF65-F5344CB8AC3E}">
@@ -10780,125 +11506,12 @@
           <a:chExt cx="0" cy="0"/>
         </a:xfrm>
       </p:grpSpPr>
-      <p:pic>
-        <p:nvPicPr>
-          <p:cNvPr id="5" name="Picture 4">
+      <p:sp>
+        <p:nvSpPr>
+          <p:cNvPr id="9" name="Text Placeholder 5">
             <a:extLst>
               <a:ext uri="{FF2B5EF4-FFF2-40B4-BE49-F238E27FC236}">
-                <a16:creationId xmlns:a16="http://schemas.microsoft.com/office/drawing/2014/main" id="{BFD3A308-BE7E-4554-AFC7-3025C6C19EFC}"/>
-              </a:ext>
-            </a:extLst>
-          </p:cNvPr>
-          <p:cNvPicPr>
-            <a:picLocks noChangeAspect="1"/>
-          </p:cNvPicPr>
-          <p:nvPr/>
-        </p:nvPicPr>
-        <p:blipFill>
-          <a:blip r:embed="rId2"/>
-          <a:stretch>
-            <a:fillRect/>
-          </a:stretch>
-        </p:blipFill>
-        <p:spPr>
-          <a:xfrm>
-            <a:off x="488500" y="1568810"/>
-            <a:ext cx="3334877" cy="2005879"/>
-          </a:xfrm>
-          <a:prstGeom prst="rect">
-            <a:avLst/>
-          </a:prstGeom>
-        </p:spPr>
-      </p:pic>
-      <p:sp>
-        <p:nvSpPr>
-          <p:cNvPr id="8" name="TextBox 7">
-            <a:extLst>
-              <a:ext uri="{FF2B5EF4-FFF2-40B4-BE49-F238E27FC236}">
-                <a16:creationId xmlns:a16="http://schemas.microsoft.com/office/drawing/2014/main" id="{84FD9039-399E-499C-9440-1C60EC669FE2}"/>
-              </a:ext>
-            </a:extLst>
-          </p:cNvPr>
-          <p:cNvSpPr txBox="1"/>
-          <p:nvPr/>
-        </p:nvSpPr>
-        <p:spPr>
-          <a:xfrm>
-            <a:off x="488501" y="3883385"/>
-            <a:ext cx="3334877" cy="276999"/>
-          </a:xfrm>
-          <a:prstGeom prst="rect">
-            <a:avLst/>
-          </a:prstGeom>
-          <a:noFill/>
-        </p:spPr>
-        <p:txBody>
-          <a:bodyPr wrap="square" rtlCol="0">
-            <a:spAutoFit/>
-          </a:bodyPr>
-          <a:lstStyle/>
-          <a:p>
-            <a:pPr algn="ctr"/>
-            <a:r>
-              <a:rPr lang="en-GB" sz="1200" dirty="0">
-                <a:solidFill>
-                  <a:schemeClr val="tx2"/>
-                </a:solidFill>
-              </a:rPr>
-              <a:t>Fig. 1	Architectures of Simultaneous WIPT </a:t>
-            </a:r>
-            <a:r>
-              <a:rPr lang="en-US" altLang="zh-CN" sz="1200" dirty="0">
-                <a:solidFill>
-                  <a:schemeClr val="tx2"/>
-                </a:solidFill>
-              </a:rPr>
-              <a:t>[1]</a:t>
-            </a:r>
-            <a:endParaRPr lang="en-GB" sz="1200" dirty="0">
-              <a:solidFill>
-                <a:schemeClr val="tx2"/>
-              </a:solidFill>
-            </a:endParaRPr>
-          </a:p>
-        </p:txBody>
-      </p:sp>
-      <p:pic>
-        <p:nvPicPr>
-          <p:cNvPr id="12" name="Picture 11">
-            <a:extLst>
-              <a:ext uri="{FF2B5EF4-FFF2-40B4-BE49-F238E27FC236}">
-                <a16:creationId xmlns:a16="http://schemas.microsoft.com/office/drawing/2014/main" id="{00D83B97-7860-4737-B9AA-200D679B2568}"/>
-              </a:ext>
-            </a:extLst>
-          </p:cNvPr>
-          <p:cNvPicPr>
-            <a:picLocks noChangeAspect="1"/>
-          </p:cNvPicPr>
-          <p:nvPr/>
-        </p:nvPicPr>
-        <p:blipFill>
-          <a:blip r:embed="rId3"/>
-          <a:stretch>
-            <a:fillRect/>
-          </a:stretch>
-        </p:blipFill>
-        <p:spPr>
-          <a:xfrm>
-            <a:off x="3823377" y="691666"/>
-            <a:ext cx="3206851" cy="3760166"/>
-          </a:xfrm>
-          <a:prstGeom prst="rect">
-            <a:avLst/>
-          </a:prstGeom>
-        </p:spPr>
-      </p:pic>
-      <p:sp>
-        <p:nvSpPr>
-          <p:cNvPr id="13" name="Text Placeholder 4">
-            <a:extLst>
-              <a:ext uri="{FF2B5EF4-FFF2-40B4-BE49-F238E27FC236}">
-                <a16:creationId xmlns:a16="http://schemas.microsoft.com/office/drawing/2014/main" id="{9B59716B-99EB-478F-B513-9FB7FB1B2AE2}"/>
+                <a16:creationId xmlns:a16="http://schemas.microsoft.com/office/drawing/2014/main" id="{24423EEC-14BD-4F4E-8886-E56421F245A5}"/>
               </a:ext>
             </a:extLst>
           </p:cNvPr>
@@ -10929,10 +11542,10 @@
       </p:sp>
       <p:sp>
         <p:nvSpPr>
-          <p:cNvPr id="14" name="Text Placeholder 5">
+          <p:cNvPr id="10" name="Text Placeholder 6">
             <a:extLst>
               <a:ext uri="{FF2B5EF4-FFF2-40B4-BE49-F238E27FC236}">
-                <a16:creationId xmlns:a16="http://schemas.microsoft.com/office/drawing/2014/main" id="{0A64D735-E618-4BDE-91C3-4CEC1178B838}"/>
+                <a16:creationId xmlns:a16="http://schemas.microsoft.com/office/drawing/2014/main" id="{9FA41106-AF1B-41C3-8636-F3C798E1972C}"/>
               </a:ext>
             </a:extLst>
           </p:cNvPr>
@@ -10940,12 +11553,12 @@
             <a:spLocks noGrp="1"/>
           </p:cNvSpPr>
           <p:nvPr>
-            <p:ph type="body" sz="quarter" idx="12"/>
+            <p:ph type="body" sz="quarter" idx="13"/>
           </p:nvPr>
         </p:nvSpPr>
         <p:spPr>
           <a:xfrm>
-            <a:off x="7239941" y="820454"/>
+            <a:off x="7239942" y="817305"/>
             <a:ext cx="1446859" cy="192881"/>
           </a:xfrm>
         </p:spPr>
@@ -10967,10 +11580,10 @@
       </p:sp>
       <p:sp>
         <p:nvSpPr>
-          <p:cNvPr id="15" name="TextBox 14">
+          <p:cNvPr id="23" name="TextBox 22">
             <a:extLst>
               <a:ext uri="{FF2B5EF4-FFF2-40B4-BE49-F238E27FC236}">
-                <a16:creationId xmlns:a16="http://schemas.microsoft.com/office/drawing/2014/main" id="{84E59F11-C598-4C61-8D7D-20273951B30E}"/>
+                <a16:creationId xmlns:a16="http://schemas.microsoft.com/office/drawing/2014/main" id="{0E99EE04-66AE-4DDD-964D-5B43B3E9BD93}"/>
               </a:ext>
             </a:extLst>
           </p:cNvPr>
@@ -10979,8 +11592,8 @@
         </p:nvSpPr>
         <p:spPr>
           <a:xfrm>
-            <a:off x="6896878" y="1102427"/>
-            <a:ext cx="1778000" cy="276999"/>
+            <a:off x="0" y="4648200"/>
+            <a:ext cx="9067800" cy="184666"/>
           </a:xfrm>
           <a:prstGeom prst="rect">
             <a:avLst/>
@@ -10994,22 +11607,1003 @@
           <a:lstStyle/>
           <a:p>
             <a:r>
+              <a:rPr lang="en-GB" sz="600" dirty="0">
+                <a:solidFill>
+                  <a:schemeClr val="bg1"/>
+                </a:solidFill>
+              </a:rPr>
+              <a:t>B. Clerckx, “Wireless Information and Power Transfer: Nonlinearity, Waveform Design and Rate-Energy Tradeoff,” </a:t>
+            </a:r>
+            <a:r>
+              <a:rPr lang="en-GB" sz="600" i="1" dirty="0">
+                <a:solidFill>
+                  <a:schemeClr val="bg1"/>
+                </a:solidFill>
+              </a:rPr>
+              <a:t>IEEE Trans. on Sig. Proc.</a:t>
+            </a:r>
+            <a:r>
+              <a:rPr lang="en-GB" sz="600" dirty="0">
+                <a:solidFill>
+                  <a:schemeClr val="bg1"/>
+                </a:solidFill>
+              </a:rPr>
+              <a:t>, vol 66, no 4, pp 847-862, Feb. 2018.</a:t>
+            </a:r>
+            <a:endParaRPr lang="en-GB" sz="400" dirty="0">
+              <a:solidFill>
+                <a:schemeClr val="bg1"/>
+              </a:solidFill>
+            </a:endParaRPr>
+          </a:p>
+        </p:txBody>
+      </p:sp>
+      <p:pic>
+        <p:nvPicPr>
+          <p:cNvPr id="5" name="Picture 4">
+            <a:extLst>
+              <a:ext uri="{FF2B5EF4-FFF2-40B4-BE49-F238E27FC236}">
+                <a16:creationId xmlns:a16="http://schemas.microsoft.com/office/drawing/2014/main" id="{F521B745-8A08-40B3-B69F-D497E405C8F7}"/>
+              </a:ext>
+            </a:extLst>
+          </p:cNvPr>
+          <p:cNvPicPr>
+            <a:picLocks noChangeAspect="1"/>
+          </p:cNvPicPr>
+          <p:nvPr/>
+        </p:nvPicPr>
+        <p:blipFill>
+          <a:blip r:embed="rId3"/>
+          <a:stretch>
+            <a:fillRect/>
+          </a:stretch>
+        </p:blipFill>
+        <p:spPr>
+          <a:xfrm>
+            <a:off x="583623" y="1635670"/>
+            <a:ext cx="3709555" cy="2227389"/>
+          </a:xfrm>
+          <a:prstGeom prst="rect">
+            <a:avLst/>
+          </a:prstGeom>
+        </p:spPr>
+      </p:pic>
+      <p:pic>
+        <p:nvPicPr>
+          <p:cNvPr id="7" name="Picture 6">
+            <a:extLst>
+              <a:ext uri="{FF2B5EF4-FFF2-40B4-BE49-F238E27FC236}">
+                <a16:creationId xmlns:a16="http://schemas.microsoft.com/office/drawing/2014/main" id="{0C711ED4-5CA0-406C-AA94-6F316178BE59}"/>
+              </a:ext>
+            </a:extLst>
+          </p:cNvPr>
+          <p:cNvPicPr>
+            <a:picLocks noChangeAspect="1"/>
+          </p:cNvPicPr>
+          <p:nvPr/>
+        </p:nvPicPr>
+        <p:blipFill>
+          <a:blip r:embed="rId4"/>
+          <a:stretch>
+            <a:fillRect/>
+          </a:stretch>
+        </p:blipFill>
+        <p:spPr>
+          <a:xfrm>
+            <a:off x="4610102" y="1790365"/>
+            <a:ext cx="4400550" cy="2085975"/>
+          </a:xfrm>
+          <a:prstGeom prst="rect">
+            <a:avLst/>
+          </a:prstGeom>
+        </p:spPr>
+      </p:pic>
+      <mc:AlternateContent xmlns:mc="http://schemas.openxmlformats.org/markup-compatibility/2006" xmlns:a14="http://schemas.microsoft.com/office/drawing/2010/main">
+        <mc:Choice Requires="a14">
+          <p:sp>
+            <p:nvSpPr>
+              <p:cNvPr id="12" name="Rectangle 11">
+                <a:extLst>
+                  <a:ext uri="{FF2B5EF4-FFF2-40B4-BE49-F238E27FC236}">
+                    <a16:creationId xmlns:a16="http://schemas.microsoft.com/office/drawing/2014/main" id="{E1D28559-E5AD-4143-BD79-1D321A588B5B}"/>
+                  </a:ext>
+                </a:extLst>
+              </p:cNvPr>
+              <p:cNvSpPr/>
+              <p:nvPr/>
+            </p:nvSpPr>
+            <p:spPr>
+              <a:xfrm>
+                <a:off x="266699" y="3961184"/>
+                <a:ext cx="4343402" cy="547201"/>
+              </a:xfrm>
+              <a:prstGeom prst="rect">
+                <a:avLst/>
+              </a:prstGeom>
+            </p:spPr>
+            <p:txBody>
+              <a:bodyPr wrap="square">
+                <a:spAutoFit/>
+              </a:bodyPr>
+              <a:lstStyle/>
+              <a:p>
+                <a:pPr algn="ctr"/>
+                <a:r>
+                  <a:rPr lang="en-GB" sz="1400" dirty="0">
+                    <a:solidFill>
+                      <a:schemeClr val="tx2"/>
+                    </a:solidFill>
+                  </a:rPr>
+                  <a:t>Harvested DC power </a:t>
+                </a:r>
+                <a14:m>
+                  <m:oMath xmlns:m="http://schemas.openxmlformats.org/officeDocument/2006/math">
+                    <m:sSubSup>
+                      <m:sSubSupPr>
+                        <m:ctrlPr>
+                          <a:rPr lang="en-GB" sz="1400" i="1">
+                            <a:solidFill>
+                              <a:schemeClr val="tx2"/>
+                            </a:solidFill>
+                            <a:latin typeface="Cambria Math" panose="02040503050406030204" pitchFamily="18" charset="0"/>
+                          </a:rPr>
+                        </m:ctrlPr>
+                      </m:sSubSupPr>
+                      <m:e>
+                        <m:r>
+                          <a:rPr lang="en-GB" sz="1400" i="1">
+                            <a:solidFill>
+                              <a:schemeClr val="tx2"/>
+                            </a:solidFill>
+                            <a:latin typeface="Cambria Math" panose="02040503050406030204" pitchFamily="18" charset="0"/>
+                          </a:rPr>
+                          <m:t>𝑃</m:t>
+                        </m:r>
+                      </m:e>
+                      <m:sub>
+                        <m:r>
+                          <a:rPr lang="en-GB" sz="1400" i="1">
+                            <a:solidFill>
+                              <a:schemeClr val="tx2"/>
+                            </a:solidFill>
+                            <a:latin typeface="Cambria Math" panose="02040503050406030204" pitchFamily="18" charset="0"/>
+                          </a:rPr>
+                          <m:t>𝑑𝑐</m:t>
+                        </m:r>
+                      </m:sub>
+                      <m:sup>
+                        <m:r>
+                          <a:rPr lang="en-GB" sz="1400" i="1">
+                            <a:solidFill>
+                              <a:schemeClr val="tx2"/>
+                            </a:solidFill>
+                            <a:latin typeface="Cambria Math" panose="02040503050406030204" pitchFamily="18" charset="0"/>
+                          </a:rPr>
+                          <m:t>𝑟</m:t>
+                        </m:r>
+                      </m:sup>
+                    </m:sSubSup>
+                  </m:oMath>
+                </a14:m>
+                <a:r>
+                  <a:rPr lang="en-GB" sz="600" dirty="0">
+                    <a:solidFill>
+                      <a:schemeClr val="tx2"/>
+                    </a:solidFill>
+                  </a:rPr>
+                  <a:t> </a:t>
+                </a:r>
+                <a:r>
+                  <a:rPr lang="en-GB" sz="1400" dirty="0">
+                    <a:solidFill>
+                      <a:schemeClr val="tx2"/>
+                    </a:solidFill>
+                  </a:rPr>
+                  <a:t>vs average input power </a:t>
+                </a:r>
+                <a14:m>
+                  <m:oMath xmlns:m="http://schemas.openxmlformats.org/officeDocument/2006/math">
+                    <m:sSubSup>
+                      <m:sSubSupPr>
+                        <m:ctrlPr>
+                          <a:rPr lang="en-GB" sz="1400" i="1">
+                            <a:solidFill>
+                              <a:schemeClr val="tx2"/>
+                            </a:solidFill>
+                            <a:latin typeface="Cambria Math" panose="02040503050406030204" pitchFamily="18" charset="0"/>
+                          </a:rPr>
+                        </m:ctrlPr>
+                      </m:sSubSupPr>
+                      <m:e>
+                        <m:r>
+                          <a:rPr lang="en-GB" sz="1400" i="1">
+                            <a:solidFill>
+                              <a:schemeClr val="tx2"/>
+                            </a:solidFill>
+                            <a:latin typeface="Cambria Math" panose="02040503050406030204" pitchFamily="18" charset="0"/>
+                          </a:rPr>
+                          <m:t>𝑃</m:t>
+                        </m:r>
+                      </m:e>
+                      <m:sub>
+                        <m:r>
+                          <a:rPr lang="en-GB" sz="1400" i="1">
+                            <a:solidFill>
+                              <a:schemeClr val="tx2"/>
+                            </a:solidFill>
+                            <a:latin typeface="Cambria Math" panose="02040503050406030204" pitchFamily="18" charset="0"/>
+                          </a:rPr>
+                          <m:t>𝑟𝑓</m:t>
+                        </m:r>
+                      </m:sub>
+                      <m:sup>
+                        <m:r>
+                          <a:rPr lang="en-GB" sz="1400" i="1">
+                            <a:solidFill>
+                              <a:schemeClr val="tx2"/>
+                            </a:solidFill>
+                            <a:latin typeface="Cambria Math" panose="02040503050406030204" pitchFamily="18" charset="0"/>
+                          </a:rPr>
+                          <m:t>𝑟</m:t>
+                        </m:r>
+                      </m:sup>
+                    </m:sSubSup>
+                    <m:r>
+                      <a:rPr lang="en-GB" sz="1400" i="1">
+                        <a:solidFill>
+                          <a:schemeClr val="tx2"/>
+                        </a:solidFill>
+                        <a:latin typeface="Cambria Math" panose="02040503050406030204" pitchFamily="18" charset="0"/>
+                      </a:rPr>
+                      <m:t> </m:t>
+                    </m:r>
+                  </m:oMath>
+                </a14:m>
+                <a:r>
+                  <a:rPr lang="en-GB" sz="1400" dirty="0">
+                    <a:solidFill>
+                      <a:schemeClr val="tx2"/>
+                    </a:solidFill>
+                  </a:rPr>
+                  <a:t>and RF-to-DC conversion efﬁciency </a:t>
+                </a:r>
+                <a14:m>
+                  <m:oMath xmlns:m="http://schemas.openxmlformats.org/officeDocument/2006/math">
+                    <m:sSub>
+                      <m:sSubPr>
+                        <m:ctrlPr>
+                          <a:rPr lang="en-GB" sz="1400" i="1">
+                            <a:solidFill>
+                              <a:schemeClr val="tx2"/>
+                            </a:solidFill>
+                            <a:latin typeface="Cambria Math" panose="02040503050406030204" pitchFamily="18" charset="0"/>
+                          </a:rPr>
+                        </m:ctrlPr>
+                      </m:sSubPr>
+                      <m:e>
+                        <m:r>
+                          <a:rPr lang="en-GB" sz="1400" i="1">
+                            <a:solidFill>
+                              <a:schemeClr val="tx2"/>
+                            </a:solidFill>
+                            <a:latin typeface="Cambria Math" panose="02040503050406030204" pitchFamily="18" charset="0"/>
+                          </a:rPr>
+                          <m:t>𝑒</m:t>
+                        </m:r>
+                      </m:e>
+                      <m:sub>
+                        <m:r>
+                          <a:rPr lang="en-GB" sz="1400" i="1">
+                            <a:solidFill>
+                              <a:schemeClr val="tx2"/>
+                            </a:solidFill>
+                            <a:latin typeface="Cambria Math" panose="02040503050406030204" pitchFamily="18" charset="0"/>
+                          </a:rPr>
+                          <m:t>3</m:t>
+                        </m:r>
+                      </m:sub>
+                    </m:sSub>
+                  </m:oMath>
+                </a14:m>
+                <a:endParaRPr lang="en-GB" sz="1400" dirty="0">
+                  <a:solidFill>
+                    <a:schemeClr val="tx2"/>
+                  </a:solidFill>
+                </a:endParaRPr>
+              </a:p>
+            </p:txBody>
+          </p:sp>
+        </mc:Choice>
+        <mc:Fallback xmlns="">
+          <p:sp>
+            <p:nvSpPr>
+              <p:cNvPr id="12" name="Rectangle 11">
+                <a:extLst>
+                  <a:ext uri="{FF2B5EF4-FFF2-40B4-BE49-F238E27FC236}">
+                    <a16:creationId xmlns:a16="http://schemas.microsoft.com/office/drawing/2014/main" id="{E1D28559-E5AD-4143-BD79-1D321A588B5B}"/>
+                  </a:ext>
+                </a:extLst>
+              </p:cNvPr>
+              <p:cNvSpPr>
+                <a:spLocks noRot="1" noChangeAspect="1" noMove="1" noResize="1" noEditPoints="1" noAdjustHandles="1" noChangeArrowheads="1" noChangeShapeType="1" noTextEdit="1"/>
+              </p:cNvSpPr>
+              <p:nvPr/>
+            </p:nvSpPr>
+            <p:spPr>
+              <a:xfrm>
+                <a:off x="266699" y="3961184"/>
+                <a:ext cx="4343402" cy="547201"/>
+              </a:xfrm>
+              <a:prstGeom prst="rect">
+                <a:avLst/>
+              </a:prstGeom>
+              <a:blipFill>
+                <a:blip r:embed="rId7"/>
+                <a:stretch>
+                  <a:fillRect t="-2222" b="-5556"/>
+                </a:stretch>
+              </a:blipFill>
+            </p:spPr>
+            <p:txBody>
+              <a:bodyPr/>
+              <a:lstStyle/>
+              <a:p>
+                <a:r>
+                  <a:rPr lang="en-GB">
+                    <a:noFill/>
+                  </a:rPr>
+                  <a:t> </a:t>
+                </a:r>
+              </a:p>
+            </p:txBody>
+          </p:sp>
+        </mc:Fallback>
+      </mc:AlternateContent>
+      <mc:AlternateContent xmlns:mc="http://schemas.openxmlformats.org/markup-compatibility/2006" xmlns:a14="http://schemas.microsoft.com/office/drawing/2010/main">
+        <mc:Choice Requires="a14">
+          <p:sp>
+            <p:nvSpPr>
+              <p:cNvPr id="8" name="Rectangle 7">
+                <a:extLst>
+                  <a:ext uri="{FF2B5EF4-FFF2-40B4-BE49-F238E27FC236}">
+                    <a16:creationId xmlns:a16="http://schemas.microsoft.com/office/drawing/2014/main" id="{5735A13F-D3AE-49A8-BDFB-AD0111AFBAC5}"/>
+                  </a:ext>
+                </a:extLst>
+              </p:cNvPr>
+              <p:cNvSpPr/>
+              <p:nvPr/>
+            </p:nvSpPr>
+            <p:spPr>
+              <a:xfrm>
+                <a:off x="4610102" y="3974465"/>
+                <a:ext cx="4400550" cy="523220"/>
+              </a:xfrm>
+              <a:prstGeom prst="rect">
+                <a:avLst/>
+              </a:prstGeom>
+            </p:spPr>
+            <p:txBody>
+              <a:bodyPr wrap="square">
+                <a:spAutoFit/>
+              </a:bodyPr>
+              <a:lstStyle/>
+              <a:p>
+                <a:pPr algn="ctr"/>
+                <a:r>
+                  <a:rPr lang="en-GB" sz="1400" dirty="0">
+                    <a:solidFill>
+                      <a:schemeClr val="tx2"/>
+                    </a:solidFill>
+                  </a:rPr>
+                  <a:t>Multisine waveform used as a </a:t>
+                </a:r>
+                <a:r>
+                  <a:rPr lang="en-GB" sz="1400" dirty="0">
+                    <a:solidFill>
+                      <a:srgbClr val="FF0000"/>
+                    </a:solidFill>
+                  </a:rPr>
+                  <a:t>voltage source </a:t>
+                </a:r>
+                <a14:m>
+                  <m:oMath xmlns:m="http://schemas.openxmlformats.org/officeDocument/2006/math">
+                    <m:sSub>
+                      <m:sSubPr>
+                        <m:ctrlPr>
+                          <a:rPr lang="en-GB" sz="1400" i="1" dirty="0" smtClean="0">
+                            <a:solidFill>
+                              <a:srgbClr val="FF0000"/>
+                            </a:solidFill>
+                            <a:latin typeface="Cambria Math" panose="02040503050406030204" pitchFamily="18" charset="0"/>
+                          </a:rPr>
+                        </m:ctrlPr>
+                      </m:sSubPr>
+                      <m:e>
+                        <m:r>
+                          <a:rPr lang="en-GB" sz="1400" b="0" i="1" dirty="0" smtClean="0">
+                            <a:solidFill>
+                              <a:srgbClr val="FF0000"/>
+                            </a:solidFill>
+                            <a:latin typeface="Cambria Math" panose="02040503050406030204" pitchFamily="18" charset="0"/>
+                          </a:rPr>
+                          <m:t>𝑣</m:t>
+                        </m:r>
+                      </m:e>
+                      <m:sub>
+                        <m:r>
+                          <a:rPr lang="en-GB" sz="1400" b="0" i="1" dirty="0" smtClean="0">
+                            <a:solidFill>
+                              <a:srgbClr val="FF0000"/>
+                            </a:solidFill>
+                            <a:latin typeface="Cambria Math" panose="02040503050406030204" pitchFamily="18" charset="0"/>
+                          </a:rPr>
+                          <m:t>𝑠</m:t>
+                        </m:r>
+                      </m:sub>
+                    </m:sSub>
+                  </m:oMath>
+                </a14:m>
+                <a:r>
+                  <a:rPr lang="en-GB" sz="1400" dirty="0">
+                    <a:solidFill>
+                      <a:schemeClr val="tx2"/>
+                    </a:solidFill>
+                  </a:rPr>
+                  <a:t> and the </a:t>
+                </a:r>
+                <a:r>
+                  <a:rPr lang="en-GB" sz="1400" dirty="0">
+                    <a:solidFill>
+                      <a:schemeClr val="accent1"/>
+                    </a:solidFill>
+                  </a:rPr>
+                  <a:t>rectiﬁed output voltage </a:t>
+                </a:r>
+                <a14:m>
+                  <m:oMath xmlns:m="http://schemas.openxmlformats.org/officeDocument/2006/math">
+                    <m:sSub>
+                      <m:sSubPr>
+                        <m:ctrlPr>
+                          <a:rPr lang="en-GB" sz="1400" i="1" dirty="0">
+                            <a:solidFill>
+                              <a:schemeClr val="accent1"/>
+                            </a:solidFill>
+                            <a:latin typeface="Cambria Math" panose="02040503050406030204" pitchFamily="18" charset="0"/>
+                          </a:rPr>
+                        </m:ctrlPr>
+                      </m:sSubPr>
+                      <m:e>
+                        <m:r>
+                          <a:rPr lang="en-GB" sz="1400" i="1" dirty="0">
+                            <a:solidFill>
+                              <a:schemeClr val="accent1"/>
+                            </a:solidFill>
+                            <a:latin typeface="Cambria Math" panose="02040503050406030204" pitchFamily="18" charset="0"/>
+                          </a:rPr>
+                          <m:t>𝑣</m:t>
+                        </m:r>
+                      </m:e>
+                      <m:sub>
+                        <m:r>
+                          <a:rPr lang="en-GB" sz="1400" b="0" i="1" dirty="0" smtClean="0">
+                            <a:solidFill>
+                              <a:schemeClr val="accent1"/>
+                            </a:solidFill>
+                            <a:latin typeface="Cambria Math" panose="02040503050406030204" pitchFamily="18" charset="0"/>
+                          </a:rPr>
+                          <m:t>𝑜𝑢𝑡</m:t>
+                        </m:r>
+                      </m:sub>
+                    </m:sSub>
+                  </m:oMath>
+                </a14:m>
+                <a:endParaRPr lang="en-GB" sz="1400" dirty="0">
+                  <a:solidFill>
+                    <a:schemeClr val="tx2"/>
+                  </a:solidFill>
+                </a:endParaRPr>
+              </a:p>
+            </p:txBody>
+          </p:sp>
+        </mc:Choice>
+        <mc:Fallback xmlns="">
+          <p:sp>
+            <p:nvSpPr>
+              <p:cNvPr id="8" name="Rectangle 7">
+                <a:extLst>
+                  <a:ext uri="{FF2B5EF4-FFF2-40B4-BE49-F238E27FC236}">
+                    <a16:creationId xmlns:a16="http://schemas.microsoft.com/office/drawing/2014/main" id="{5735A13F-D3AE-49A8-BDFB-AD0111AFBAC5}"/>
+                  </a:ext>
+                </a:extLst>
+              </p:cNvPr>
+              <p:cNvSpPr>
+                <a:spLocks noRot="1" noChangeAspect="1" noMove="1" noResize="1" noEditPoints="1" noAdjustHandles="1" noChangeArrowheads="1" noChangeShapeType="1" noTextEdit="1"/>
+              </p:cNvSpPr>
+              <p:nvPr/>
+            </p:nvSpPr>
+            <p:spPr>
+              <a:xfrm>
+                <a:off x="4610102" y="3974465"/>
+                <a:ext cx="4400550" cy="523220"/>
+              </a:xfrm>
+              <a:prstGeom prst="rect">
+                <a:avLst/>
+              </a:prstGeom>
+              <a:blipFill>
+                <a:blip r:embed="rId8"/>
+                <a:stretch>
+                  <a:fillRect t="-2326" r="-139" b="-10465"/>
+                </a:stretch>
+              </a:blipFill>
+            </p:spPr>
+            <p:txBody>
+              <a:bodyPr/>
+              <a:lstStyle/>
+              <a:p>
+                <a:r>
+                  <a:rPr lang="en-GB">
+                    <a:noFill/>
+                  </a:rPr>
+                  <a:t> </a:t>
+                </a:r>
+              </a:p>
+            </p:txBody>
+          </p:sp>
+        </mc:Fallback>
+      </mc:AlternateContent>
+      <p:sp>
+        <p:nvSpPr>
+          <p:cNvPr id="11" name="Rectangle 10">
+            <a:extLst>
+              <a:ext uri="{FF2B5EF4-FFF2-40B4-BE49-F238E27FC236}">
+                <a16:creationId xmlns:a16="http://schemas.microsoft.com/office/drawing/2014/main" id="{37EEC1A4-5535-45AC-B66B-DF4C6E441160}"/>
+              </a:ext>
+            </a:extLst>
+          </p:cNvPr>
+          <p:cNvSpPr/>
+          <p:nvPr/>
+        </p:nvSpPr>
+        <p:spPr>
+          <a:xfrm>
+            <a:off x="4610101" y="965655"/>
+            <a:ext cx="4007425" cy="830997"/>
+          </a:xfrm>
+          <a:prstGeom prst="rect">
+            <a:avLst/>
+          </a:prstGeom>
+        </p:spPr>
+        <p:txBody>
+          <a:bodyPr wrap="square">
+            <a:spAutoFit/>
+          </a:bodyPr>
+          <a:lstStyle/>
+          <a:p>
+            <a:r>
               <a:rPr lang="en-GB" sz="1200" dirty="0">
                 <a:solidFill>
                   <a:schemeClr val="tx2"/>
                 </a:solidFill>
               </a:rPr>
-              <a:t>EH: energy harvester</a:t>
+              <a:t>Multisine waveform: </a:t>
+            </a:r>
+          </a:p>
+          <a:p>
+            <a:pPr marL="285750" indent="-285750">
+              <a:buFont typeface="Arial" panose="020B0604020202020204" pitchFamily="34" charset="0"/>
+              <a:buChar char="•"/>
+            </a:pPr>
+            <a:r>
+              <a:rPr lang="en-GB" sz="1200" dirty="0">
+                <a:solidFill>
+                  <a:schemeClr val="accent1"/>
+                </a:solidFill>
+              </a:rPr>
+              <a:t>High peak-to-average power ratio (PAPR)</a:t>
+            </a:r>
+          </a:p>
+          <a:p>
+            <a:pPr marL="285750" indent="-285750">
+              <a:buFont typeface="Arial" panose="020B0604020202020204" pitchFamily="34" charset="0"/>
+              <a:buChar char="•"/>
+            </a:pPr>
+            <a:r>
+              <a:rPr lang="en-GB" sz="1200" dirty="0">
+                <a:solidFill>
+                  <a:schemeClr val="accent1"/>
+                </a:solidFill>
+              </a:rPr>
+              <a:t>Concentrated power triggers the diode</a:t>
+            </a:r>
+          </a:p>
+          <a:p>
+            <a:pPr marL="285750" indent="-285750">
+              <a:buFont typeface="Arial" panose="020B0604020202020204" pitchFamily="34" charset="0"/>
+              <a:buChar char="•"/>
+            </a:pPr>
+            <a:r>
+              <a:rPr lang="en-GB" sz="1200" dirty="0">
+                <a:solidFill>
+                  <a:schemeClr val="accent1"/>
+                </a:solidFill>
+              </a:rPr>
+              <a:t>Pulse amplitude determined by number of tones </a:t>
+            </a:r>
+            <a:r>
+              <a:rPr lang="en-GB" sz="1200" i="1" dirty="0">
+                <a:solidFill>
+                  <a:schemeClr val="accent1"/>
+                </a:solidFill>
+              </a:rPr>
+              <a:t>N</a:t>
+            </a:r>
+            <a:r>
+              <a:rPr lang="en-GB" sz="1200" dirty="0">
+                <a:solidFill>
+                  <a:schemeClr val="accent1"/>
+                </a:solidFill>
+              </a:rPr>
+              <a:t> </a:t>
             </a:r>
           </a:p>
         </p:txBody>
       </p:sp>
       <p:sp>
         <p:nvSpPr>
-          <p:cNvPr id="16" name="TextBox 15">
+          <p:cNvPr id="2" name="Rectangle 1">
             <a:extLst>
               <a:ext uri="{FF2B5EF4-FFF2-40B4-BE49-F238E27FC236}">
-                <a16:creationId xmlns:a16="http://schemas.microsoft.com/office/drawing/2014/main" id="{750D9A32-CE28-4D7D-B9E5-C23791342CFF}"/>
+                <a16:creationId xmlns:a16="http://schemas.microsoft.com/office/drawing/2014/main" id="{498C714A-9550-434E-8963-BD4F05B2E1AF}"/>
+              </a:ext>
+            </a:extLst>
+          </p:cNvPr>
+          <p:cNvSpPr/>
+          <p:nvPr/>
+        </p:nvSpPr>
+        <p:spPr>
+          <a:xfrm>
+            <a:off x="0" y="5143500"/>
+            <a:ext cx="9144000" cy="646331"/>
+          </a:xfrm>
+          <a:prstGeom prst="rect">
+            <a:avLst/>
+          </a:prstGeom>
+        </p:spPr>
+        <p:txBody>
+          <a:bodyPr wrap="square">
+            <a:spAutoFit/>
+          </a:bodyPr>
+          <a:lstStyle/>
+          <a:p>
+            <a:r>
+              <a:rPr lang="en-GB" dirty="0">
+                <a:solidFill>
+                  <a:srgbClr val="231F20"/>
+                </a:solidFill>
+              </a:rPr>
+              <a:t>The larger the number of tones N, the larger is the magnitude of the pulses and therefore the larger is the output voltage at the time of discharge.</a:t>
+            </a:r>
+            <a:endParaRPr lang="en-GB" dirty="0"/>
+          </a:p>
+        </p:txBody>
+      </p:sp>
+      <p:sp>
+        <p:nvSpPr>
+          <p:cNvPr id="13" name="Title 2">
+            <a:extLst>
+              <a:ext uri="{FF2B5EF4-FFF2-40B4-BE49-F238E27FC236}">
+                <a16:creationId xmlns:a16="http://schemas.microsoft.com/office/drawing/2014/main" id="{28EFA9A8-3C6F-49D8-8618-489B72E9820D}"/>
+              </a:ext>
+            </a:extLst>
+          </p:cNvPr>
+          <p:cNvSpPr>
+            <a:spLocks noGrp="1"/>
+          </p:cNvSpPr>
+          <p:nvPr>
+            <p:ph type="title"/>
+          </p:nvPr>
+        </p:nvSpPr>
+        <p:spPr>
+          <a:xfrm>
+            <a:off x="457200" y="1115931"/>
+            <a:ext cx="8229600" cy="380667"/>
+          </a:xfrm>
+        </p:spPr>
+        <p:txBody>
+          <a:bodyPr/>
+          <a:lstStyle/>
+          <a:p>
+            <a:r>
+              <a:rPr lang="en-US" dirty="0"/>
+              <a:t>Multisine and Efficiency</a:t>
+            </a:r>
+          </a:p>
+        </p:txBody>
+      </p:sp>
+    </p:spTree>
+    <p:extLst>
+      <p:ext uri="{BB962C8B-B14F-4D97-AF65-F5344CB8AC3E}">
+        <p14:creationId xmlns:p14="http://schemas.microsoft.com/office/powerpoint/2010/main" val="2525967852"/>
+      </p:ext>
+    </p:extLst>
+  </p:cSld>
+  <p:clrMapOvr>
+    <a:masterClrMapping/>
+  </p:clrMapOvr>
+</p:sld>
+</file>
+
+<file path=ppt/slides/slide7.xml><?xml version="1.0" encoding="utf-8"?>
+<p:sld xmlns:a="http://schemas.openxmlformats.org/drawingml/2006/main" xmlns:r="http://schemas.openxmlformats.org/officeDocument/2006/relationships" xmlns:p="http://schemas.openxmlformats.org/presentationml/2006/main">
+  <p:cSld>
+    <p:spTree>
+      <p:nvGrpSpPr>
+        <p:cNvPr id="1" name=""/>
+        <p:cNvGrpSpPr/>
+        <p:nvPr/>
+      </p:nvGrpSpPr>
+      <p:grpSpPr>
+        <a:xfrm>
+          <a:off x="0" y="0"/>
+          <a:ext cx="0" cy="0"/>
+          <a:chOff x="0" y="0"/>
+          <a:chExt cx="0" cy="0"/>
+        </a:xfrm>
+      </p:grpSpPr>
+      <p:sp>
+        <p:nvSpPr>
+          <p:cNvPr id="9" name="Text Placeholder 5">
+            <a:extLst>
+              <a:ext uri="{FF2B5EF4-FFF2-40B4-BE49-F238E27FC236}">
+                <a16:creationId xmlns:a16="http://schemas.microsoft.com/office/drawing/2014/main" id="{24423EEC-14BD-4F4E-8886-E56421F245A5}"/>
+              </a:ext>
+            </a:extLst>
+          </p:cNvPr>
+          <p:cNvSpPr>
+            <a:spLocks noGrp="1"/>
+          </p:cNvSpPr>
+          <p:nvPr>
+            <p:ph type="body" sz="quarter" idx="10"/>
+          </p:nvPr>
+        </p:nvSpPr>
+        <p:spPr>
+          <a:xfrm>
+            <a:off x="6553925" y="497144"/>
+            <a:ext cx="2132875" cy="234218"/>
+          </a:xfrm>
+        </p:spPr>
+        <p:txBody>
+          <a:bodyPr/>
+          <a:lstStyle/>
+          <a:p>
+            <a:r>
+              <a:rPr lang="en-GB" dirty="0"/>
+              <a:t>Waveform Optimisation for Information and Power Transfer</a:t>
+            </a:r>
+            <a:endParaRPr lang="en-US" dirty="0"/>
+          </a:p>
+        </p:txBody>
+      </p:sp>
+      <p:sp>
+        <p:nvSpPr>
+          <p:cNvPr id="10" name="Text Placeholder 6">
+            <a:extLst>
+              <a:ext uri="{FF2B5EF4-FFF2-40B4-BE49-F238E27FC236}">
+                <a16:creationId xmlns:a16="http://schemas.microsoft.com/office/drawing/2014/main" id="{9FA41106-AF1B-41C3-8636-F3C798E1972C}"/>
+              </a:ext>
+            </a:extLst>
+          </p:cNvPr>
+          <p:cNvSpPr>
+            <a:spLocks noGrp="1"/>
+          </p:cNvSpPr>
+          <p:nvPr>
+            <p:ph type="body" sz="quarter" idx="13"/>
+          </p:nvPr>
+        </p:nvSpPr>
+        <p:spPr>
+          <a:xfrm>
+            <a:off x="7239942" y="817305"/>
+            <a:ext cx="1446859" cy="192881"/>
+          </a:xfrm>
+        </p:spPr>
+        <p:txBody>
+          <a:bodyPr/>
+          <a:lstStyle/>
+          <a:p>
+            <a:r>
+              <a:rPr lang="en-US" altLang="zh-CN" dirty="0"/>
+              <a:t>15 F</a:t>
+            </a:r>
+            <a:r>
+              <a:rPr lang="en-GB" altLang="zh-CN" dirty="0"/>
+              <a:t>eb. 19</a:t>
+            </a:r>
+            <a:endParaRPr lang="en-US" dirty="0"/>
+          </a:p>
+        </p:txBody>
+      </p:sp>
+      <p:sp>
+        <p:nvSpPr>
+          <p:cNvPr id="13" name="Title 2">
+            <a:extLst>
+              <a:ext uri="{FF2B5EF4-FFF2-40B4-BE49-F238E27FC236}">
+                <a16:creationId xmlns:a16="http://schemas.microsoft.com/office/drawing/2014/main" id="{A374860F-F291-421C-A136-85272BB38947}"/>
+              </a:ext>
+            </a:extLst>
+          </p:cNvPr>
+          <p:cNvSpPr>
+            <a:spLocks noGrp="1"/>
+          </p:cNvSpPr>
+          <p:nvPr>
+            <p:ph type="title"/>
+          </p:nvPr>
+        </p:nvSpPr>
+        <p:spPr>
+          <a:xfrm>
+            <a:off x="457200" y="1115931"/>
+            <a:ext cx="8229600" cy="380667"/>
+          </a:xfrm>
+        </p:spPr>
+        <p:txBody>
+          <a:bodyPr/>
+          <a:lstStyle/>
+          <a:p>
+            <a:r>
+              <a:rPr lang="en-US" dirty="0"/>
+              <a:t>Receiver Architectures</a:t>
+            </a:r>
+          </a:p>
+        </p:txBody>
+      </p:sp>
+      <p:pic>
+        <p:nvPicPr>
+          <p:cNvPr id="14" name="Picture 13">
+            <a:extLst>
+              <a:ext uri="{FF2B5EF4-FFF2-40B4-BE49-F238E27FC236}">
+                <a16:creationId xmlns:a16="http://schemas.microsoft.com/office/drawing/2014/main" id="{38E3446E-665B-4C07-A8D5-12F5A79E1661}"/>
+              </a:ext>
+            </a:extLst>
+          </p:cNvPr>
+          <p:cNvPicPr>
+            <a:picLocks noChangeAspect="1"/>
+          </p:cNvPicPr>
+          <p:nvPr/>
+        </p:nvPicPr>
+        <p:blipFill>
+          <a:blip r:embed="rId3"/>
+          <a:stretch>
+            <a:fillRect/>
+          </a:stretch>
+        </p:blipFill>
+        <p:spPr>
+          <a:xfrm>
+            <a:off x="5723633" y="1070598"/>
+            <a:ext cx="2570822" cy="3014396"/>
+          </a:xfrm>
+          <a:prstGeom prst="rect">
+            <a:avLst/>
+          </a:prstGeom>
+        </p:spPr>
+      </p:pic>
+      <p:sp>
+        <p:nvSpPr>
+          <p:cNvPr id="15" name="Rectangle 14">
+            <a:extLst>
+              <a:ext uri="{FF2B5EF4-FFF2-40B4-BE49-F238E27FC236}">
+                <a16:creationId xmlns:a16="http://schemas.microsoft.com/office/drawing/2014/main" id="{05AE30E0-DFA0-4B91-8547-2BF92ED1BC54}"/>
+              </a:ext>
+            </a:extLst>
+          </p:cNvPr>
+          <p:cNvSpPr/>
+          <p:nvPr/>
+        </p:nvSpPr>
+        <p:spPr>
+          <a:xfrm>
+            <a:off x="5723632" y="4168643"/>
+            <a:ext cx="2570823" cy="276999"/>
+          </a:xfrm>
+          <a:prstGeom prst="rect">
+            <a:avLst/>
+          </a:prstGeom>
+        </p:spPr>
+        <p:txBody>
+          <a:bodyPr wrap="square">
+            <a:spAutoFit/>
+          </a:bodyPr>
+          <a:lstStyle/>
+          <a:p>
+            <a:pPr algn="ctr"/>
+            <a:r>
+              <a:rPr lang="en-GB" sz="1200" dirty="0">
+                <a:solidFill>
+                  <a:schemeClr val="tx2"/>
+                </a:solidFill>
+              </a:rPr>
+              <a:t>Ideal, TS and PS receivers</a:t>
+            </a:r>
+          </a:p>
+        </p:txBody>
+      </p:sp>
+      <p:sp>
+        <p:nvSpPr>
+          <p:cNvPr id="16" name="Rectangle 15">
+            <a:extLst>
+              <a:ext uri="{FF2B5EF4-FFF2-40B4-BE49-F238E27FC236}">
+                <a16:creationId xmlns:a16="http://schemas.microsoft.com/office/drawing/2014/main" id="{E2386407-C6A7-4004-A745-63EF15FC0A7E}"/>
+              </a:ext>
+            </a:extLst>
+          </p:cNvPr>
+          <p:cNvSpPr/>
+          <p:nvPr/>
+        </p:nvSpPr>
+        <p:spPr>
+          <a:xfrm>
+            <a:off x="8032640" y="1244180"/>
+            <a:ext cx="983413" cy="1384995"/>
+          </a:xfrm>
+          <a:prstGeom prst="rect">
+            <a:avLst/>
+          </a:prstGeom>
+        </p:spPr>
+        <p:txBody>
+          <a:bodyPr wrap="square">
+            <a:spAutoFit/>
+          </a:bodyPr>
+          <a:lstStyle/>
+          <a:p>
+            <a:r>
+              <a:rPr lang="en-GB" sz="1200" dirty="0">
+                <a:solidFill>
+                  <a:schemeClr val="tx2"/>
+                </a:solidFill>
+              </a:rPr>
+              <a:t>EH: </a:t>
+            </a:r>
+          </a:p>
+          <a:p>
+            <a:r>
+              <a:rPr lang="en-GB" sz="1200" dirty="0">
+                <a:solidFill>
+                  <a:schemeClr val="tx2"/>
+                </a:solidFill>
+              </a:rPr>
+              <a:t>energy harvester</a:t>
+            </a:r>
+          </a:p>
+          <a:p>
+            <a:endParaRPr lang="en-GB" sz="1200" dirty="0">
+              <a:solidFill>
+                <a:schemeClr val="tx2"/>
+              </a:solidFill>
+            </a:endParaRPr>
+          </a:p>
+          <a:p>
+            <a:r>
+              <a:rPr lang="en-GB" sz="1200" dirty="0">
+                <a:solidFill>
+                  <a:schemeClr val="tx2"/>
+                </a:solidFill>
+              </a:rPr>
+              <a:t>ID:</a:t>
+            </a:r>
+          </a:p>
+          <a:p>
+            <a:r>
+              <a:rPr lang="en-GB" sz="1200" dirty="0">
+                <a:solidFill>
+                  <a:schemeClr val="tx2"/>
+                </a:solidFill>
+              </a:rPr>
+              <a:t>information decoder</a:t>
+            </a:r>
+          </a:p>
+        </p:txBody>
+      </p:sp>
+      <p:sp>
+        <p:nvSpPr>
+          <p:cNvPr id="17" name="TextBox 16">
+            <a:extLst>
+              <a:ext uri="{FF2B5EF4-FFF2-40B4-BE49-F238E27FC236}">
+                <a16:creationId xmlns:a16="http://schemas.microsoft.com/office/drawing/2014/main" id="{B1EFC673-865E-4EF1-A242-17659FF60A1F}"/>
               </a:ext>
             </a:extLst>
           </p:cNvPr>
@@ -11018,8 +12612,8 @@
         </p:nvSpPr>
         <p:spPr>
           <a:xfrm>
-            <a:off x="6896878" y="1379426"/>
-            <a:ext cx="1789922" cy="276999"/>
+            <a:off x="370527" y="1599356"/>
+            <a:ext cx="5434528" cy="492443"/>
           </a:xfrm>
           <a:prstGeom prst="rect">
             <a:avLst/>
@@ -11033,20 +12627,280 @@
           <a:lstStyle/>
           <a:p>
             <a:r>
+              <a:rPr lang="en-GB" sz="1400" u="sng" dirty="0">
+                <a:solidFill>
+                  <a:schemeClr val="tx2"/>
+                </a:solidFill>
+              </a:rPr>
+              <a:t>Ideal receiver</a:t>
+            </a:r>
+            <a:r>
+              <a:rPr lang="en-GB" sz="1400" dirty="0">
+                <a:solidFill>
+                  <a:schemeClr val="tx2"/>
+                </a:solidFill>
+              </a:rPr>
+              <a:t>: use the same signal for both ID and EH receivers</a:t>
+            </a:r>
+          </a:p>
+          <a:p>
+            <a:pPr marL="285750" indent="-285750">
+              <a:buFont typeface="Arial" panose="020B0604020202020204" pitchFamily="34" charset="0"/>
+              <a:buChar char="•"/>
+            </a:pPr>
+            <a:r>
               <a:rPr lang="en-GB" sz="1200" dirty="0">
                 <a:solidFill>
+                  <a:schemeClr val="accent1"/>
+                </a:solidFill>
+              </a:rPr>
+              <a:t>Optimal but not realisable</a:t>
+            </a:r>
+          </a:p>
+        </p:txBody>
+      </p:sp>
+      <p:sp>
+        <p:nvSpPr>
+          <p:cNvPr id="18" name="TextBox 17">
+            <a:extLst>
+              <a:ext uri="{FF2B5EF4-FFF2-40B4-BE49-F238E27FC236}">
+                <a16:creationId xmlns:a16="http://schemas.microsoft.com/office/drawing/2014/main" id="{CEA8CA03-C0A0-4663-A212-D4EE8D9D0FAD}"/>
+              </a:ext>
+            </a:extLst>
+          </p:cNvPr>
+          <p:cNvSpPr txBox="1"/>
+          <p:nvPr/>
+        </p:nvSpPr>
+        <p:spPr>
+          <a:xfrm>
+            <a:off x="370526" y="2192041"/>
+            <a:ext cx="5434529" cy="1077218"/>
+          </a:xfrm>
+          <a:prstGeom prst="rect">
+            <a:avLst/>
+          </a:prstGeom>
+          <a:noFill/>
+        </p:spPr>
+        <p:txBody>
+          <a:bodyPr wrap="square" rtlCol="0">
+            <a:spAutoFit/>
+          </a:bodyPr>
+          <a:lstStyle/>
+          <a:p>
+            <a:r>
+              <a:rPr lang="en-GB" sz="1400" u="sng" dirty="0">
+                <a:solidFill>
                   <a:schemeClr val="tx2"/>
                 </a:solidFill>
               </a:rPr>
-              <a:t>ID: information decoder</a:t>
-            </a:r>
+              <a:t>Time switching (TS) receiver</a:t>
+            </a:r>
+            <a:r>
+              <a:rPr lang="en-GB" sz="1400" dirty="0">
+                <a:solidFill>
+                  <a:schemeClr val="tx2"/>
+                </a:solidFill>
+              </a:rPr>
+              <a:t>: switch the signal to either ID or EH 	receiver</a:t>
+            </a:r>
+          </a:p>
+          <a:p>
+            <a:pPr marL="285750" indent="-285750">
+              <a:buFont typeface="Arial" panose="020B0604020202020204" pitchFamily="34" charset="0"/>
+              <a:buChar char="•"/>
+            </a:pPr>
+            <a:r>
+              <a:rPr lang="sv-SE" sz="1200" dirty="0">
+                <a:solidFill>
+                  <a:schemeClr val="accent1"/>
+                </a:solidFill>
+              </a:rPr>
+              <a:t>Transmission block -&gt; power block / data block (orthogonal)</a:t>
+            </a:r>
+          </a:p>
+          <a:p>
+            <a:pPr marL="285750" indent="-285750">
+              <a:buFont typeface="Arial" panose="020B0604020202020204" pitchFamily="34" charset="0"/>
+              <a:buChar char="•"/>
+            </a:pPr>
+            <a:r>
+              <a:rPr lang="en-GB" sz="1200" dirty="0">
+                <a:solidFill>
+                  <a:schemeClr val="accent1"/>
+                </a:solidFill>
+              </a:rPr>
+              <a:t>Optimise waveforms for individual blocks</a:t>
+            </a:r>
+          </a:p>
+          <a:p>
+            <a:pPr marL="285750" indent="-285750">
+              <a:buFont typeface="Arial" panose="020B0604020202020204" pitchFamily="34" charset="0"/>
+              <a:buChar char="•"/>
+            </a:pPr>
+            <a:r>
+              <a:rPr lang="en-GB" sz="1200" dirty="0">
+                <a:solidFill>
+                  <a:schemeClr val="accent1"/>
+                </a:solidFill>
+              </a:rPr>
+              <a:t>R-E tradeoff depends on slot length and the transmit signals</a:t>
+            </a:r>
+          </a:p>
+        </p:txBody>
+      </p:sp>
+      <p:sp>
+        <p:nvSpPr>
+          <p:cNvPr id="19" name="TextBox 18">
+            <a:extLst>
+              <a:ext uri="{FF2B5EF4-FFF2-40B4-BE49-F238E27FC236}">
+                <a16:creationId xmlns:a16="http://schemas.microsoft.com/office/drawing/2014/main" id="{AE90D44E-9EFE-404A-B73D-260DC0267F24}"/>
+              </a:ext>
+            </a:extLst>
+          </p:cNvPr>
+          <p:cNvSpPr txBox="1"/>
+          <p:nvPr/>
+        </p:nvSpPr>
+        <p:spPr>
+          <a:xfrm>
+            <a:off x="370527" y="3371331"/>
+            <a:ext cx="5434529" cy="1077218"/>
+          </a:xfrm>
+          <a:prstGeom prst="rect">
+            <a:avLst/>
+          </a:prstGeom>
+          <a:noFill/>
+        </p:spPr>
+        <p:txBody>
+          <a:bodyPr wrap="square" rtlCol="0">
+            <a:spAutoFit/>
+          </a:bodyPr>
+          <a:lstStyle/>
+          <a:p>
+            <a:r>
+              <a:rPr lang="en-GB" sz="1400" u="sng" dirty="0">
+                <a:solidFill>
+                  <a:schemeClr val="tx2"/>
+                </a:solidFill>
+              </a:rPr>
+              <a:t>Power splitting (PS) receiver</a:t>
+            </a:r>
+            <a:r>
+              <a:rPr lang="en-GB" sz="1400" dirty="0">
+                <a:solidFill>
+                  <a:schemeClr val="tx2"/>
+                </a:solidFill>
+              </a:rPr>
+              <a:t>: split a portion of the signal to ID 	receiver and the rest to EH receiver</a:t>
+            </a:r>
+          </a:p>
+          <a:p>
+            <a:pPr marL="285750" indent="-285750">
+              <a:buFont typeface="Arial" panose="020B0604020202020204" pitchFamily="34" charset="0"/>
+              <a:buChar char="•"/>
+            </a:pPr>
+            <a:r>
+              <a:rPr lang="en-GB" sz="1200" dirty="0">
+                <a:solidFill>
+                  <a:schemeClr val="accent1"/>
+                </a:solidFill>
+              </a:rPr>
+              <a:t>Received signal -&gt; power signal (ρ) / data signal (1-ρ)</a:t>
+            </a:r>
+          </a:p>
+          <a:p>
+            <a:pPr marL="285750" indent="-285750">
+              <a:buFont typeface="Arial" panose="020B0604020202020204" pitchFamily="34" charset="0"/>
+              <a:buChar char="•"/>
+            </a:pPr>
+            <a:r>
+              <a:rPr lang="en-GB" sz="1200" dirty="0">
+                <a:solidFill>
+                  <a:schemeClr val="accent1"/>
+                </a:solidFill>
+              </a:rPr>
+              <a:t>Optimise the transmitted signals jointly</a:t>
+            </a:r>
+          </a:p>
+          <a:p>
+            <a:pPr marL="285750" indent="-285750">
+              <a:buFont typeface="Arial" panose="020B0604020202020204" pitchFamily="34" charset="0"/>
+              <a:buChar char="•"/>
+            </a:pPr>
+            <a:r>
+              <a:rPr lang="en-GB" sz="1200" dirty="0">
+                <a:solidFill>
+                  <a:schemeClr val="accent1"/>
+                </a:solidFill>
+              </a:rPr>
+              <a:t>R-E region depends on PS ratio ρ and the transmit signals</a:t>
+            </a:r>
+          </a:p>
+        </p:txBody>
+      </p:sp>
+      <p:sp>
+        <p:nvSpPr>
+          <p:cNvPr id="20" name="TextBox 19">
+            <a:extLst>
+              <a:ext uri="{FF2B5EF4-FFF2-40B4-BE49-F238E27FC236}">
+                <a16:creationId xmlns:a16="http://schemas.microsoft.com/office/drawing/2014/main" id="{5C2256EA-9FFD-4031-B257-08286915FD32}"/>
+              </a:ext>
+            </a:extLst>
+          </p:cNvPr>
+          <p:cNvSpPr txBox="1"/>
+          <p:nvPr/>
+        </p:nvSpPr>
+        <p:spPr>
+          <a:xfrm>
+            <a:off x="0" y="4648200"/>
+            <a:ext cx="9067800" cy="184666"/>
+          </a:xfrm>
+          <a:prstGeom prst="rect">
+            <a:avLst/>
+          </a:prstGeom>
+          <a:noFill/>
+        </p:spPr>
+        <p:txBody>
+          <a:bodyPr wrap="square" rtlCol="0">
+            <a:spAutoFit/>
+          </a:bodyPr>
+          <a:lstStyle/>
+          <a:p>
+            <a:r>
+              <a:rPr lang="en-GB" sz="600" dirty="0">
+                <a:solidFill>
+                  <a:schemeClr val="bg1"/>
+                </a:solidFill>
+              </a:rPr>
+              <a:t>B. Clerckx et al, "Fundamentals of Wireless Information and Power Transfer: From RF Energy Harvester Models to Signal and System Designs," in </a:t>
+            </a:r>
+            <a:r>
+              <a:rPr lang="en-GB" sz="600" i="1" dirty="0">
+                <a:solidFill>
+                  <a:schemeClr val="bg1"/>
+                </a:solidFill>
+              </a:rPr>
+              <a:t>IEEE Journal on Selected Areas in Communications</a:t>
+            </a:r>
+            <a:r>
+              <a:rPr lang="en-GB" sz="600" dirty="0">
+                <a:solidFill>
+                  <a:schemeClr val="bg1"/>
+                </a:solidFill>
+              </a:rPr>
+              <a:t>, vol. 37, no. 1, pp. 4-33, Jan. 2019.</a:t>
+            </a:r>
+            <a:endParaRPr lang="en-GB" sz="500" dirty="0">
+              <a:solidFill>
+                <a:schemeClr val="bg1"/>
+              </a:solidFill>
+            </a:endParaRPr>
           </a:p>
         </p:txBody>
       </p:sp>
     </p:spTree>
     <p:extLst>
       <p:ext uri="{BB962C8B-B14F-4D97-AF65-F5344CB8AC3E}">
-        <p14:creationId xmlns:p14="http://schemas.microsoft.com/office/powerpoint/2010/main" val="3939825726"/>
+        <p14:creationId xmlns:p14="http://schemas.microsoft.com/office/powerpoint/2010/main" val="534673988"/>
       </p:ext>
     </p:extLst>
   </p:cSld>
@@ -11056,7 +12910,2027 @@
 </p:sld>
 </file>
 
-<file path=ppt/slides/slide7.xml><?xml version="1.0" encoding="utf-8"?>
+<file path=ppt/slides/slide8.xml><?xml version="1.0" encoding="utf-8"?>
+<p:sld xmlns:a="http://schemas.openxmlformats.org/drawingml/2006/main" xmlns:r="http://schemas.openxmlformats.org/officeDocument/2006/relationships" xmlns:p="http://schemas.openxmlformats.org/presentationml/2006/main">
+  <p:cSld>
+    <p:spTree>
+      <p:nvGrpSpPr>
+        <p:cNvPr id="1" name=""/>
+        <p:cNvGrpSpPr/>
+        <p:nvPr/>
+      </p:nvGrpSpPr>
+      <p:grpSpPr>
+        <a:xfrm>
+          <a:off x="0" y="0"/>
+          <a:ext cx="0" cy="0"/>
+          <a:chOff x="0" y="0"/>
+          <a:chExt cx="0" cy="0"/>
+        </a:xfrm>
+      </p:grpSpPr>
+      <p:sp>
+        <p:nvSpPr>
+          <p:cNvPr id="9" name="Text Placeholder 5">
+            <a:extLst>
+              <a:ext uri="{FF2B5EF4-FFF2-40B4-BE49-F238E27FC236}">
+                <a16:creationId xmlns:a16="http://schemas.microsoft.com/office/drawing/2014/main" id="{24423EEC-14BD-4F4E-8886-E56421F245A5}"/>
+              </a:ext>
+            </a:extLst>
+          </p:cNvPr>
+          <p:cNvSpPr>
+            <a:spLocks noGrp="1"/>
+          </p:cNvSpPr>
+          <p:nvPr>
+            <p:ph type="body" sz="quarter" idx="10"/>
+          </p:nvPr>
+        </p:nvSpPr>
+        <p:spPr>
+          <a:xfrm>
+            <a:off x="6553925" y="497144"/>
+            <a:ext cx="2132875" cy="234218"/>
+          </a:xfrm>
+        </p:spPr>
+        <p:txBody>
+          <a:bodyPr/>
+          <a:lstStyle/>
+          <a:p>
+            <a:r>
+              <a:rPr lang="en-GB" dirty="0"/>
+              <a:t>Waveform Optimisation for Information and Power Transfer</a:t>
+            </a:r>
+            <a:endParaRPr lang="en-US" dirty="0"/>
+          </a:p>
+        </p:txBody>
+      </p:sp>
+      <p:sp>
+        <p:nvSpPr>
+          <p:cNvPr id="10" name="Text Placeholder 6">
+            <a:extLst>
+              <a:ext uri="{FF2B5EF4-FFF2-40B4-BE49-F238E27FC236}">
+                <a16:creationId xmlns:a16="http://schemas.microsoft.com/office/drawing/2014/main" id="{9FA41106-AF1B-41C3-8636-F3C798E1972C}"/>
+              </a:ext>
+            </a:extLst>
+          </p:cNvPr>
+          <p:cNvSpPr>
+            <a:spLocks noGrp="1"/>
+          </p:cNvSpPr>
+          <p:nvPr>
+            <p:ph type="body" sz="quarter" idx="13"/>
+          </p:nvPr>
+        </p:nvSpPr>
+        <p:spPr>
+          <a:xfrm>
+            <a:off x="7239942" y="817305"/>
+            <a:ext cx="1446859" cy="192881"/>
+          </a:xfrm>
+        </p:spPr>
+        <p:txBody>
+          <a:bodyPr/>
+          <a:lstStyle/>
+          <a:p>
+            <a:r>
+              <a:rPr lang="en-US" altLang="zh-CN" dirty="0"/>
+              <a:t>15 F</a:t>
+            </a:r>
+            <a:r>
+              <a:rPr lang="en-GB" altLang="zh-CN" dirty="0"/>
+              <a:t>eb. 19</a:t>
+            </a:r>
+            <a:endParaRPr lang="en-US" dirty="0"/>
+          </a:p>
+        </p:txBody>
+      </p:sp>
+      <p:sp>
+        <p:nvSpPr>
+          <p:cNvPr id="23" name="TextBox 22">
+            <a:extLst>
+              <a:ext uri="{FF2B5EF4-FFF2-40B4-BE49-F238E27FC236}">
+                <a16:creationId xmlns:a16="http://schemas.microsoft.com/office/drawing/2014/main" id="{0E99EE04-66AE-4DDD-964D-5B43B3E9BD93}"/>
+              </a:ext>
+            </a:extLst>
+          </p:cNvPr>
+          <p:cNvSpPr txBox="1"/>
+          <p:nvPr/>
+        </p:nvSpPr>
+        <p:spPr>
+          <a:xfrm>
+            <a:off x="0" y="4648200"/>
+            <a:ext cx="9067800" cy="184666"/>
+          </a:xfrm>
+          <a:prstGeom prst="rect">
+            <a:avLst/>
+          </a:prstGeom>
+          <a:noFill/>
+        </p:spPr>
+        <p:txBody>
+          <a:bodyPr wrap="square" rtlCol="0">
+            <a:spAutoFit/>
+          </a:bodyPr>
+          <a:lstStyle/>
+          <a:p>
+            <a:r>
+              <a:rPr lang="en-GB" sz="600" dirty="0">
+                <a:solidFill>
+                  <a:schemeClr val="bg1"/>
+                </a:solidFill>
+              </a:rPr>
+              <a:t>B. Clerckx, “Wireless Information and Power Transfer: Nonlinearity, Waveform Design and Rate-Energy Tradeoff,” </a:t>
+            </a:r>
+            <a:r>
+              <a:rPr lang="en-GB" sz="600" i="1" dirty="0">
+                <a:solidFill>
+                  <a:schemeClr val="bg1"/>
+                </a:solidFill>
+              </a:rPr>
+              <a:t>IEEE Trans. on Sig. Proc.</a:t>
+            </a:r>
+            <a:r>
+              <a:rPr lang="en-GB" sz="600" dirty="0">
+                <a:solidFill>
+                  <a:schemeClr val="bg1"/>
+                </a:solidFill>
+              </a:rPr>
+              <a:t>, vol 66, no 4, pp 847-862, Feb. 2018.</a:t>
+            </a:r>
+            <a:endParaRPr lang="en-GB" sz="400" dirty="0">
+              <a:solidFill>
+                <a:schemeClr val="bg1"/>
+              </a:solidFill>
+            </a:endParaRPr>
+          </a:p>
+        </p:txBody>
+      </p:sp>
+      <p:sp>
+        <p:nvSpPr>
+          <p:cNvPr id="13" name="Title 2">
+            <a:extLst>
+              <a:ext uri="{FF2B5EF4-FFF2-40B4-BE49-F238E27FC236}">
+                <a16:creationId xmlns:a16="http://schemas.microsoft.com/office/drawing/2014/main" id="{A374860F-F291-421C-A136-85272BB38947}"/>
+              </a:ext>
+            </a:extLst>
+          </p:cNvPr>
+          <p:cNvSpPr>
+            <a:spLocks noGrp="1"/>
+          </p:cNvSpPr>
+          <p:nvPr>
+            <p:ph type="title"/>
+          </p:nvPr>
+        </p:nvSpPr>
+        <p:spPr>
+          <a:xfrm>
+            <a:off x="457200" y="1115931"/>
+            <a:ext cx="8229600" cy="380667"/>
+          </a:xfrm>
+        </p:spPr>
+        <p:txBody>
+          <a:bodyPr/>
+          <a:lstStyle/>
+          <a:p>
+            <a:r>
+              <a:rPr lang="en-US" dirty="0"/>
+              <a:t>Problem Formulation</a:t>
+            </a:r>
+          </a:p>
+        </p:txBody>
+      </p:sp>
+      <p:sp>
+        <p:nvSpPr>
+          <p:cNvPr id="12" name="TextBox 11">
+            <a:extLst>
+              <a:ext uri="{FF2B5EF4-FFF2-40B4-BE49-F238E27FC236}">
+                <a16:creationId xmlns:a16="http://schemas.microsoft.com/office/drawing/2014/main" id="{3C94C76A-F0FA-4A85-928E-BD96BE4C5F6F}"/>
+              </a:ext>
+            </a:extLst>
+          </p:cNvPr>
+          <p:cNvSpPr txBox="1"/>
+          <p:nvPr/>
+        </p:nvSpPr>
+        <p:spPr>
+          <a:xfrm>
+            <a:off x="370527" y="1586291"/>
+            <a:ext cx="3737346" cy="307777"/>
+          </a:xfrm>
+          <a:prstGeom prst="rect">
+            <a:avLst/>
+          </a:prstGeom>
+          <a:noFill/>
+        </p:spPr>
+        <p:txBody>
+          <a:bodyPr wrap="square" rtlCol="0">
+            <a:spAutoFit/>
+          </a:bodyPr>
+          <a:lstStyle/>
+          <a:p>
+            <a:r>
+              <a:rPr lang="en-GB" sz="1400" dirty="0">
+                <a:solidFill>
+                  <a:schemeClr val="tx2"/>
+                </a:solidFill>
+              </a:rPr>
+              <a:t>The R-E region is defined as:</a:t>
+            </a:r>
+            <a:endParaRPr lang="en-GB" sz="1200" dirty="0">
+              <a:solidFill>
+                <a:schemeClr val="accent1"/>
+              </a:solidFill>
+            </a:endParaRPr>
+          </a:p>
+        </p:txBody>
+      </p:sp>
+      <mc:AlternateContent xmlns:mc="http://schemas.openxmlformats.org/markup-compatibility/2006">
+        <mc:Choice xmlns:a14="http://schemas.microsoft.com/office/drawing/2010/main" Requires="a14">
+          <p:sp>
+            <p:nvSpPr>
+              <p:cNvPr id="2" name="TextBox 1">
+                <a:extLst>
+                  <a:ext uri="{FF2B5EF4-FFF2-40B4-BE49-F238E27FC236}">
+                    <a16:creationId xmlns:a16="http://schemas.microsoft.com/office/drawing/2014/main" id="{1B0EE2CB-2FDC-4B19-B5F0-7834F7940E08}"/>
+                  </a:ext>
+                </a:extLst>
+              </p:cNvPr>
+              <p:cNvSpPr txBox="1"/>
+              <p:nvPr/>
+            </p:nvSpPr>
+            <p:spPr>
+              <a:xfrm>
+                <a:off x="457200" y="1968668"/>
+                <a:ext cx="3650673" cy="971035"/>
+              </a:xfrm>
+              <a:prstGeom prst="rect">
+                <a:avLst/>
+              </a:prstGeom>
+              <a:noFill/>
+            </p:spPr>
+            <p:txBody>
+              <a:bodyPr wrap="square" lIns="0" tIns="0" rIns="0" bIns="0" rtlCol="0">
+                <a:spAutoFit/>
+              </a:bodyPr>
+              <a:lstStyle/>
+              <a:p>
+                <a:pPr/>
+                <a14:m>
+                  <m:oMathPara xmlns:m="http://schemas.openxmlformats.org/officeDocument/2006/math">
+                    <m:oMathParaPr>
+                      <m:jc m:val="centerGroup"/>
+                    </m:oMathParaPr>
+                    <m:oMath xmlns:m="http://schemas.openxmlformats.org/officeDocument/2006/math">
+                      <m:sSub>
+                        <m:sSubPr>
+                          <m:ctrlPr>
+                            <a:rPr lang="en-GB" sz="1400" i="1" smtClean="0">
+                              <a:solidFill>
+                                <a:schemeClr val="tx2"/>
+                              </a:solidFill>
+                              <a:latin typeface="Cambria Math" panose="02040503050406030204" pitchFamily="18" charset="0"/>
+                            </a:rPr>
+                          </m:ctrlPr>
+                        </m:sSubPr>
+                        <m:e>
+                          <m:r>
+                            <a:rPr lang="en-GB" sz="1400" b="0" i="1" smtClean="0">
+                              <a:solidFill>
+                                <a:schemeClr val="tx2"/>
+                              </a:solidFill>
+                              <a:latin typeface="Cambria Math" panose="02040503050406030204" pitchFamily="18" charset="0"/>
+                            </a:rPr>
+                            <m:t>𝐶</m:t>
+                          </m:r>
+                        </m:e>
+                        <m:sub>
+                          <m:r>
+                            <a:rPr lang="en-GB" sz="1400" b="0" i="1" smtClean="0">
+                              <a:solidFill>
+                                <a:schemeClr val="tx2"/>
+                              </a:solidFill>
+                              <a:latin typeface="Cambria Math" panose="02040503050406030204" pitchFamily="18" charset="0"/>
+                            </a:rPr>
+                            <m:t>𝑅</m:t>
+                          </m:r>
+                          <m:r>
+                            <a:rPr lang="en-GB" sz="1400" b="0" i="1" smtClean="0">
+                              <a:solidFill>
+                                <a:schemeClr val="tx2"/>
+                              </a:solidFill>
+                              <a:latin typeface="Cambria Math" panose="02040503050406030204" pitchFamily="18" charset="0"/>
+                            </a:rPr>
+                            <m:t>−</m:t>
+                          </m:r>
+                          <m:sSub>
+                            <m:sSubPr>
+                              <m:ctrlPr>
+                                <a:rPr lang="en-GB" sz="1400" b="0" i="1" smtClean="0">
+                                  <a:solidFill>
+                                    <a:schemeClr val="tx2"/>
+                                  </a:solidFill>
+                                  <a:latin typeface="Cambria Math" panose="02040503050406030204" pitchFamily="18" charset="0"/>
+                                </a:rPr>
+                              </m:ctrlPr>
+                            </m:sSubPr>
+                            <m:e>
+                              <m:r>
+                                <a:rPr lang="en-GB" sz="1400" b="0" i="1" smtClean="0">
+                                  <a:solidFill>
+                                    <a:schemeClr val="tx2"/>
+                                  </a:solidFill>
+                                  <a:latin typeface="Cambria Math" panose="02040503050406030204" pitchFamily="18" charset="0"/>
+                                </a:rPr>
+                                <m:t>𝐼</m:t>
+                              </m:r>
+                            </m:e>
+                            <m:sub>
+                              <m:r>
+                                <a:rPr lang="en-GB" sz="1400" b="0" i="1" smtClean="0">
+                                  <a:solidFill>
+                                    <a:schemeClr val="tx2"/>
+                                  </a:solidFill>
+                                  <a:latin typeface="Cambria Math" panose="02040503050406030204" pitchFamily="18" charset="0"/>
+                                </a:rPr>
+                                <m:t>𝐷𝐶</m:t>
+                              </m:r>
+                            </m:sub>
+                          </m:sSub>
+                        </m:sub>
+                      </m:sSub>
+                      <m:d>
+                        <m:dPr>
+                          <m:ctrlPr>
+                            <a:rPr lang="en-GB" sz="1400" b="0" i="1" smtClean="0">
+                              <a:solidFill>
+                                <a:schemeClr val="tx2"/>
+                              </a:solidFill>
+                              <a:latin typeface="Cambria Math" panose="02040503050406030204" pitchFamily="18" charset="0"/>
+                            </a:rPr>
+                          </m:ctrlPr>
+                        </m:dPr>
+                        <m:e>
+                          <m:r>
+                            <a:rPr lang="en-GB" sz="1400" b="0" i="1" smtClean="0">
+                              <a:solidFill>
+                                <a:schemeClr val="tx2"/>
+                              </a:solidFill>
+                              <a:latin typeface="Cambria Math" panose="02040503050406030204" pitchFamily="18" charset="0"/>
+                            </a:rPr>
+                            <m:t>𝑃</m:t>
+                          </m:r>
+                        </m:e>
+                      </m:d>
+                      <m:r>
+                        <a:rPr lang="en-GB" sz="1400" b="0" i="1" smtClean="0">
+                          <a:solidFill>
+                            <a:schemeClr val="tx2"/>
+                          </a:solidFill>
+                          <a:latin typeface="Cambria Math" panose="02040503050406030204" pitchFamily="18" charset="0"/>
+                        </a:rPr>
+                        <m:t>≜</m:t>
+                      </m:r>
+                      <m:d>
+                        <m:dPr>
+                          <m:ctrlPr>
+                            <a:rPr lang="en-GB" sz="1400" b="0" i="1" smtClean="0">
+                              <a:solidFill>
+                                <a:schemeClr val="tx2"/>
+                              </a:solidFill>
+                              <a:latin typeface="Cambria Math" panose="02040503050406030204" pitchFamily="18" charset="0"/>
+                            </a:rPr>
+                          </m:ctrlPr>
+                        </m:dPr>
+                        <m:e>
+                          <m:sSub>
+                            <m:sSubPr>
+                              <m:ctrlPr>
+                                <a:rPr lang="en-GB" sz="1400" b="0" i="1" smtClean="0">
+                                  <a:solidFill>
+                                    <a:schemeClr val="tx2"/>
+                                  </a:solidFill>
+                                  <a:latin typeface="Cambria Math" panose="02040503050406030204" pitchFamily="18" charset="0"/>
+                                </a:rPr>
+                              </m:ctrlPr>
+                            </m:sSubPr>
+                            <m:e>
+                              <m:r>
+                                <a:rPr lang="en-GB" sz="1400" b="0" i="1" smtClean="0">
+                                  <a:solidFill>
+                                    <a:schemeClr val="tx2"/>
+                                  </a:solidFill>
+                                  <a:latin typeface="Cambria Math" panose="02040503050406030204" pitchFamily="18" charset="0"/>
+                                </a:rPr>
+                                <m:t>𝑅</m:t>
+                              </m:r>
+                              <m:r>
+                                <a:rPr lang="en-GB" sz="1400" b="0" i="1" smtClean="0">
+                                  <a:solidFill>
+                                    <a:schemeClr val="tx2"/>
+                                  </a:solidFill>
+                                  <a:latin typeface="Cambria Math" panose="02040503050406030204" pitchFamily="18" charset="0"/>
+                                </a:rPr>
+                                <m:t>,</m:t>
+                              </m:r>
+                              <m:r>
+                                <a:rPr lang="en-GB" sz="1400" b="0" i="1" smtClean="0">
+                                  <a:solidFill>
+                                    <a:schemeClr val="tx2"/>
+                                  </a:solidFill>
+                                  <a:latin typeface="Cambria Math" panose="02040503050406030204" pitchFamily="18" charset="0"/>
+                                </a:rPr>
+                                <m:t>𝐼</m:t>
+                              </m:r>
+                            </m:e>
+                            <m:sub>
+                              <m:r>
+                                <a:rPr lang="en-GB" sz="1400" b="0" i="1" smtClean="0">
+                                  <a:solidFill>
+                                    <a:schemeClr val="tx2"/>
+                                  </a:solidFill>
+                                  <a:latin typeface="Cambria Math" panose="02040503050406030204" pitchFamily="18" charset="0"/>
+                                </a:rPr>
+                                <m:t>𝐷𝐶</m:t>
+                              </m:r>
+                            </m:sub>
+                          </m:sSub>
+                        </m:e>
+                      </m:d>
+                      <m:r>
+                        <a:rPr lang="en-GB" sz="1400" b="0" i="1" smtClean="0">
+                          <a:solidFill>
+                            <a:schemeClr val="tx2"/>
+                          </a:solidFill>
+                          <a:latin typeface="Cambria Math" panose="02040503050406030204" pitchFamily="18" charset="0"/>
+                        </a:rPr>
+                        <m:t>:</m:t>
+                      </m:r>
+                      <m:d>
+                        <m:dPr>
+                          <m:begChr m:val="{"/>
+                          <m:endChr m:val=""/>
+                          <m:ctrlPr>
+                            <a:rPr lang="en-GB" sz="1400" b="0" i="1" smtClean="0">
+                              <a:solidFill>
+                                <a:schemeClr val="tx2"/>
+                              </a:solidFill>
+                              <a:latin typeface="Cambria Math" panose="02040503050406030204" pitchFamily="18" charset="0"/>
+                            </a:rPr>
+                          </m:ctrlPr>
+                        </m:dPr>
+                        <m:e>
+                          <m:eqArr>
+                            <m:eqArrPr>
+                              <m:ctrlPr>
+                                <a:rPr lang="en-GB" sz="1400" b="0" i="1" smtClean="0">
+                                  <a:solidFill>
+                                    <a:schemeClr val="tx2"/>
+                                  </a:solidFill>
+                                  <a:latin typeface="Cambria Math" panose="02040503050406030204" pitchFamily="18" charset="0"/>
+                                </a:rPr>
+                              </m:ctrlPr>
+                            </m:eqArrPr>
+                            <m:e>
+                              <m:r>
+                                <a:rPr lang="en-GB" sz="1400" i="1">
+                                  <a:solidFill>
+                                    <a:schemeClr val="tx2"/>
+                                  </a:solidFill>
+                                  <a:latin typeface="Cambria Math" panose="02040503050406030204" pitchFamily="18" charset="0"/>
+                                </a:rPr>
+                                <m:t>𝑅</m:t>
+                              </m:r>
+                              <m:r>
+                                <a:rPr lang="en-GB" sz="1400" i="1">
+                                  <a:solidFill>
+                                    <a:schemeClr val="tx2"/>
+                                  </a:solidFill>
+                                  <a:latin typeface="Cambria Math" panose="02040503050406030204" pitchFamily="18" charset="0"/>
+                                </a:rPr>
+                                <m:t>≤</m:t>
+                              </m:r>
+                              <m:r>
+                                <a:rPr lang="en-GB" sz="1400" i="1">
+                                  <a:solidFill>
+                                    <a:schemeClr val="tx2"/>
+                                  </a:solidFill>
+                                  <a:latin typeface="Cambria Math" panose="02040503050406030204" pitchFamily="18" charset="0"/>
+                                </a:rPr>
+                                <m:t>𝐼</m:t>
+                              </m:r>
+                            </m:e>
+                            <m:e>
+                              <m:sSub>
+                                <m:sSubPr>
+                                  <m:ctrlPr>
+                                    <a:rPr lang="en-GB" sz="1400" i="1" smtClean="0">
+                                      <a:solidFill>
+                                        <a:schemeClr val="tx2"/>
+                                      </a:solidFill>
+                                      <a:latin typeface="Cambria Math" panose="02040503050406030204" pitchFamily="18" charset="0"/>
+                                    </a:rPr>
+                                  </m:ctrlPr>
+                                </m:sSubPr>
+                                <m:e>
+                                  <m:r>
+                                    <a:rPr lang="en-GB" sz="1400" b="0" i="1" smtClean="0">
+                                      <a:solidFill>
+                                        <a:schemeClr val="tx2"/>
+                                      </a:solidFill>
+                                      <a:latin typeface="Cambria Math" panose="02040503050406030204" pitchFamily="18" charset="0"/>
+                                    </a:rPr>
+                                    <m:t>𝐼</m:t>
+                                  </m:r>
+                                </m:e>
+                                <m:sub>
+                                  <m:r>
+                                    <a:rPr lang="en-GB" sz="1400" b="0" i="1" smtClean="0">
+                                      <a:solidFill>
+                                        <a:schemeClr val="tx2"/>
+                                      </a:solidFill>
+                                      <a:latin typeface="Cambria Math" panose="02040503050406030204" pitchFamily="18" charset="0"/>
+                                    </a:rPr>
+                                    <m:t>𝐷𝐶</m:t>
+                                  </m:r>
+                                </m:sub>
+                              </m:sSub>
+                              <m:r>
+                                <a:rPr lang="en-GB" sz="1400" b="0" i="1" smtClean="0">
+                                  <a:solidFill>
+                                    <a:schemeClr val="tx2"/>
+                                  </a:solidFill>
+                                  <a:latin typeface="Cambria Math" panose="02040503050406030204" pitchFamily="18" charset="0"/>
+                                </a:rPr>
+                                <m:t>≤</m:t>
+                              </m:r>
+                              <m:sSub>
+                                <m:sSubPr>
+                                  <m:ctrlPr>
+                                    <a:rPr lang="en-GB" sz="1400" b="0" i="1" smtClean="0">
+                                      <a:solidFill>
+                                        <a:schemeClr val="tx2"/>
+                                      </a:solidFill>
+                                      <a:latin typeface="Cambria Math" panose="02040503050406030204" pitchFamily="18" charset="0"/>
+                                    </a:rPr>
+                                  </m:ctrlPr>
+                                </m:sSubPr>
+                                <m:e>
+                                  <m:r>
+                                    <a:rPr lang="en-GB" sz="1400" b="0" i="1" smtClean="0">
+                                      <a:solidFill>
+                                        <a:schemeClr val="tx2"/>
+                                      </a:solidFill>
+                                      <a:latin typeface="Cambria Math" panose="02040503050406030204" pitchFamily="18" charset="0"/>
+                                    </a:rPr>
+                                    <m:t>𝑧</m:t>
+                                  </m:r>
+                                </m:e>
+                                <m:sub>
+                                  <m:r>
+                                    <a:rPr lang="en-GB" sz="1400" b="0" i="1" smtClean="0">
+                                      <a:solidFill>
+                                        <a:schemeClr val="tx2"/>
+                                      </a:solidFill>
+                                      <a:latin typeface="Cambria Math" panose="02040503050406030204" pitchFamily="18" charset="0"/>
+                                    </a:rPr>
+                                    <m:t>𝐷𝐶</m:t>
+                                  </m:r>
+                                </m:sub>
+                              </m:sSub>
+                            </m:e>
+                            <m:e>
+                              <m:f>
+                                <m:fPr>
+                                  <m:ctrlPr>
+                                    <a:rPr lang="en-GB" sz="1400" b="0" i="1" smtClean="0">
+                                      <a:solidFill>
+                                        <a:schemeClr val="tx2"/>
+                                      </a:solidFill>
+                                      <a:latin typeface="Cambria Math" panose="02040503050406030204" pitchFamily="18" charset="0"/>
+                                    </a:rPr>
+                                  </m:ctrlPr>
+                                </m:fPr>
+                                <m:num>
+                                  <m:r>
+                                    <a:rPr lang="en-GB" sz="1400" b="0" i="1" smtClean="0">
+                                      <a:solidFill>
+                                        <a:schemeClr val="tx2"/>
+                                      </a:solidFill>
+                                      <a:latin typeface="Cambria Math" panose="02040503050406030204" pitchFamily="18" charset="0"/>
+                                    </a:rPr>
+                                    <m:t>1</m:t>
+                                  </m:r>
+                                </m:num>
+                                <m:den>
+                                  <m:r>
+                                    <a:rPr lang="en-GB" sz="1400" b="0" i="1" smtClean="0">
+                                      <a:solidFill>
+                                        <a:schemeClr val="tx2"/>
+                                      </a:solidFill>
+                                      <a:latin typeface="Cambria Math" panose="02040503050406030204" pitchFamily="18" charset="0"/>
+                                    </a:rPr>
+                                    <m:t>2</m:t>
+                                  </m:r>
+                                </m:den>
+                              </m:f>
+                              <m:d>
+                                <m:dPr>
+                                  <m:begChr m:val="["/>
+                                  <m:endChr m:val="]"/>
+                                  <m:ctrlPr>
+                                    <a:rPr lang="en-GB" sz="1400" b="0" i="1" smtClean="0">
+                                      <a:solidFill>
+                                        <a:schemeClr val="tx2"/>
+                                      </a:solidFill>
+                                      <a:latin typeface="Cambria Math" panose="02040503050406030204" pitchFamily="18" charset="0"/>
+                                    </a:rPr>
+                                  </m:ctrlPr>
+                                </m:dPr>
+                                <m:e>
+                                  <m:sSubSup>
+                                    <m:sSubSupPr>
+                                      <m:ctrlPr>
+                                        <a:rPr lang="en-GB" sz="1400" b="0" i="1" smtClean="0">
+                                          <a:solidFill>
+                                            <a:schemeClr val="tx2"/>
+                                          </a:solidFill>
+                                          <a:latin typeface="Cambria Math" panose="02040503050406030204" pitchFamily="18" charset="0"/>
+                                        </a:rPr>
+                                      </m:ctrlPr>
+                                    </m:sSubSupPr>
+                                    <m:e>
+                                      <m:d>
+                                        <m:dPr>
+                                          <m:begChr m:val="‖"/>
+                                          <m:endChr m:val="‖"/>
+                                          <m:ctrlPr>
+                                            <a:rPr lang="en-GB" sz="1400" i="1">
+                                              <a:solidFill>
+                                                <a:schemeClr val="tx2"/>
+                                              </a:solidFill>
+                                              <a:latin typeface="Cambria Math" panose="02040503050406030204" pitchFamily="18" charset="0"/>
+                                            </a:rPr>
+                                          </m:ctrlPr>
+                                        </m:dPr>
+                                        <m:e>
+                                          <m:sSub>
+                                            <m:sSubPr>
+                                              <m:ctrlPr>
+                                                <a:rPr lang="en-GB" sz="1400" b="1" i="1">
+                                                  <a:solidFill>
+                                                    <a:schemeClr val="tx2"/>
+                                                  </a:solidFill>
+                                                  <a:latin typeface="Cambria Math" panose="02040503050406030204" pitchFamily="18" charset="0"/>
+                                                </a:rPr>
+                                              </m:ctrlPr>
+                                            </m:sSubPr>
+                                            <m:e>
+                                              <m:r>
+                                                <a:rPr lang="en-GB" sz="1400" b="1" i="1">
+                                                  <a:solidFill>
+                                                    <a:schemeClr val="tx2"/>
+                                                  </a:solidFill>
+                                                  <a:latin typeface="Cambria Math" panose="02040503050406030204" pitchFamily="18" charset="0"/>
+                                                </a:rPr>
+                                                <m:t>𝑺</m:t>
+                                              </m:r>
+                                            </m:e>
+                                            <m:sub>
+                                              <m:r>
+                                                <a:rPr lang="en-GB" sz="1400" b="0" i="1">
+                                                  <a:solidFill>
+                                                    <a:schemeClr val="tx2"/>
+                                                  </a:solidFill>
+                                                  <a:latin typeface="Cambria Math" panose="02040503050406030204" pitchFamily="18" charset="0"/>
+                                                </a:rPr>
+                                                <m:t>𝐼</m:t>
+                                              </m:r>
+                                            </m:sub>
+                                          </m:sSub>
+                                        </m:e>
+                                      </m:d>
+                                    </m:e>
+                                    <m:sub>
+                                      <m:r>
+                                        <a:rPr lang="en-GB" sz="1400" b="0" i="1" smtClean="0">
+                                          <a:solidFill>
+                                            <a:schemeClr val="tx2"/>
+                                          </a:solidFill>
+                                          <a:latin typeface="Cambria Math" panose="02040503050406030204" pitchFamily="18" charset="0"/>
+                                        </a:rPr>
+                                        <m:t>𝐹</m:t>
+                                      </m:r>
+                                    </m:sub>
+                                    <m:sup>
+                                      <m:r>
+                                        <a:rPr lang="en-GB" sz="1400" b="0" i="1" smtClean="0">
+                                          <a:solidFill>
+                                            <a:schemeClr val="tx2"/>
+                                          </a:solidFill>
+                                          <a:latin typeface="Cambria Math" panose="02040503050406030204" pitchFamily="18" charset="0"/>
+                                        </a:rPr>
+                                        <m:t>2</m:t>
+                                      </m:r>
+                                    </m:sup>
+                                  </m:sSubSup>
+                                  <m:r>
+                                    <a:rPr lang="en-GB" sz="1400" b="0" i="1" smtClean="0">
+                                      <a:solidFill>
+                                        <a:schemeClr val="tx2"/>
+                                      </a:solidFill>
+                                      <a:latin typeface="Cambria Math" panose="02040503050406030204" pitchFamily="18" charset="0"/>
+                                    </a:rPr>
+                                    <m:t>+</m:t>
+                                  </m:r>
+                                  <m:sSubSup>
+                                    <m:sSubSupPr>
+                                      <m:ctrlPr>
+                                        <a:rPr lang="en-GB" sz="1400" i="1">
+                                          <a:solidFill>
+                                            <a:schemeClr val="tx2"/>
+                                          </a:solidFill>
+                                          <a:latin typeface="Cambria Math" panose="02040503050406030204" pitchFamily="18" charset="0"/>
+                                        </a:rPr>
+                                      </m:ctrlPr>
+                                    </m:sSubSupPr>
+                                    <m:e>
+                                      <m:d>
+                                        <m:dPr>
+                                          <m:begChr m:val="‖"/>
+                                          <m:endChr m:val="‖"/>
+                                          <m:ctrlPr>
+                                            <a:rPr lang="en-GB" sz="1400" i="1">
+                                              <a:solidFill>
+                                                <a:schemeClr val="tx2"/>
+                                              </a:solidFill>
+                                              <a:latin typeface="Cambria Math" panose="02040503050406030204" pitchFamily="18" charset="0"/>
+                                            </a:rPr>
+                                          </m:ctrlPr>
+                                        </m:dPr>
+                                        <m:e>
+                                          <m:sSub>
+                                            <m:sSubPr>
+                                              <m:ctrlPr>
+                                                <a:rPr lang="en-GB" sz="1400" b="1" i="1">
+                                                  <a:solidFill>
+                                                    <a:schemeClr val="tx2"/>
+                                                  </a:solidFill>
+                                                  <a:latin typeface="Cambria Math" panose="02040503050406030204" pitchFamily="18" charset="0"/>
+                                                </a:rPr>
+                                              </m:ctrlPr>
+                                            </m:sSubPr>
+                                            <m:e>
+                                              <m:r>
+                                                <a:rPr lang="en-GB" sz="1400" b="1" i="1">
+                                                  <a:solidFill>
+                                                    <a:schemeClr val="tx2"/>
+                                                  </a:solidFill>
+                                                  <a:latin typeface="Cambria Math" panose="02040503050406030204" pitchFamily="18" charset="0"/>
+                                                </a:rPr>
+                                                <m:t>𝑺</m:t>
+                                              </m:r>
+                                            </m:e>
+                                            <m:sub>
+                                              <m:r>
+                                                <a:rPr lang="en-GB" sz="1400" b="0" i="1" smtClean="0">
+                                                  <a:solidFill>
+                                                    <a:schemeClr val="tx2"/>
+                                                  </a:solidFill>
+                                                  <a:latin typeface="Cambria Math" panose="02040503050406030204" pitchFamily="18" charset="0"/>
+                                                </a:rPr>
+                                                <m:t>𝑃</m:t>
+                                              </m:r>
+                                            </m:sub>
+                                          </m:sSub>
+                                        </m:e>
+                                      </m:d>
+                                    </m:e>
+                                    <m:sub>
+                                      <m:r>
+                                        <a:rPr lang="en-GB" sz="1400" i="1">
+                                          <a:solidFill>
+                                            <a:schemeClr val="tx2"/>
+                                          </a:solidFill>
+                                          <a:latin typeface="Cambria Math" panose="02040503050406030204" pitchFamily="18" charset="0"/>
+                                        </a:rPr>
+                                        <m:t>𝐹</m:t>
+                                      </m:r>
+                                    </m:sub>
+                                    <m:sup>
+                                      <m:r>
+                                        <a:rPr lang="en-GB" sz="1400" i="1">
+                                          <a:solidFill>
+                                            <a:schemeClr val="tx2"/>
+                                          </a:solidFill>
+                                          <a:latin typeface="Cambria Math" panose="02040503050406030204" pitchFamily="18" charset="0"/>
+                                        </a:rPr>
+                                        <m:t>2</m:t>
+                                      </m:r>
+                                    </m:sup>
+                                  </m:sSubSup>
+                                </m:e>
+                              </m:d>
+                              <m:r>
+                                <a:rPr lang="en-US" altLang="zh-CN" sz="1400" i="1" smtClean="0">
+                                  <a:solidFill>
+                                    <a:schemeClr val="tx2"/>
+                                  </a:solidFill>
+                                  <a:latin typeface="Cambria Math" panose="02040503050406030204" pitchFamily="18" charset="0"/>
+                                </a:rPr>
+                                <m:t>≤</m:t>
+                              </m:r>
+                              <m:r>
+                                <a:rPr lang="en-GB" altLang="zh-CN" sz="1400" b="0" i="1" smtClean="0">
+                                  <a:solidFill>
+                                    <a:schemeClr val="tx2"/>
+                                  </a:solidFill>
+                                  <a:latin typeface="Cambria Math" panose="02040503050406030204" pitchFamily="18" charset="0"/>
+                                </a:rPr>
+                                <m:t>𝑃</m:t>
+                              </m:r>
+                            </m:e>
+                          </m:eqArr>
+                        </m:e>
+                      </m:d>
+                    </m:oMath>
+                  </m:oMathPara>
+                </a14:m>
+                <a:endParaRPr lang="en-GB" sz="1400" dirty="0">
+                  <a:solidFill>
+                    <a:schemeClr val="tx2"/>
+                  </a:solidFill>
+                </a:endParaRPr>
+              </a:p>
+            </p:txBody>
+          </p:sp>
+        </mc:Choice>
+        <mc:Fallback>
+          <p:sp>
+            <p:nvSpPr>
+              <p:cNvPr id="2" name="TextBox 1">
+                <a:extLst>
+                  <a:ext uri="{FF2B5EF4-FFF2-40B4-BE49-F238E27FC236}">
+                    <a16:creationId xmlns:a16="http://schemas.microsoft.com/office/drawing/2014/main" id="{1B0EE2CB-2FDC-4B19-B5F0-7834F7940E08}"/>
+                  </a:ext>
+                </a:extLst>
+              </p:cNvPr>
+              <p:cNvSpPr txBox="1">
+                <a:spLocks noRot="1" noChangeAspect="1" noMove="1" noResize="1" noEditPoints="1" noAdjustHandles="1" noChangeArrowheads="1" noChangeShapeType="1" noTextEdit="1"/>
+              </p:cNvSpPr>
+              <p:nvPr/>
+            </p:nvSpPr>
+            <p:spPr>
+              <a:xfrm>
+                <a:off x="457200" y="1968668"/>
+                <a:ext cx="3650673" cy="971035"/>
+              </a:xfrm>
+              <a:prstGeom prst="rect">
+                <a:avLst/>
+              </a:prstGeom>
+              <a:blipFill>
+                <a:blip r:embed="rId3"/>
+                <a:stretch>
+                  <a:fillRect/>
+                </a:stretch>
+              </a:blipFill>
+            </p:spPr>
+            <p:txBody>
+              <a:bodyPr/>
+              <a:lstStyle/>
+              <a:p>
+                <a:r>
+                  <a:rPr lang="en-GB">
+                    <a:noFill/>
+                  </a:rPr>
+                  <a:t> </a:t>
+                </a:r>
+              </a:p>
+            </p:txBody>
+          </p:sp>
+        </mc:Fallback>
+      </mc:AlternateContent>
+      <p:sp>
+        <p:nvSpPr>
+          <p:cNvPr id="20" name="TextBox 19">
+            <a:extLst>
+              <a:ext uri="{FF2B5EF4-FFF2-40B4-BE49-F238E27FC236}">
+                <a16:creationId xmlns:a16="http://schemas.microsoft.com/office/drawing/2014/main" id="{FD6DFB9C-ECB4-4D17-B090-D45086C56D61}"/>
+              </a:ext>
+            </a:extLst>
+          </p:cNvPr>
+          <p:cNvSpPr txBox="1"/>
+          <p:nvPr/>
+        </p:nvSpPr>
+        <p:spPr>
+          <a:xfrm>
+            <a:off x="4589011" y="1496598"/>
+            <a:ext cx="3789993" cy="523220"/>
+          </a:xfrm>
+          <a:prstGeom prst="rect">
+            <a:avLst/>
+          </a:prstGeom>
+          <a:noFill/>
+        </p:spPr>
+        <p:txBody>
+          <a:bodyPr wrap="square" rtlCol="0">
+            <a:spAutoFit/>
+          </a:bodyPr>
+          <a:lstStyle/>
+          <a:p>
+            <a:r>
+              <a:rPr lang="en-GB" sz="1400" dirty="0">
+                <a:solidFill>
+                  <a:schemeClr val="tx2"/>
+                </a:solidFill>
+              </a:rPr>
+              <a:t>The optimisation problem turns into an energy maximisation problem:</a:t>
+            </a:r>
+            <a:endParaRPr lang="en-GB" sz="1200" dirty="0">
+              <a:solidFill>
+                <a:schemeClr val="accent1"/>
+              </a:solidFill>
+            </a:endParaRPr>
+          </a:p>
+        </p:txBody>
+      </p:sp>
+      <mc:AlternateContent xmlns:mc="http://schemas.openxmlformats.org/markup-compatibility/2006">
+        <mc:Choice xmlns:a14="http://schemas.microsoft.com/office/drawing/2010/main" Requires="a14">
+          <p:sp>
+            <p:nvSpPr>
+              <p:cNvPr id="3" name="TextBox 2">
+                <a:extLst>
+                  <a:ext uri="{FF2B5EF4-FFF2-40B4-BE49-F238E27FC236}">
+                    <a16:creationId xmlns:a16="http://schemas.microsoft.com/office/drawing/2014/main" id="{637A40FB-9490-4EB0-AC89-85527B195E6A}"/>
+                  </a:ext>
+                </a:extLst>
+              </p:cNvPr>
+              <p:cNvSpPr txBox="1"/>
+              <p:nvPr/>
+            </p:nvSpPr>
+            <p:spPr>
+              <a:xfrm>
+                <a:off x="5432052" y="2318814"/>
+                <a:ext cx="2103909" cy="741934"/>
+              </a:xfrm>
+              <a:prstGeom prst="rect">
+                <a:avLst/>
+              </a:prstGeom>
+              <a:noFill/>
+            </p:spPr>
+            <p:txBody>
+              <a:bodyPr wrap="none" lIns="0" tIns="0" rIns="0" bIns="0" rtlCol="0">
+                <a:spAutoFit/>
+              </a:bodyPr>
+              <a:lstStyle/>
+              <a:p>
+                <a:pPr/>
+                <a14:m>
+                  <m:oMathPara xmlns:m="http://schemas.openxmlformats.org/officeDocument/2006/math">
+                    <m:oMathParaPr>
+                      <m:jc m:val="centerGroup"/>
+                    </m:oMathParaPr>
+                    <m:oMath xmlns:m="http://schemas.openxmlformats.org/officeDocument/2006/math">
+                      <m:func>
+                        <m:funcPr>
+                          <m:ctrlPr>
+                            <a:rPr lang="en-US" altLang="zh-CN" sz="1400" i="1" smtClean="0">
+                              <a:solidFill>
+                                <a:schemeClr val="tx2"/>
+                              </a:solidFill>
+                              <a:latin typeface="Cambria Math" panose="02040503050406030204" pitchFamily="18" charset="0"/>
+                            </a:rPr>
+                          </m:ctrlPr>
+                        </m:funcPr>
+                        <m:fName>
+                          <m:limLow>
+                            <m:limLowPr>
+                              <m:ctrlPr>
+                                <a:rPr lang="en-US" altLang="zh-CN" sz="1400" i="1" smtClean="0">
+                                  <a:solidFill>
+                                    <a:schemeClr val="tx2"/>
+                                  </a:solidFill>
+                                  <a:latin typeface="Cambria Math" panose="02040503050406030204" pitchFamily="18" charset="0"/>
+                                </a:rPr>
+                              </m:ctrlPr>
+                            </m:limLowPr>
+                            <m:e>
+                              <m:r>
+                                <m:rPr>
+                                  <m:sty m:val="p"/>
+                                </m:rPr>
+                                <a:rPr lang="en-US" altLang="zh-CN" sz="1400" i="0" smtClean="0">
+                                  <a:solidFill>
+                                    <a:schemeClr val="tx2"/>
+                                  </a:solidFill>
+                                  <a:latin typeface="Cambria Math" panose="02040503050406030204" pitchFamily="18" charset="0"/>
+                                </a:rPr>
+                                <m:t>max</m:t>
+                              </m:r>
+                            </m:e>
+                            <m:lim>
+                              <m:sSub>
+                                <m:sSubPr>
+                                  <m:ctrlPr>
+                                    <a:rPr lang="en-GB" sz="1400" b="1" i="1">
+                                      <a:solidFill>
+                                        <a:schemeClr val="tx2"/>
+                                      </a:solidFill>
+                                      <a:latin typeface="Cambria Math" panose="02040503050406030204" pitchFamily="18" charset="0"/>
+                                    </a:rPr>
+                                  </m:ctrlPr>
+                                </m:sSubPr>
+                                <m:e>
+                                  <m:sSub>
+                                    <m:sSubPr>
+                                      <m:ctrlPr>
+                                        <a:rPr lang="en-GB" sz="1400" b="1" i="1">
+                                          <a:solidFill>
+                                            <a:schemeClr val="tx2"/>
+                                          </a:solidFill>
+                                          <a:latin typeface="Cambria Math" panose="02040503050406030204" pitchFamily="18" charset="0"/>
+                                        </a:rPr>
+                                      </m:ctrlPr>
+                                    </m:sSubPr>
+                                    <m:e>
+                                      <m:r>
+                                        <a:rPr lang="en-GB" sz="1400" b="1" i="1">
+                                          <a:solidFill>
+                                            <a:schemeClr val="tx2"/>
+                                          </a:solidFill>
+                                          <a:latin typeface="Cambria Math" panose="02040503050406030204" pitchFamily="18" charset="0"/>
+                                        </a:rPr>
+                                        <m:t>𝑺</m:t>
+                                      </m:r>
+                                    </m:e>
+                                    <m:sub>
+                                      <m:r>
+                                        <a:rPr lang="en-GB" sz="1400" i="1">
+                                          <a:solidFill>
+                                            <a:schemeClr val="tx2"/>
+                                          </a:solidFill>
+                                          <a:latin typeface="Cambria Math" panose="02040503050406030204" pitchFamily="18" charset="0"/>
+                                        </a:rPr>
+                                        <m:t>𝑃</m:t>
+                                      </m:r>
+                                    </m:sub>
+                                  </m:sSub>
+                                  <m:r>
+                                    <a:rPr lang="en-GB" sz="1400" b="1" i="1" smtClean="0">
+                                      <a:solidFill>
+                                        <a:schemeClr val="tx2"/>
+                                      </a:solidFill>
+                                      <a:latin typeface="Cambria Math" panose="02040503050406030204" pitchFamily="18" charset="0"/>
+                                    </a:rPr>
+                                    <m:t>,</m:t>
+                                  </m:r>
+                                  <m:r>
+                                    <a:rPr lang="en-GB" sz="1400" b="1" i="1">
+                                      <a:solidFill>
+                                        <a:schemeClr val="tx2"/>
+                                      </a:solidFill>
+                                      <a:latin typeface="Cambria Math" panose="02040503050406030204" pitchFamily="18" charset="0"/>
+                                    </a:rPr>
+                                    <m:t>𝑺</m:t>
+                                  </m:r>
+                                </m:e>
+                                <m:sub>
+                                  <m:r>
+                                    <a:rPr lang="en-GB" sz="1400" i="1">
+                                      <a:solidFill>
+                                        <a:schemeClr val="tx2"/>
+                                      </a:solidFill>
+                                      <a:latin typeface="Cambria Math" panose="02040503050406030204" pitchFamily="18" charset="0"/>
+                                    </a:rPr>
+                                    <m:t>𝐼</m:t>
+                                  </m:r>
+                                </m:sub>
+                              </m:sSub>
+                              <m:r>
+                                <a:rPr lang="en-GB" sz="1400" b="0" i="1" smtClean="0">
+                                  <a:solidFill>
+                                    <a:schemeClr val="tx2"/>
+                                  </a:solidFill>
+                                  <a:latin typeface="Cambria Math" panose="02040503050406030204" pitchFamily="18" charset="0"/>
+                                </a:rPr>
+                                <m:t>,</m:t>
+                              </m:r>
+                              <m:r>
+                                <a:rPr lang="el-GR" altLang="zh-CN" sz="1400" i="1">
+                                  <a:solidFill>
+                                    <a:schemeClr val="tx2"/>
+                                  </a:solidFill>
+                                  <a:latin typeface="Cambria Math" panose="02040503050406030204" pitchFamily="18" charset="0"/>
+                                </a:rPr>
+                                <m:t>𝜌</m:t>
+                              </m:r>
+                            </m:lim>
+                          </m:limLow>
+                        </m:fName>
+                        <m:e>
+                          <m:sSub>
+                            <m:sSubPr>
+                              <m:ctrlPr>
+                                <a:rPr lang="en-GB" sz="1400" i="1">
+                                  <a:solidFill>
+                                    <a:schemeClr val="tx2"/>
+                                  </a:solidFill>
+                                  <a:latin typeface="Cambria Math" panose="02040503050406030204" pitchFamily="18" charset="0"/>
+                                </a:rPr>
+                              </m:ctrlPr>
+                            </m:sSubPr>
+                            <m:e>
+                              <m:r>
+                                <a:rPr lang="en-GB" sz="1400" i="1">
+                                  <a:solidFill>
+                                    <a:schemeClr val="tx2"/>
+                                  </a:solidFill>
+                                  <a:latin typeface="Cambria Math" panose="02040503050406030204" pitchFamily="18" charset="0"/>
+                                </a:rPr>
+                                <m:t>𝑧</m:t>
+                              </m:r>
+                            </m:e>
+                            <m:sub>
+                              <m:r>
+                                <a:rPr lang="en-GB" sz="1400" i="1">
+                                  <a:solidFill>
+                                    <a:schemeClr val="tx2"/>
+                                  </a:solidFill>
+                                  <a:latin typeface="Cambria Math" panose="02040503050406030204" pitchFamily="18" charset="0"/>
+                                </a:rPr>
+                                <m:t>𝑑𝑐</m:t>
+                              </m:r>
+                            </m:sub>
+                          </m:sSub>
+                          <m:r>
+                            <a:rPr lang="en-GB" sz="1400" b="0" i="1" smtClean="0">
+                              <a:solidFill>
+                                <a:schemeClr val="tx2"/>
+                              </a:solidFill>
+                              <a:latin typeface="Cambria Math" panose="02040503050406030204" pitchFamily="18" charset="0"/>
+                            </a:rPr>
+                            <m:t>(</m:t>
+                          </m:r>
+                          <m:sSub>
+                            <m:sSubPr>
+                              <m:ctrlPr>
+                                <a:rPr lang="en-GB" sz="1400" b="1" i="1">
+                                  <a:solidFill>
+                                    <a:schemeClr val="tx2"/>
+                                  </a:solidFill>
+                                  <a:latin typeface="Cambria Math" panose="02040503050406030204" pitchFamily="18" charset="0"/>
+                                </a:rPr>
+                              </m:ctrlPr>
+                            </m:sSubPr>
+                            <m:e>
+                              <m:sSub>
+                                <m:sSubPr>
+                                  <m:ctrlPr>
+                                    <a:rPr lang="en-GB" sz="1400" b="1" i="1">
+                                      <a:solidFill>
+                                        <a:schemeClr val="tx2"/>
+                                      </a:solidFill>
+                                      <a:latin typeface="Cambria Math" panose="02040503050406030204" pitchFamily="18" charset="0"/>
+                                    </a:rPr>
+                                  </m:ctrlPr>
+                                </m:sSubPr>
+                                <m:e>
+                                  <m:r>
+                                    <a:rPr lang="en-GB" sz="1400" b="1" i="1">
+                                      <a:solidFill>
+                                        <a:schemeClr val="tx2"/>
+                                      </a:solidFill>
+                                      <a:latin typeface="Cambria Math" panose="02040503050406030204" pitchFamily="18" charset="0"/>
+                                    </a:rPr>
+                                    <m:t>𝑺</m:t>
+                                  </m:r>
+                                </m:e>
+                                <m:sub>
+                                  <m:r>
+                                    <a:rPr lang="en-GB" sz="1400" i="1">
+                                      <a:solidFill>
+                                        <a:schemeClr val="tx2"/>
+                                      </a:solidFill>
+                                      <a:latin typeface="Cambria Math" panose="02040503050406030204" pitchFamily="18" charset="0"/>
+                                    </a:rPr>
+                                    <m:t>𝑃</m:t>
+                                  </m:r>
+                                </m:sub>
+                              </m:sSub>
+                              <m:r>
+                                <a:rPr lang="en-GB" sz="1400" b="1" i="1">
+                                  <a:solidFill>
+                                    <a:schemeClr val="tx2"/>
+                                  </a:solidFill>
+                                  <a:latin typeface="Cambria Math" panose="02040503050406030204" pitchFamily="18" charset="0"/>
+                                </a:rPr>
+                                <m:t>,</m:t>
+                              </m:r>
+                              <m:r>
+                                <a:rPr lang="en-GB" sz="1400" b="1" i="1">
+                                  <a:solidFill>
+                                    <a:schemeClr val="tx2"/>
+                                  </a:solidFill>
+                                  <a:latin typeface="Cambria Math" panose="02040503050406030204" pitchFamily="18" charset="0"/>
+                                </a:rPr>
+                                <m:t>𝑺</m:t>
+                              </m:r>
+                            </m:e>
+                            <m:sub>
+                              <m:r>
+                                <a:rPr lang="en-GB" sz="1400" i="1">
+                                  <a:solidFill>
+                                    <a:schemeClr val="tx2"/>
+                                  </a:solidFill>
+                                  <a:latin typeface="Cambria Math" panose="02040503050406030204" pitchFamily="18" charset="0"/>
+                                </a:rPr>
+                                <m:t>𝐼</m:t>
+                              </m:r>
+                            </m:sub>
+                          </m:sSub>
+                          <m:r>
+                            <a:rPr lang="en-GB" sz="1400" b="1" i="1" smtClean="0">
+                              <a:solidFill>
+                                <a:schemeClr val="tx2"/>
+                              </a:solidFill>
+                              <a:latin typeface="Cambria Math" panose="02040503050406030204" pitchFamily="18" charset="0"/>
+                            </a:rPr>
+                            <m:t>,</m:t>
+                          </m:r>
+                          <m:sSubSup>
+                            <m:sSubSupPr>
+                              <m:ctrlPr>
+                                <a:rPr lang="en-GB" sz="1400" b="1" i="1" smtClean="0">
+                                  <a:solidFill>
+                                    <a:schemeClr val="tx2"/>
+                                  </a:solidFill>
+                                  <a:latin typeface="Cambria Math" panose="02040503050406030204" pitchFamily="18" charset="0"/>
+                                  <a:ea typeface="Cambria Math" panose="02040503050406030204" pitchFamily="18" charset="0"/>
+                                </a:rPr>
+                              </m:ctrlPr>
+                            </m:sSubSupPr>
+                            <m:e>
+                              <m:r>
+                                <a:rPr lang="en-GB" sz="1400" b="1" i="1">
+                                  <a:solidFill>
+                                    <a:schemeClr val="tx2"/>
+                                  </a:solidFill>
+                                  <a:latin typeface="Cambria Math" panose="02040503050406030204" pitchFamily="18" charset="0"/>
+                                  <a:ea typeface="Cambria Math" panose="02040503050406030204" pitchFamily="18" charset="0"/>
+                                </a:rPr>
+                                <m:t>𝚽</m:t>
+                              </m:r>
+                            </m:e>
+                            <m:sub>
+                              <m:r>
+                                <a:rPr lang="en-GB" sz="1400" b="0" i="1" smtClean="0">
+                                  <a:solidFill>
+                                    <a:schemeClr val="tx2"/>
+                                  </a:solidFill>
+                                  <a:latin typeface="Cambria Math" panose="02040503050406030204" pitchFamily="18" charset="0"/>
+                                  <a:ea typeface="Cambria Math" panose="02040503050406030204" pitchFamily="18" charset="0"/>
+                                </a:rPr>
+                                <m:t>𝑃</m:t>
+                              </m:r>
+                            </m:sub>
+                            <m:sup>
+                              <m:r>
+                                <a:rPr lang="en-GB" sz="1400" b="0" i="1" smtClean="0">
+                                  <a:solidFill>
+                                    <a:schemeClr val="tx2"/>
+                                  </a:solidFill>
+                                  <a:latin typeface="Cambria Math" panose="02040503050406030204" pitchFamily="18" charset="0"/>
+                                  <a:ea typeface="Cambria Math" panose="02040503050406030204" pitchFamily="18" charset="0"/>
+                                </a:rPr>
+                                <m:t>⋆</m:t>
+                              </m:r>
+                            </m:sup>
+                          </m:sSubSup>
+                          <m:r>
+                            <a:rPr lang="en-GB" sz="1400" b="1" i="1" smtClean="0">
+                              <a:solidFill>
+                                <a:schemeClr val="tx2"/>
+                              </a:solidFill>
+                              <a:latin typeface="Cambria Math" panose="02040503050406030204" pitchFamily="18" charset="0"/>
+                              <a:ea typeface="Cambria Math" panose="02040503050406030204" pitchFamily="18" charset="0"/>
+                            </a:rPr>
+                            <m:t>,</m:t>
+                          </m:r>
+                          <m:sSubSup>
+                            <m:sSubSupPr>
+                              <m:ctrlPr>
+                                <a:rPr lang="en-GB" sz="1400" b="1" i="1">
+                                  <a:solidFill>
+                                    <a:schemeClr val="tx2"/>
+                                  </a:solidFill>
+                                  <a:latin typeface="Cambria Math" panose="02040503050406030204" pitchFamily="18" charset="0"/>
+                                  <a:ea typeface="Cambria Math" panose="02040503050406030204" pitchFamily="18" charset="0"/>
+                                </a:rPr>
+                              </m:ctrlPr>
+                            </m:sSubSupPr>
+                            <m:e>
+                              <m:r>
+                                <a:rPr lang="en-GB" sz="1400" b="1" i="1">
+                                  <a:solidFill>
+                                    <a:schemeClr val="tx2"/>
+                                  </a:solidFill>
+                                  <a:latin typeface="Cambria Math" panose="02040503050406030204" pitchFamily="18" charset="0"/>
+                                  <a:ea typeface="Cambria Math" panose="02040503050406030204" pitchFamily="18" charset="0"/>
+                                </a:rPr>
+                                <m:t>𝚽</m:t>
+                              </m:r>
+                            </m:e>
+                            <m:sub>
+                              <m:r>
+                                <a:rPr lang="en-GB" sz="1400" i="1">
+                                  <a:solidFill>
+                                    <a:schemeClr val="tx2"/>
+                                  </a:solidFill>
+                                  <a:latin typeface="Cambria Math" panose="02040503050406030204" pitchFamily="18" charset="0"/>
+                                  <a:ea typeface="Cambria Math" panose="02040503050406030204" pitchFamily="18" charset="0"/>
+                                </a:rPr>
+                                <m:t>𝐼</m:t>
+                              </m:r>
+                            </m:sub>
+                            <m:sup>
+                              <m:r>
+                                <a:rPr lang="en-GB" sz="1400" i="1">
+                                  <a:solidFill>
+                                    <a:schemeClr val="tx2"/>
+                                  </a:solidFill>
+                                  <a:latin typeface="Cambria Math" panose="02040503050406030204" pitchFamily="18" charset="0"/>
+                                  <a:ea typeface="Cambria Math" panose="02040503050406030204" pitchFamily="18" charset="0"/>
+                                </a:rPr>
+                                <m:t>⋆</m:t>
+                              </m:r>
+                            </m:sup>
+                          </m:sSubSup>
+                          <m:r>
+                            <a:rPr lang="en-GB" sz="1400" b="1" i="1" smtClean="0">
+                              <a:solidFill>
+                                <a:schemeClr val="tx2"/>
+                              </a:solidFill>
+                              <a:latin typeface="Cambria Math" panose="02040503050406030204" pitchFamily="18" charset="0"/>
+                              <a:ea typeface="Cambria Math" panose="02040503050406030204" pitchFamily="18" charset="0"/>
+                            </a:rPr>
+                            <m:t>,</m:t>
+                          </m:r>
+                          <m:r>
+                            <a:rPr lang="el-GR" altLang="zh-CN" sz="1400" i="1">
+                              <a:solidFill>
+                                <a:schemeClr val="tx2"/>
+                              </a:solidFill>
+                              <a:latin typeface="Cambria Math" panose="02040503050406030204" pitchFamily="18" charset="0"/>
+                            </a:rPr>
+                            <m:t>𝜌</m:t>
+                          </m:r>
+                          <m:r>
+                            <a:rPr lang="en-GB" sz="1400" b="1" i="1" smtClean="0">
+                              <a:solidFill>
+                                <a:schemeClr val="tx2"/>
+                              </a:solidFill>
+                              <a:latin typeface="Cambria Math" panose="02040503050406030204" pitchFamily="18" charset="0"/>
+                            </a:rPr>
+                            <m:t>)</m:t>
+                          </m:r>
+                        </m:e>
+                      </m:func>
+                    </m:oMath>
+                  </m:oMathPara>
+                </a14:m>
+                <a:endParaRPr lang="en-GB" sz="1400" dirty="0">
+                  <a:solidFill>
+                    <a:schemeClr val="tx2"/>
+                  </a:solidFill>
+                </a:endParaRPr>
+              </a:p>
+              <a:p>
+                <a:pPr/>
+                <a14:m>
+                  <m:oMathPara xmlns:m="http://schemas.openxmlformats.org/officeDocument/2006/math">
+                    <m:oMathParaPr>
+                      <m:jc m:val="centerGroup"/>
+                    </m:oMathParaPr>
+                    <m:oMath xmlns:m="http://schemas.openxmlformats.org/officeDocument/2006/math">
+                      <m:r>
+                        <a:rPr lang="en-GB" sz="1400" i="1" dirty="0" smtClean="0">
+                          <a:solidFill>
+                            <a:schemeClr val="tx2"/>
+                          </a:solidFill>
+                          <a:latin typeface="Cambria Math" panose="02040503050406030204" pitchFamily="18" charset="0"/>
+                        </a:rPr>
+                        <m:t>𝑠</m:t>
+                      </m:r>
+                      <m:r>
+                        <a:rPr lang="en-GB" sz="1400" i="1" dirty="0" smtClean="0">
+                          <a:solidFill>
+                            <a:schemeClr val="tx2"/>
+                          </a:solidFill>
+                          <a:latin typeface="Cambria Math" panose="02040503050406030204" pitchFamily="18" charset="0"/>
+                        </a:rPr>
+                        <m:t>.</m:t>
+                      </m:r>
+                      <m:r>
+                        <a:rPr lang="en-GB" sz="1400" i="1" dirty="0" smtClean="0">
+                          <a:solidFill>
+                            <a:schemeClr val="tx2"/>
+                          </a:solidFill>
+                          <a:latin typeface="Cambria Math" panose="02040503050406030204" pitchFamily="18" charset="0"/>
+                        </a:rPr>
+                        <m:t>𝑡</m:t>
+                      </m:r>
+                      <m:r>
+                        <a:rPr lang="en-GB" sz="1400" i="1" dirty="0" smtClean="0">
+                          <a:solidFill>
+                            <a:schemeClr val="tx2"/>
+                          </a:solidFill>
+                          <a:latin typeface="Cambria Math" panose="02040503050406030204" pitchFamily="18" charset="0"/>
+                        </a:rPr>
+                        <m:t>.</m:t>
+                      </m:r>
+                      <m:d>
+                        <m:dPr>
+                          <m:begChr m:val="["/>
+                          <m:endChr m:val="]"/>
+                          <m:ctrlPr>
+                            <a:rPr lang="en-GB" sz="1400" i="1">
+                              <a:solidFill>
+                                <a:schemeClr val="tx2"/>
+                              </a:solidFill>
+                              <a:latin typeface="Cambria Math" panose="02040503050406030204" pitchFamily="18" charset="0"/>
+                            </a:rPr>
+                          </m:ctrlPr>
+                        </m:dPr>
+                        <m:e>
+                          <m:sSubSup>
+                            <m:sSubSupPr>
+                              <m:ctrlPr>
+                                <a:rPr lang="en-GB" sz="1400" i="1">
+                                  <a:solidFill>
+                                    <a:schemeClr val="tx2"/>
+                                  </a:solidFill>
+                                  <a:latin typeface="Cambria Math" panose="02040503050406030204" pitchFamily="18" charset="0"/>
+                                </a:rPr>
+                              </m:ctrlPr>
+                            </m:sSubSupPr>
+                            <m:e>
+                              <m:d>
+                                <m:dPr>
+                                  <m:begChr m:val="‖"/>
+                                  <m:endChr m:val="‖"/>
+                                  <m:ctrlPr>
+                                    <a:rPr lang="en-GB" sz="1400" i="1">
+                                      <a:solidFill>
+                                        <a:schemeClr val="tx2"/>
+                                      </a:solidFill>
+                                      <a:latin typeface="Cambria Math" panose="02040503050406030204" pitchFamily="18" charset="0"/>
+                                    </a:rPr>
+                                  </m:ctrlPr>
+                                </m:dPr>
+                                <m:e>
+                                  <m:sSub>
+                                    <m:sSubPr>
+                                      <m:ctrlPr>
+                                        <a:rPr lang="en-GB" sz="1400" b="1" i="1">
+                                          <a:solidFill>
+                                            <a:schemeClr val="tx2"/>
+                                          </a:solidFill>
+                                          <a:latin typeface="Cambria Math" panose="02040503050406030204" pitchFamily="18" charset="0"/>
+                                        </a:rPr>
+                                      </m:ctrlPr>
+                                    </m:sSubPr>
+                                    <m:e>
+                                      <m:r>
+                                        <a:rPr lang="en-GB" sz="1400" b="1" i="1">
+                                          <a:solidFill>
+                                            <a:schemeClr val="tx2"/>
+                                          </a:solidFill>
+                                          <a:latin typeface="Cambria Math" panose="02040503050406030204" pitchFamily="18" charset="0"/>
+                                        </a:rPr>
+                                        <m:t>𝑺</m:t>
+                                      </m:r>
+                                    </m:e>
+                                    <m:sub>
+                                      <m:r>
+                                        <a:rPr lang="en-GB" sz="1400" i="1">
+                                          <a:solidFill>
+                                            <a:schemeClr val="tx2"/>
+                                          </a:solidFill>
+                                          <a:latin typeface="Cambria Math" panose="02040503050406030204" pitchFamily="18" charset="0"/>
+                                        </a:rPr>
+                                        <m:t>𝐼</m:t>
+                                      </m:r>
+                                    </m:sub>
+                                  </m:sSub>
+                                </m:e>
+                              </m:d>
+                            </m:e>
+                            <m:sub>
+                              <m:r>
+                                <a:rPr lang="en-GB" sz="1400" i="1">
+                                  <a:solidFill>
+                                    <a:schemeClr val="tx2"/>
+                                  </a:solidFill>
+                                  <a:latin typeface="Cambria Math" panose="02040503050406030204" pitchFamily="18" charset="0"/>
+                                </a:rPr>
+                                <m:t>𝐹</m:t>
+                              </m:r>
+                            </m:sub>
+                            <m:sup>
+                              <m:r>
+                                <a:rPr lang="en-GB" sz="1400" i="1">
+                                  <a:solidFill>
+                                    <a:schemeClr val="tx2"/>
+                                  </a:solidFill>
+                                  <a:latin typeface="Cambria Math" panose="02040503050406030204" pitchFamily="18" charset="0"/>
+                                </a:rPr>
+                                <m:t>2</m:t>
+                              </m:r>
+                            </m:sup>
+                          </m:sSubSup>
+                          <m:r>
+                            <a:rPr lang="en-GB" sz="1400" i="1">
+                              <a:solidFill>
+                                <a:schemeClr val="tx2"/>
+                              </a:solidFill>
+                              <a:latin typeface="Cambria Math" panose="02040503050406030204" pitchFamily="18" charset="0"/>
+                            </a:rPr>
+                            <m:t>+</m:t>
+                          </m:r>
+                          <m:sSubSup>
+                            <m:sSubSupPr>
+                              <m:ctrlPr>
+                                <a:rPr lang="en-GB" sz="1400" i="1">
+                                  <a:solidFill>
+                                    <a:schemeClr val="tx2"/>
+                                  </a:solidFill>
+                                  <a:latin typeface="Cambria Math" panose="02040503050406030204" pitchFamily="18" charset="0"/>
+                                </a:rPr>
+                              </m:ctrlPr>
+                            </m:sSubSupPr>
+                            <m:e>
+                              <m:d>
+                                <m:dPr>
+                                  <m:begChr m:val="‖"/>
+                                  <m:endChr m:val="‖"/>
+                                  <m:ctrlPr>
+                                    <a:rPr lang="en-GB" sz="1400" i="1">
+                                      <a:solidFill>
+                                        <a:schemeClr val="tx2"/>
+                                      </a:solidFill>
+                                      <a:latin typeface="Cambria Math" panose="02040503050406030204" pitchFamily="18" charset="0"/>
+                                    </a:rPr>
+                                  </m:ctrlPr>
+                                </m:dPr>
+                                <m:e>
+                                  <m:sSub>
+                                    <m:sSubPr>
+                                      <m:ctrlPr>
+                                        <a:rPr lang="en-GB" sz="1400" b="1" i="1">
+                                          <a:solidFill>
+                                            <a:schemeClr val="tx2"/>
+                                          </a:solidFill>
+                                          <a:latin typeface="Cambria Math" panose="02040503050406030204" pitchFamily="18" charset="0"/>
+                                        </a:rPr>
+                                      </m:ctrlPr>
+                                    </m:sSubPr>
+                                    <m:e>
+                                      <m:r>
+                                        <a:rPr lang="en-GB" sz="1400" b="1" i="1">
+                                          <a:solidFill>
+                                            <a:schemeClr val="tx2"/>
+                                          </a:solidFill>
+                                          <a:latin typeface="Cambria Math" panose="02040503050406030204" pitchFamily="18" charset="0"/>
+                                        </a:rPr>
+                                        <m:t>𝑺</m:t>
+                                      </m:r>
+                                    </m:e>
+                                    <m:sub>
+                                      <m:r>
+                                        <a:rPr lang="en-GB" sz="1400" i="1">
+                                          <a:solidFill>
+                                            <a:schemeClr val="tx2"/>
+                                          </a:solidFill>
+                                          <a:latin typeface="Cambria Math" panose="02040503050406030204" pitchFamily="18" charset="0"/>
+                                        </a:rPr>
+                                        <m:t>𝑃</m:t>
+                                      </m:r>
+                                    </m:sub>
+                                  </m:sSub>
+                                </m:e>
+                              </m:d>
+                            </m:e>
+                            <m:sub>
+                              <m:r>
+                                <a:rPr lang="en-GB" sz="1400" i="1">
+                                  <a:solidFill>
+                                    <a:schemeClr val="tx2"/>
+                                  </a:solidFill>
+                                  <a:latin typeface="Cambria Math" panose="02040503050406030204" pitchFamily="18" charset="0"/>
+                                </a:rPr>
+                                <m:t>𝐹</m:t>
+                              </m:r>
+                            </m:sub>
+                            <m:sup>
+                              <m:r>
+                                <a:rPr lang="en-GB" sz="1400" i="1">
+                                  <a:solidFill>
+                                    <a:schemeClr val="tx2"/>
+                                  </a:solidFill>
+                                  <a:latin typeface="Cambria Math" panose="02040503050406030204" pitchFamily="18" charset="0"/>
+                                </a:rPr>
+                                <m:t>2</m:t>
+                              </m:r>
+                            </m:sup>
+                          </m:sSubSup>
+                        </m:e>
+                      </m:d>
+                      <m:r>
+                        <a:rPr lang="en-US" altLang="zh-CN" sz="1400" i="1">
+                          <a:solidFill>
+                            <a:schemeClr val="tx2"/>
+                          </a:solidFill>
+                          <a:latin typeface="Cambria Math" panose="02040503050406030204" pitchFamily="18" charset="0"/>
+                        </a:rPr>
+                        <m:t>≤</m:t>
+                      </m:r>
+                      <m:r>
+                        <a:rPr lang="en-GB" altLang="zh-CN" sz="1400" b="0" i="1" smtClean="0">
+                          <a:solidFill>
+                            <a:schemeClr val="tx2"/>
+                          </a:solidFill>
+                          <a:latin typeface="Cambria Math" panose="02040503050406030204" pitchFamily="18" charset="0"/>
+                        </a:rPr>
+                        <m:t>𝑃</m:t>
+                      </m:r>
+                      <m:r>
+                        <a:rPr lang="en-GB" altLang="zh-CN" sz="1400" b="0" i="1" smtClean="0">
+                          <a:solidFill>
+                            <a:schemeClr val="tx2"/>
+                          </a:solidFill>
+                          <a:latin typeface="Cambria Math" panose="02040503050406030204" pitchFamily="18" charset="0"/>
+                        </a:rPr>
+                        <m:t>,</m:t>
+                      </m:r>
+                    </m:oMath>
+                  </m:oMathPara>
+                </a14:m>
+                <a:endParaRPr lang="en-GB" altLang="zh-CN" sz="1400" b="0" dirty="0">
+                  <a:solidFill>
+                    <a:schemeClr val="tx2"/>
+                  </a:solidFill>
+                </a:endParaRPr>
+              </a:p>
+              <a:p>
+                <a:pPr/>
+                <a14:m>
+                  <m:oMathPara xmlns:m="http://schemas.openxmlformats.org/officeDocument/2006/math">
+                    <m:oMathParaPr>
+                      <m:jc m:val="centerGroup"/>
+                    </m:oMathParaPr>
+                    <m:oMath xmlns:m="http://schemas.openxmlformats.org/officeDocument/2006/math">
+                      <m:r>
+                        <a:rPr lang="en-GB" sz="1400" b="0" i="1" smtClean="0">
+                          <a:solidFill>
+                            <a:schemeClr val="tx2"/>
+                          </a:solidFill>
+                          <a:latin typeface="Cambria Math" panose="02040503050406030204" pitchFamily="18" charset="0"/>
+                        </a:rPr>
+                        <m:t>𝐼</m:t>
+                      </m:r>
+                      <m:d>
+                        <m:dPr>
+                          <m:ctrlPr>
+                            <a:rPr lang="en-GB" sz="1400" b="0" i="1" smtClean="0">
+                              <a:solidFill>
+                                <a:schemeClr val="tx2"/>
+                              </a:solidFill>
+                              <a:latin typeface="Cambria Math" panose="02040503050406030204" pitchFamily="18" charset="0"/>
+                            </a:rPr>
+                          </m:ctrlPr>
+                        </m:dPr>
+                        <m:e>
+                          <m:sSub>
+                            <m:sSubPr>
+                              <m:ctrlPr>
+                                <a:rPr lang="en-GB" sz="1400" b="1" i="1">
+                                  <a:solidFill>
+                                    <a:schemeClr val="tx2"/>
+                                  </a:solidFill>
+                                  <a:latin typeface="Cambria Math" panose="02040503050406030204" pitchFamily="18" charset="0"/>
+                                </a:rPr>
+                              </m:ctrlPr>
+                            </m:sSubPr>
+                            <m:e>
+                              <m:r>
+                                <a:rPr lang="en-GB" sz="1400" b="1" i="1">
+                                  <a:solidFill>
+                                    <a:schemeClr val="tx2"/>
+                                  </a:solidFill>
+                                  <a:latin typeface="Cambria Math" panose="02040503050406030204" pitchFamily="18" charset="0"/>
+                                </a:rPr>
+                                <m:t>𝑺</m:t>
+                              </m:r>
+                            </m:e>
+                            <m:sub>
+                              <m:r>
+                                <a:rPr lang="en-GB" sz="1400" b="0" i="1" smtClean="0">
+                                  <a:solidFill>
+                                    <a:schemeClr val="tx2"/>
+                                  </a:solidFill>
+                                  <a:latin typeface="Cambria Math" panose="02040503050406030204" pitchFamily="18" charset="0"/>
+                                </a:rPr>
+                                <m:t>𝐼</m:t>
+                              </m:r>
+                            </m:sub>
+                          </m:sSub>
+                          <m:r>
+                            <a:rPr lang="en-GB" sz="1400" b="1" i="1" smtClean="0">
+                              <a:solidFill>
+                                <a:schemeClr val="tx2"/>
+                              </a:solidFill>
+                              <a:latin typeface="Cambria Math" panose="02040503050406030204" pitchFamily="18" charset="0"/>
+                            </a:rPr>
+                            <m:t>,</m:t>
+                          </m:r>
+                          <m:sSubSup>
+                            <m:sSubSupPr>
+                              <m:ctrlPr>
+                                <a:rPr lang="en-GB" sz="1400" b="1" i="1">
+                                  <a:solidFill>
+                                    <a:schemeClr val="tx2"/>
+                                  </a:solidFill>
+                                  <a:latin typeface="Cambria Math" panose="02040503050406030204" pitchFamily="18" charset="0"/>
+                                  <a:ea typeface="Cambria Math" panose="02040503050406030204" pitchFamily="18" charset="0"/>
+                                </a:rPr>
+                              </m:ctrlPr>
+                            </m:sSubSupPr>
+                            <m:e>
+                              <m:r>
+                                <a:rPr lang="en-GB" sz="1400" b="1" i="1">
+                                  <a:solidFill>
+                                    <a:schemeClr val="tx2"/>
+                                  </a:solidFill>
+                                  <a:latin typeface="Cambria Math" panose="02040503050406030204" pitchFamily="18" charset="0"/>
+                                  <a:ea typeface="Cambria Math" panose="02040503050406030204" pitchFamily="18" charset="0"/>
+                                </a:rPr>
+                                <m:t>𝚽</m:t>
+                              </m:r>
+                            </m:e>
+                            <m:sub>
+                              <m:r>
+                                <a:rPr lang="en-GB" sz="1400" i="1">
+                                  <a:solidFill>
+                                    <a:schemeClr val="tx2"/>
+                                  </a:solidFill>
+                                  <a:latin typeface="Cambria Math" panose="02040503050406030204" pitchFamily="18" charset="0"/>
+                                  <a:ea typeface="Cambria Math" panose="02040503050406030204" pitchFamily="18" charset="0"/>
+                                </a:rPr>
+                                <m:t>𝐼</m:t>
+                              </m:r>
+                            </m:sub>
+                            <m:sup>
+                              <m:r>
+                                <a:rPr lang="en-GB" sz="1400" i="1">
+                                  <a:solidFill>
+                                    <a:schemeClr val="tx2"/>
+                                  </a:solidFill>
+                                  <a:latin typeface="Cambria Math" panose="02040503050406030204" pitchFamily="18" charset="0"/>
+                                  <a:ea typeface="Cambria Math" panose="02040503050406030204" pitchFamily="18" charset="0"/>
+                                </a:rPr>
+                                <m:t>⋆</m:t>
+                              </m:r>
+                            </m:sup>
+                          </m:sSubSup>
+                          <m:r>
+                            <a:rPr lang="en-GB" sz="1400" b="1" i="1">
+                              <a:solidFill>
+                                <a:schemeClr val="tx2"/>
+                              </a:solidFill>
+                              <a:latin typeface="Cambria Math" panose="02040503050406030204" pitchFamily="18" charset="0"/>
+                              <a:ea typeface="Cambria Math" panose="02040503050406030204" pitchFamily="18" charset="0"/>
+                            </a:rPr>
+                            <m:t>,</m:t>
+                          </m:r>
+                          <m:r>
+                            <a:rPr lang="el-GR" altLang="zh-CN" sz="1400" i="1">
+                              <a:solidFill>
+                                <a:schemeClr val="tx2"/>
+                              </a:solidFill>
+                              <a:latin typeface="Cambria Math" panose="02040503050406030204" pitchFamily="18" charset="0"/>
+                            </a:rPr>
+                            <m:t>𝜌</m:t>
+                          </m:r>
+                        </m:e>
+                      </m:d>
+                      <m:r>
+                        <a:rPr lang="en-GB" sz="1400" b="0" i="1" smtClean="0">
+                          <a:solidFill>
+                            <a:schemeClr val="tx2"/>
+                          </a:solidFill>
+                          <a:latin typeface="Cambria Math" panose="02040503050406030204" pitchFamily="18" charset="0"/>
+                        </a:rPr>
+                        <m:t>≤</m:t>
+                      </m:r>
+                      <m:r>
+                        <a:rPr lang="en-GB" sz="1400" b="0" i="1" smtClean="0">
+                          <a:solidFill>
+                            <a:schemeClr val="tx2"/>
+                          </a:solidFill>
+                          <a:latin typeface="Cambria Math" panose="02040503050406030204" pitchFamily="18" charset="0"/>
+                        </a:rPr>
+                        <m:t>𝑅</m:t>
+                      </m:r>
+                    </m:oMath>
+                  </m:oMathPara>
+                </a14:m>
+                <a:endParaRPr lang="en-GB" sz="1400" dirty="0">
+                  <a:solidFill>
+                    <a:schemeClr val="tx2"/>
+                  </a:solidFill>
+                </a:endParaRPr>
+              </a:p>
+            </p:txBody>
+          </p:sp>
+        </mc:Choice>
+        <mc:Fallback>
+          <p:sp>
+            <p:nvSpPr>
+              <p:cNvPr id="3" name="TextBox 2">
+                <a:extLst>
+                  <a:ext uri="{FF2B5EF4-FFF2-40B4-BE49-F238E27FC236}">
+                    <a16:creationId xmlns:a16="http://schemas.microsoft.com/office/drawing/2014/main" id="{637A40FB-9490-4EB0-AC89-85527B195E6A}"/>
+                  </a:ext>
+                </a:extLst>
+              </p:cNvPr>
+              <p:cNvSpPr txBox="1">
+                <a:spLocks noRot="1" noChangeAspect="1" noMove="1" noResize="1" noEditPoints="1" noAdjustHandles="1" noChangeArrowheads="1" noChangeShapeType="1" noTextEdit="1"/>
+              </p:cNvSpPr>
+              <p:nvPr/>
+            </p:nvSpPr>
+            <p:spPr>
+              <a:xfrm>
+                <a:off x="5432052" y="2318814"/>
+                <a:ext cx="2103909" cy="741934"/>
+              </a:xfrm>
+              <a:prstGeom prst="rect">
+                <a:avLst/>
+              </a:prstGeom>
+              <a:blipFill>
+                <a:blip r:embed="rId4"/>
+                <a:stretch>
+                  <a:fillRect l="-290" r="-2319" b="-7377"/>
+                </a:stretch>
+              </a:blipFill>
+            </p:spPr>
+            <p:txBody>
+              <a:bodyPr/>
+              <a:lstStyle/>
+              <a:p>
+                <a:r>
+                  <a:rPr lang="en-GB">
+                    <a:noFill/>
+                  </a:rPr>
+                  <a:t> </a:t>
+                </a:r>
+              </a:p>
+            </p:txBody>
+          </p:sp>
+        </mc:Fallback>
+      </mc:AlternateContent>
+      <p:sp>
+        <p:nvSpPr>
+          <p:cNvPr id="11" name="TextBox 10">
+            <a:extLst>
+              <a:ext uri="{FF2B5EF4-FFF2-40B4-BE49-F238E27FC236}">
+                <a16:creationId xmlns:a16="http://schemas.microsoft.com/office/drawing/2014/main" id="{E617ABDA-B10E-4308-ACB9-70527BE9DFFB}"/>
+              </a:ext>
+            </a:extLst>
+          </p:cNvPr>
+          <p:cNvSpPr txBox="1"/>
+          <p:nvPr/>
+        </p:nvSpPr>
+        <p:spPr>
+          <a:xfrm>
+            <a:off x="4533899" y="3328540"/>
+            <a:ext cx="4152901" cy="738664"/>
+          </a:xfrm>
+          <a:prstGeom prst="rect">
+            <a:avLst/>
+          </a:prstGeom>
+          <a:noFill/>
+        </p:spPr>
+        <p:txBody>
+          <a:bodyPr wrap="square" rtlCol="0">
+            <a:spAutoFit/>
+          </a:bodyPr>
+          <a:lstStyle/>
+          <a:p>
+            <a:r>
+              <a:rPr lang="en-GB" sz="1400" dirty="0">
+                <a:solidFill>
+                  <a:schemeClr val="accent1"/>
+                </a:solidFill>
+              </a:rPr>
+              <a:t>… and can be transformed to Geometric Program then solved by the algorithms proposed by the paper</a:t>
+            </a:r>
+            <a:endParaRPr lang="en-GB" sz="1200" dirty="0">
+              <a:solidFill>
+                <a:schemeClr val="accent1"/>
+              </a:solidFill>
+            </a:endParaRPr>
+          </a:p>
+        </p:txBody>
+      </p:sp>
+      <p:sp>
+        <p:nvSpPr>
+          <p:cNvPr id="14" name="TextBox 13">
+            <a:extLst>
+              <a:ext uri="{FF2B5EF4-FFF2-40B4-BE49-F238E27FC236}">
+                <a16:creationId xmlns:a16="http://schemas.microsoft.com/office/drawing/2014/main" id="{D1BFA332-5024-4966-995B-116C4D7BC27A}"/>
+              </a:ext>
+            </a:extLst>
+          </p:cNvPr>
+          <p:cNvSpPr txBox="1"/>
+          <p:nvPr/>
+        </p:nvSpPr>
+        <p:spPr>
+          <a:xfrm>
+            <a:off x="370526" y="3117245"/>
+            <a:ext cx="3901027" cy="1169551"/>
+          </a:xfrm>
+          <a:prstGeom prst="rect">
+            <a:avLst/>
+          </a:prstGeom>
+          <a:noFill/>
+        </p:spPr>
+        <p:txBody>
+          <a:bodyPr wrap="square" rtlCol="0">
+            <a:spAutoFit/>
+          </a:bodyPr>
+          <a:lstStyle/>
+          <a:p>
+            <a:pPr marL="285750" indent="-285750">
+              <a:buFont typeface="Arial" panose="020B0604020202020204" pitchFamily="34" charset="0"/>
+              <a:buChar char="•"/>
+            </a:pPr>
+            <a:r>
+              <a:rPr lang="en-GB" sz="1400" dirty="0">
+                <a:solidFill>
+                  <a:schemeClr val="accent1"/>
+                </a:solidFill>
+              </a:rPr>
+              <a:t>Rate does not exceed mutual information</a:t>
+            </a:r>
+          </a:p>
+          <a:p>
+            <a:pPr marL="285750" indent="-285750">
+              <a:buFont typeface="Arial" panose="020B0604020202020204" pitchFamily="34" charset="0"/>
+              <a:buChar char="•"/>
+            </a:pPr>
+            <a:r>
+              <a:rPr lang="en-GB" sz="1400" dirty="0">
+                <a:solidFill>
+                  <a:schemeClr val="accent1"/>
+                </a:solidFill>
+              </a:rPr>
+              <a:t>Output </a:t>
+            </a:r>
+            <a:r>
+              <a:rPr lang="en-US" altLang="zh-CN" sz="1400" dirty="0">
+                <a:solidFill>
+                  <a:schemeClr val="accent1"/>
+                </a:solidFill>
+              </a:rPr>
+              <a:t>current is no larger than diode DC current</a:t>
+            </a:r>
+          </a:p>
+          <a:p>
+            <a:pPr marL="285750" indent="-285750">
+              <a:buFont typeface="Arial" panose="020B0604020202020204" pitchFamily="34" charset="0"/>
+              <a:buChar char="•"/>
+            </a:pPr>
+            <a:r>
+              <a:rPr lang="en-GB" sz="1400" dirty="0">
+                <a:solidFill>
+                  <a:schemeClr val="accent1"/>
+                </a:solidFill>
+              </a:rPr>
+              <a:t>Resource spent on energy and information components no more than budget</a:t>
+            </a:r>
+            <a:endParaRPr lang="en-US" altLang="zh-CN" sz="1400" dirty="0">
+              <a:solidFill>
+                <a:schemeClr val="tx2"/>
+              </a:solidFill>
+            </a:endParaRPr>
+          </a:p>
+        </p:txBody>
+      </p:sp>
+    </p:spTree>
+    <p:extLst>
+      <p:ext uri="{BB962C8B-B14F-4D97-AF65-F5344CB8AC3E}">
+        <p14:creationId xmlns:p14="http://schemas.microsoft.com/office/powerpoint/2010/main" val="43064312"/>
+      </p:ext>
+    </p:extLst>
+  </p:cSld>
+  <p:clrMapOvr>
+    <a:masterClrMapping/>
+  </p:clrMapOvr>
+</p:sld>
+</file>
+
+<file path=ppt/slides/slide9.xml><?xml version="1.0" encoding="utf-8"?>
 <p:sld xmlns:a="http://schemas.openxmlformats.org/drawingml/2006/main" xmlns:r="http://schemas.openxmlformats.org/officeDocument/2006/relationships" xmlns:p="http://schemas.openxmlformats.org/presentationml/2006/main">
   <p:cSld>
     <p:spTree>
@@ -11184,501 +15058,6 @@
     <p:extLst>
       <p:ext uri="{BB962C8B-B14F-4D97-AF65-F5344CB8AC3E}">
         <p14:creationId xmlns:p14="http://schemas.microsoft.com/office/powerpoint/2010/main" val="408105533"/>
-      </p:ext>
-    </p:extLst>
-  </p:cSld>
-  <p:clrMapOvr>
-    <a:masterClrMapping/>
-  </p:clrMapOvr>
-</p:sld>
-</file>
-
-<file path=ppt/slides/slide8.xml><?xml version="1.0" encoding="utf-8"?>
-<p:sld xmlns:a="http://schemas.openxmlformats.org/drawingml/2006/main" xmlns:r="http://schemas.openxmlformats.org/officeDocument/2006/relationships" xmlns:p="http://schemas.openxmlformats.org/presentationml/2006/main">
-  <p:cSld>
-    <p:spTree>
-      <p:nvGrpSpPr>
-        <p:cNvPr id="1" name=""/>
-        <p:cNvGrpSpPr/>
-        <p:nvPr/>
-      </p:nvGrpSpPr>
-      <p:grpSpPr>
-        <a:xfrm>
-          <a:off x="0" y="0"/>
-          <a:ext cx="0" cy="0"/>
-          <a:chOff x="0" y="0"/>
-          <a:chExt cx="0" cy="0"/>
-        </a:xfrm>
-      </p:grpSpPr>
-      <p:sp>
-        <p:nvSpPr>
-          <p:cNvPr id="2" name="Picture Placeholder 1"/>
-          <p:cNvSpPr>
-            <a:spLocks noGrp="1"/>
-          </p:cNvSpPr>
-          <p:nvPr>
-            <p:ph type="pic" sz="quarter" idx="13"/>
-          </p:nvPr>
-        </p:nvSpPr>
-        <p:spPr>
-          <a:xfrm>
-            <a:off x="457200" y="1115931"/>
-            <a:ext cx="3951287" cy="2611410"/>
-          </a:xfrm>
-        </p:spPr>
-      </p:sp>
-      <p:sp>
-        <p:nvSpPr>
-          <p:cNvPr id="3" name="Text Placeholder 2"/>
-          <p:cNvSpPr>
-            <a:spLocks noGrp="1"/>
-          </p:cNvSpPr>
-          <p:nvPr>
-            <p:ph type="body" sz="quarter" idx="14"/>
-          </p:nvPr>
-        </p:nvSpPr>
-        <p:spPr/>
-        <p:txBody>
-          <a:bodyPr/>
-          <a:lstStyle/>
-          <a:p>
-            <a:endParaRPr lang="en-US"/>
-          </a:p>
-        </p:txBody>
-      </p:sp>
-      <p:sp>
-        <p:nvSpPr>
-          <p:cNvPr id="4" name="Picture Placeholder 3"/>
-          <p:cNvSpPr>
-            <a:spLocks noGrp="1"/>
-          </p:cNvSpPr>
-          <p:nvPr>
-            <p:ph type="pic" sz="quarter" idx="15"/>
-          </p:nvPr>
-        </p:nvSpPr>
-        <p:spPr>
-          <a:xfrm>
-            <a:off x="4735514" y="1115932"/>
-            <a:ext cx="3951287" cy="1479401"/>
-          </a:xfrm>
-        </p:spPr>
-      </p:sp>
-      <p:sp>
-        <p:nvSpPr>
-          <p:cNvPr id="5" name="Picture Placeholder 4"/>
-          <p:cNvSpPr>
-            <a:spLocks noGrp="1"/>
-          </p:cNvSpPr>
-          <p:nvPr>
-            <p:ph type="pic" sz="quarter" idx="16"/>
-          </p:nvPr>
-        </p:nvSpPr>
-        <p:spPr>
-          <a:xfrm>
-            <a:off x="4735514" y="2816214"/>
-            <a:ext cx="3951287" cy="1557158"/>
-          </a:xfrm>
-        </p:spPr>
-      </p:sp>
-      <p:sp>
-        <p:nvSpPr>
-          <p:cNvPr id="12" name="Text Placeholder 5">
-            <a:extLst>
-              <a:ext uri="{FF2B5EF4-FFF2-40B4-BE49-F238E27FC236}">
-                <a16:creationId xmlns:a16="http://schemas.microsoft.com/office/drawing/2014/main" id="{31A08698-A4CE-4AC4-954C-3122B166492B}"/>
-              </a:ext>
-            </a:extLst>
-          </p:cNvPr>
-          <p:cNvSpPr>
-            <a:spLocks noGrp="1"/>
-          </p:cNvSpPr>
-          <p:nvPr>
-            <p:ph type="body" sz="quarter" idx="10"/>
-          </p:nvPr>
-        </p:nvSpPr>
-        <p:spPr>
-          <a:xfrm>
-            <a:off x="6553925" y="497144"/>
-            <a:ext cx="2132875" cy="234218"/>
-          </a:xfrm>
-        </p:spPr>
-        <p:txBody>
-          <a:bodyPr/>
-          <a:lstStyle/>
-          <a:p>
-            <a:r>
-              <a:rPr lang="en-GB" dirty="0"/>
-              <a:t>Waveform Optimisation for Information and Power Transfer</a:t>
-            </a:r>
-            <a:endParaRPr lang="en-US" dirty="0"/>
-          </a:p>
-        </p:txBody>
-      </p:sp>
-      <p:sp>
-        <p:nvSpPr>
-          <p:cNvPr id="13" name="Text Placeholder 6">
-            <a:extLst>
-              <a:ext uri="{FF2B5EF4-FFF2-40B4-BE49-F238E27FC236}">
-                <a16:creationId xmlns:a16="http://schemas.microsoft.com/office/drawing/2014/main" id="{D483715F-8746-45EB-B3FE-7E10A461C9F5}"/>
-              </a:ext>
-            </a:extLst>
-          </p:cNvPr>
-          <p:cNvSpPr txBox="1">
-            <a:spLocks/>
-          </p:cNvSpPr>
-          <p:nvPr/>
-        </p:nvSpPr>
-        <p:spPr>
-          <a:xfrm>
-            <a:off x="7239942" y="817305"/>
-            <a:ext cx="1446859" cy="192881"/>
-          </a:xfrm>
-          <a:prstGeom prst="rect">
-            <a:avLst/>
-          </a:prstGeom>
-        </p:spPr>
-        <p:txBody>
-          <a:bodyPr vert="horz" lIns="0" tIns="0" rIns="0" bIns="0" rtlCol="0">
-            <a:noAutofit/>
-          </a:bodyPr>
-          <a:lstStyle>
-            <a:lvl1pPr marL="342900" indent="-342900" algn="l" defTabSz="457200" rtl="0" eaLnBrk="1" latinLnBrk="0" hangingPunct="1">
-              <a:spcBef>
-                <a:spcPct val="20000"/>
-              </a:spcBef>
-              <a:buClr>
-                <a:srgbClr val="0085CA"/>
-              </a:buClr>
-              <a:buFont typeface="Arial"/>
-              <a:buChar char="•"/>
-              <a:defRPr sz="1800" kern="1200">
-                <a:solidFill>
-                  <a:schemeClr val="tx1"/>
-                </a:solidFill>
-                <a:latin typeface="Arial"/>
-                <a:ea typeface="+mn-ea"/>
-                <a:cs typeface="Arial"/>
-              </a:defRPr>
-            </a:lvl1pPr>
-            <a:lvl2pPr marL="742950" indent="-285750" algn="l" defTabSz="457200" rtl="0" eaLnBrk="1" latinLnBrk="0" hangingPunct="1">
-              <a:spcBef>
-                <a:spcPct val="20000"/>
-              </a:spcBef>
-              <a:buClr>
-                <a:srgbClr val="0085CA"/>
-              </a:buClr>
-              <a:buFont typeface="Arial"/>
-              <a:buChar char="–"/>
-              <a:defRPr sz="1800" kern="1200">
-                <a:solidFill>
-                  <a:schemeClr val="tx1"/>
-                </a:solidFill>
-                <a:latin typeface="Arial"/>
-                <a:ea typeface="+mn-ea"/>
-                <a:cs typeface="Arial"/>
-              </a:defRPr>
-            </a:lvl2pPr>
-            <a:lvl3pPr marL="1143000" indent="-228600" algn="l" defTabSz="457200" rtl="0" eaLnBrk="1" latinLnBrk="0" hangingPunct="1">
-              <a:spcBef>
-                <a:spcPct val="20000"/>
-              </a:spcBef>
-              <a:buClr>
-                <a:srgbClr val="0085CA"/>
-              </a:buClr>
-              <a:buFont typeface="Arial"/>
-              <a:buChar char="•"/>
-              <a:defRPr sz="1200" kern="1200">
-                <a:solidFill>
-                  <a:schemeClr val="tx1"/>
-                </a:solidFill>
-                <a:latin typeface="Arial"/>
-                <a:ea typeface="+mn-ea"/>
-                <a:cs typeface="Arial"/>
-              </a:defRPr>
-            </a:lvl3pPr>
-            <a:lvl4pPr marL="1600200" indent="-228600" algn="l" defTabSz="457200" rtl="0" eaLnBrk="1" latinLnBrk="0" hangingPunct="1">
-              <a:spcBef>
-                <a:spcPct val="20000"/>
-              </a:spcBef>
-              <a:buClr>
-                <a:srgbClr val="0085CA"/>
-              </a:buClr>
-              <a:buFont typeface="Arial"/>
-              <a:buChar char="–"/>
-              <a:defRPr sz="1200" kern="1200">
-                <a:solidFill>
-                  <a:schemeClr val="tx1"/>
-                </a:solidFill>
-                <a:latin typeface="Arial"/>
-                <a:ea typeface="+mn-ea"/>
-                <a:cs typeface="Arial"/>
-              </a:defRPr>
-            </a:lvl4pPr>
-            <a:lvl5pPr marL="2057400" indent="-228600" algn="l" defTabSz="457200" rtl="0" eaLnBrk="1" latinLnBrk="0" hangingPunct="1">
-              <a:spcBef>
-                <a:spcPct val="20000"/>
-              </a:spcBef>
-              <a:buClr>
-                <a:srgbClr val="0085CA"/>
-              </a:buClr>
-              <a:buFont typeface="Arial"/>
-              <a:buChar char="»"/>
-              <a:defRPr sz="1200" kern="1200">
-                <a:solidFill>
-                  <a:schemeClr val="tx1"/>
-                </a:solidFill>
-                <a:latin typeface="Arial"/>
-                <a:ea typeface="+mn-ea"/>
-                <a:cs typeface="Arial"/>
-              </a:defRPr>
-            </a:lvl5pPr>
-            <a:lvl6pPr marL="2514600" indent="-228600" algn="l" defTabSz="457200" rtl="0" eaLnBrk="1" latinLnBrk="0" hangingPunct="1">
-              <a:spcBef>
-                <a:spcPct val="20000"/>
-              </a:spcBef>
-              <a:buFont typeface="Arial"/>
-              <a:buChar char="•"/>
-              <a:defRPr sz="2000" kern="1200">
-                <a:solidFill>
-                  <a:schemeClr val="tx1"/>
-                </a:solidFill>
-                <a:latin typeface="+mn-lt"/>
-                <a:ea typeface="+mn-ea"/>
-                <a:cs typeface="+mn-cs"/>
-              </a:defRPr>
-            </a:lvl6pPr>
-            <a:lvl7pPr marL="2971800" indent="-228600" algn="l" defTabSz="457200" rtl="0" eaLnBrk="1" latinLnBrk="0" hangingPunct="1">
-              <a:spcBef>
-                <a:spcPct val="20000"/>
-              </a:spcBef>
-              <a:buFont typeface="Arial"/>
-              <a:buChar char="•"/>
-              <a:defRPr sz="2000" kern="1200">
-                <a:solidFill>
-                  <a:schemeClr val="tx1"/>
-                </a:solidFill>
-                <a:latin typeface="+mn-lt"/>
-                <a:ea typeface="+mn-ea"/>
-                <a:cs typeface="+mn-cs"/>
-              </a:defRPr>
-            </a:lvl7pPr>
-            <a:lvl8pPr marL="3429000" indent="-228600" algn="l" defTabSz="457200" rtl="0" eaLnBrk="1" latinLnBrk="0" hangingPunct="1">
-              <a:spcBef>
-                <a:spcPct val="20000"/>
-              </a:spcBef>
-              <a:buFont typeface="Arial"/>
-              <a:buChar char="•"/>
-              <a:defRPr sz="2000" kern="1200">
-                <a:solidFill>
-                  <a:schemeClr val="tx1"/>
-                </a:solidFill>
-                <a:latin typeface="+mn-lt"/>
-                <a:ea typeface="+mn-ea"/>
-                <a:cs typeface="+mn-cs"/>
-              </a:defRPr>
-            </a:lvl8pPr>
-            <a:lvl9pPr marL="3886200" indent="-228600" algn="l" defTabSz="457200" rtl="0" eaLnBrk="1" latinLnBrk="0" hangingPunct="1">
-              <a:spcBef>
-                <a:spcPct val="20000"/>
-              </a:spcBef>
-              <a:buFont typeface="Arial"/>
-              <a:buChar char="•"/>
-              <a:defRPr sz="2000" kern="1200">
-                <a:solidFill>
-                  <a:schemeClr val="tx1"/>
-                </a:solidFill>
-                <a:latin typeface="+mn-lt"/>
-                <a:ea typeface="+mn-ea"/>
-                <a:cs typeface="+mn-cs"/>
-              </a:defRPr>
-            </a:lvl9pPr>
-          </a:lstStyle>
-          <a:p>
-            <a:pPr marL="0" indent="0" algn="r">
-              <a:buNone/>
-            </a:pPr>
-            <a:r>
-              <a:rPr lang="en-US" altLang="zh-CN" sz="1000" dirty="0">
-                <a:solidFill>
-                  <a:schemeClr val="tx2"/>
-                </a:solidFill>
-              </a:rPr>
-              <a:t>15 F</a:t>
-            </a:r>
-            <a:r>
-              <a:rPr lang="en-GB" altLang="zh-CN" sz="1000" dirty="0">
-                <a:solidFill>
-                  <a:schemeClr val="tx2"/>
-                </a:solidFill>
-              </a:rPr>
-              <a:t>eb. 19</a:t>
-            </a:r>
-            <a:endParaRPr lang="en-US" sz="1000" dirty="0">
-              <a:solidFill>
-                <a:schemeClr val="tx2"/>
-              </a:solidFill>
-            </a:endParaRPr>
-          </a:p>
-        </p:txBody>
-      </p:sp>
-    </p:spTree>
-    <p:extLst>
-      <p:ext uri="{BB962C8B-B14F-4D97-AF65-F5344CB8AC3E}">
-        <p14:creationId xmlns:p14="http://schemas.microsoft.com/office/powerpoint/2010/main" val="2046671382"/>
-      </p:ext>
-    </p:extLst>
-  </p:cSld>
-  <p:clrMapOvr>
-    <a:masterClrMapping/>
-  </p:clrMapOvr>
-</p:sld>
-</file>
-
-<file path=ppt/slides/slide9.xml><?xml version="1.0" encoding="utf-8"?>
-<p:sld xmlns:a="http://schemas.openxmlformats.org/drawingml/2006/main" xmlns:r="http://schemas.openxmlformats.org/officeDocument/2006/relationships" xmlns:p="http://schemas.openxmlformats.org/presentationml/2006/main">
-  <p:cSld>
-    <p:spTree>
-      <p:nvGrpSpPr>
-        <p:cNvPr id="1" name=""/>
-        <p:cNvGrpSpPr/>
-        <p:nvPr/>
-      </p:nvGrpSpPr>
-      <p:grpSpPr>
-        <a:xfrm>
-          <a:off x="0" y="0"/>
-          <a:ext cx="0" cy="0"/>
-          <a:chOff x="0" y="0"/>
-          <a:chExt cx="0" cy="0"/>
-        </a:xfrm>
-      </p:grpSpPr>
-      <p:sp>
-        <p:nvSpPr>
-          <p:cNvPr id="2" name="Subtitle 1"/>
-          <p:cNvSpPr>
-            <a:spLocks noGrp="1"/>
-          </p:cNvSpPr>
-          <p:nvPr>
-            <p:ph type="subTitle" idx="1"/>
-          </p:nvPr>
-        </p:nvSpPr>
-        <p:spPr/>
-        <p:txBody>
-          <a:bodyPr/>
-          <a:lstStyle/>
-          <a:p>
-            <a:endParaRPr lang="en-US" dirty="0"/>
-          </a:p>
-        </p:txBody>
-      </p:sp>
-      <p:sp>
-        <p:nvSpPr>
-          <p:cNvPr id="3" name="Title 2"/>
-          <p:cNvSpPr>
-            <a:spLocks noGrp="1"/>
-          </p:cNvSpPr>
-          <p:nvPr>
-            <p:ph type="title"/>
-          </p:nvPr>
-        </p:nvSpPr>
-        <p:spPr/>
-        <p:txBody>
-          <a:bodyPr/>
-          <a:lstStyle/>
-          <a:p>
-            <a:endParaRPr lang="en-US" dirty="0"/>
-          </a:p>
-        </p:txBody>
-      </p:sp>
-      <p:sp>
-        <p:nvSpPr>
-          <p:cNvPr id="4" name="Text Placeholder 3"/>
-          <p:cNvSpPr>
-            <a:spLocks noGrp="1"/>
-          </p:cNvSpPr>
-          <p:nvPr>
-            <p:ph type="body" sz="quarter" idx="11"/>
-          </p:nvPr>
-        </p:nvSpPr>
-        <p:spPr/>
-        <p:txBody>
-          <a:bodyPr/>
-          <a:lstStyle/>
-          <a:p>
-            <a:endParaRPr lang="en-US"/>
-          </a:p>
-        </p:txBody>
-      </p:sp>
-      <p:sp>
-        <p:nvSpPr>
-          <p:cNvPr id="5" name="Picture Placeholder 4"/>
-          <p:cNvSpPr>
-            <a:spLocks noGrp="1"/>
-          </p:cNvSpPr>
-          <p:nvPr>
-            <p:ph type="pic" sz="quarter" idx="12"/>
-          </p:nvPr>
-        </p:nvSpPr>
-        <p:spPr/>
-      </p:sp>
-      <p:sp>
-        <p:nvSpPr>
-          <p:cNvPr id="6" name="Text Placeholder 5"/>
-          <p:cNvSpPr>
-            <a:spLocks noGrp="1"/>
-          </p:cNvSpPr>
-          <p:nvPr>
-            <p:ph type="body" sz="quarter" idx="10"/>
-          </p:nvPr>
-        </p:nvSpPr>
-        <p:spPr/>
-        <p:txBody>
-          <a:bodyPr/>
-          <a:lstStyle/>
-          <a:p>
-            <a:r>
-              <a:rPr lang="en-GB" dirty="0"/>
-              <a:t>Waveform Optimisation for Information and Power Transfer</a:t>
-            </a:r>
-            <a:endParaRPr lang="en-US" dirty="0"/>
-          </a:p>
-        </p:txBody>
-      </p:sp>
-      <p:sp>
-        <p:nvSpPr>
-          <p:cNvPr id="7" name="Text Placeholder 6"/>
-          <p:cNvSpPr>
-            <a:spLocks noGrp="1"/>
-          </p:cNvSpPr>
-          <p:nvPr>
-            <p:ph type="body" sz="quarter" idx="13"/>
-          </p:nvPr>
-        </p:nvSpPr>
-        <p:spPr>
-          <a:xfrm>
-            <a:off x="7239942" y="817305"/>
-            <a:ext cx="1446859" cy="192881"/>
-          </a:xfrm>
-        </p:spPr>
-        <p:txBody>
-          <a:bodyPr/>
-          <a:lstStyle/>
-          <a:p>
-            <a:r>
-              <a:rPr lang="en-US" altLang="zh-CN" dirty="0"/>
-              <a:t>15 F</a:t>
-            </a:r>
-            <a:r>
-              <a:rPr lang="en-GB" altLang="zh-CN" dirty="0"/>
-              <a:t>eb. 19</a:t>
-            </a:r>
-            <a:endParaRPr lang="en-US" dirty="0"/>
-          </a:p>
-        </p:txBody>
-      </p:sp>
-    </p:spTree>
-    <p:extLst>
-      <p:ext uri="{BB962C8B-B14F-4D97-AF65-F5344CB8AC3E}">
-        <p14:creationId xmlns:p14="http://schemas.microsoft.com/office/powerpoint/2010/main" val="2579516049"/>
       </p:ext>
     </p:extLst>
   </p:cSld>
